--- a/docs/pptx/VINS/09-VINS-IMU预积分.pptx
+++ b/docs/pptx/VINS/09-VINS-IMU预积分.pptx
@@ -4,6 +4,9 @@
   <p:sldMasterIdLst>
     <p:sldMasterId id="2147483648" r:id="rId1"/>
   </p:sldMasterIdLst>
+  <p:notesMasterIdLst>
+    <p:notesMasterId r:id="rId35"/>
+  </p:notesMasterIdLst>
   <p:sldIdLst>
     <p:sldId id="256" r:id="rId2"/>
     <p:sldId id="314" r:id="rId3"/>
@@ -28,7 +31,16 @@
     <p:sldId id="331" r:id="rId22"/>
     <p:sldId id="332" r:id="rId23"/>
     <p:sldId id="333" r:id="rId24"/>
-    <p:sldId id="273" r:id="rId25"/>
+    <p:sldId id="334" r:id="rId25"/>
+    <p:sldId id="335" r:id="rId26"/>
+    <p:sldId id="342" r:id="rId27"/>
+    <p:sldId id="336" r:id="rId28"/>
+    <p:sldId id="337" r:id="rId29"/>
+    <p:sldId id="338" r:id="rId30"/>
+    <p:sldId id="339" r:id="rId31"/>
+    <p:sldId id="340" r:id="rId32"/>
+    <p:sldId id="341" r:id="rId33"/>
+    <p:sldId id="273" r:id="rId34"/>
   </p:sldIdLst>
   <p:sldSz cx="12192000" cy="6858000"/>
   <p:notesSz cx="6858000" cy="9144000"/>
@@ -133,6 +145,1279 @@
     </p:ext>
   </p:extLst>
 </p:presentation>
+</file>
+
+<file path=ppt/notesMasters/notesMaster1.xml><?xml version="1.0" encoding="utf-8"?>
+<p:notesMaster xmlns:a="http://schemas.openxmlformats.org/drawingml/2006/main" xmlns:r="http://schemas.openxmlformats.org/officeDocument/2006/relationships" xmlns:p="http://schemas.openxmlformats.org/presentationml/2006/main">
+  <p:cSld>
+    <p:bg>
+      <p:bgRef idx="1001">
+        <a:schemeClr val="bg1"/>
+      </p:bgRef>
+    </p:bg>
+    <p:spTree>
+      <p:nvGrpSpPr>
+        <p:cNvPr id="1" name=""/>
+        <p:cNvGrpSpPr/>
+        <p:nvPr/>
+      </p:nvGrpSpPr>
+      <p:grpSpPr>
+        <a:xfrm>
+          <a:off x="0" y="0"/>
+          <a:ext cx="0" cy="0"/>
+          <a:chOff x="0" y="0"/>
+          <a:chExt cx="0" cy="0"/>
+        </a:xfrm>
+      </p:grpSpPr>
+      <p:sp>
+        <p:nvSpPr>
+          <p:cNvPr id="2" name="页眉占位符 1"/>
+          <p:cNvSpPr>
+            <a:spLocks noGrp="1"/>
+          </p:cNvSpPr>
+          <p:nvPr>
+            <p:ph type="hdr" sz="quarter"/>
+          </p:nvPr>
+        </p:nvSpPr>
+        <p:spPr>
+          <a:xfrm>
+            <a:off x="0" y="0"/>
+            <a:ext cx="2971800" cy="458788"/>
+          </a:xfrm>
+          <a:prstGeom prst="rect">
+            <a:avLst/>
+          </a:prstGeom>
+        </p:spPr>
+        <p:txBody>
+          <a:bodyPr vert="horz" lIns="91440" tIns="45720" rIns="91440" bIns="45720" rtlCol="0"/>
+          <a:lstStyle>
+            <a:lvl1pPr algn="l">
+              <a:defRPr sz="1200"/>
+            </a:lvl1pPr>
+          </a:lstStyle>
+          <a:p>
+            <a:endParaRPr lang="zh-CN" altLang="en-US"/>
+          </a:p>
+        </p:txBody>
+      </p:sp>
+      <p:sp>
+        <p:nvSpPr>
+          <p:cNvPr id="3" name="日期占位符 2"/>
+          <p:cNvSpPr>
+            <a:spLocks noGrp="1"/>
+          </p:cNvSpPr>
+          <p:nvPr>
+            <p:ph type="dt" idx="1"/>
+          </p:nvPr>
+        </p:nvSpPr>
+        <p:spPr>
+          <a:xfrm>
+            <a:off x="3884613" y="0"/>
+            <a:ext cx="2971800" cy="458788"/>
+          </a:xfrm>
+          <a:prstGeom prst="rect">
+            <a:avLst/>
+          </a:prstGeom>
+        </p:spPr>
+        <p:txBody>
+          <a:bodyPr vert="horz" lIns="91440" tIns="45720" rIns="91440" bIns="45720" rtlCol="0"/>
+          <a:lstStyle>
+            <a:lvl1pPr algn="r">
+              <a:defRPr sz="1200"/>
+            </a:lvl1pPr>
+          </a:lstStyle>
+          <a:p>
+            <a:fld id="{B7E5D7A4-C0E8-4D86-A506-F9AAF4427C6D}" type="datetimeFigureOut">
+              <a:rPr lang="zh-CN" altLang="en-US" smtClean="0"/>
+              <a:t>2022/4/10</a:t>
+            </a:fld>
+            <a:endParaRPr lang="zh-CN" altLang="en-US"/>
+          </a:p>
+        </p:txBody>
+      </p:sp>
+      <p:sp>
+        <p:nvSpPr>
+          <p:cNvPr id="4" name="幻灯片图像占位符 3"/>
+          <p:cNvSpPr>
+            <a:spLocks noGrp="1" noRot="1" noChangeAspect="1"/>
+          </p:cNvSpPr>
+          <p:nvPr>
+            <p:ph type="sldImg" idx="2"/>
+          </p:nvPr>
+        </p:nvSpPr>
+        <p:spPr>
+          <a:xfrm>
+            <a:off x="685800" y="1143000"/>
+            <a:ext cx="5486400" cy="3086100"/>
+          </a:xfrm>
+          <a:prstGeom prst="rect">
+            <a:avLst/>
+          </a:prstGeom>
+          <a:noFill/>
+          <a:ln w="12700">
+            <a:solidFill>
+              <a:prstClr val="black"/>
+            </a:solidFill>
+          </a:ln>
+        </p:spPr>
+        <p:txBody>
+          <a:bodyPr vert="horz" lIns="91440" tIns="45720" rIns="91440" bIns="45720" rtlCol="0" anchor="ctr"/>
+          <a:lstStyle/>
+          <a:p>
+            <a:endParaRPr lang="zh-CN" altLang="en-US"/>
+          </a:p>
+        </p:txBody>
+      </p:sp>
+      <p:sp>
+        <p:nvSpPr>
+          <p:cNvPr id="5" name="备注占位符 4"/>
+          <p:cNvSpPr>
+            <a:spLocks noGrp="1"/>
+          </p:cNvSpPr>
+          <p:nvPr>
+            <p:ph type="body" sz="quarter" idx="3"/>
+          </p:nvPr>
+        </p:nvSpPr>
+        <p:spPr>
+          <a:xfrm>
+            <a:off x="685800" y="4400550"/>
+            <a:ext cx="5486400" cy="3600450"/>
+          </a:xfrm>
+          <a:prstGeom prst="rect">
+            <a:avLst/>
+          </a:prstGeom>
+        </p:spPr>
+        <p:txBody>
+          <a:bodyPr vert="horz" lIns="91440" tIns="45720" rIns="91440" bIns="45720" rtlCol="0"/>
+          <a:lstStyle/>
+          <a:p>
+            <a:pPr lvl="0"/>
+            <a:r>
+              <a:rPr lang="zh-CN" altLang="en-US"/>
+              <a:t>单击此处编辑母版文本样式</a:t>
+            </a:r>
+          </a:p>
+          <a:p>
+            <a:pPr lvl="1"/>
+            <a:r>
+              <a:rPr lang="zh-CN" altLang="en-US"/>
+              <a:t>二级</a:t>
+            </a:r>
+          </a:p>
+          <a:p>
+            <a:pPr lvl="2"/>
+            <a:r>
+              <a:rPr lang="zh-CN" altLang="en-US"/>
+              <a:t>三级</a:t>
+            </a:r>
+          </a:p>
+          <a:p>
+            <a:pPr lvl="3"/>
+            <a:r>
+              <a:rPr lang="zh-CN" altLang="en-US"/>
+              <a:t>四级</a:t>
+            </a:r>
+          </a:p>
+          <a:p>
+            <a:pPr lvl="4"/>
+            <a:r>
+              <a:rPr lang="zh-CN" altLang="en-US"/>
+              <a:t>五级</a:t>
+            </a:r>
+          </a:p>
+        </p:txBody>
+      </p:sp>
+      <p:sp>
+        <p:nvSpPr>
+          <p:cNvPr id="6" name="页脚占位符 5"/>
+          <p:cNvSpPr>
+            <a:spLocks noGrp="1"/>
+          </p:cNvSpPr>
+          <p:nvPr>
+            <p:ph type="ftr" sz="quarter" idx="4"/>
+          </p:nvPr>
+        </p:nvSpPr>
+        <p:spPr>
+          <a:xfrm>
+            <a:off x="0" y="8685213"/>
+            <a:ext cx="2971800" cy="458787"/>
+          </a:xfrm>
+          <a:prstGeom prst="rect">
+            <a:avLst/>
+          </a:prstGeom>
+        </p:spPr>
+        <p:txBody>
+          <a:bodyPr vert="horz" lIns="91440" tIns="45720" rIns="91440" bIns="45720" rtlCol="0" anchor="b"/>
+          <a:lstStyle>
+            <a:lvl1pPr algn="l">
+              <a:defRPr sz="1200"/>
+            </a:lvl1pPr>
+          </a:lstStyle>
+          <a:p>
+            <a:endParaRPr lang="zh-CN" altLang="en-US"/>
+          </a:p>
+        </p:txBody>
+      </p:sp>
+      <p:sp>
+        <p:nvSpPr>
+          <p:cNvPr id="7" name="灯片编号占位符 6"/>
+          <p:cNvSpPr>
+            <a:spLocks noGrp="1"/>
+          </p:cNvSpPr>
+          <p:nvPr>
+            <p:ph type="sldNum" sz="quarter" idx="5"/>
+          </p:nvPr>
+        </p:nvSpPr>
+        <p:spPr>
+          <a:xfrm>
+            <a:off x="3884613" y="8685213"/>
+            <a:ext cx="2971800" cy="458787"/>
+          </a:xfrm>
+          <a:prstGeom prst="rect">
+            <a:avLst/>
+          </a:prstGeom>
+        </p:spPr>
+        <p:txBody>
+          <a:bodyPr vert="horz" lIns="91440" tIns="45720" rIns="91440" bIns="45720" rtlCol="0" anchor="b"/>
+          <a:lstStyle>
+            <a:lvl1pPr algn="r">
+              <a:defRPr sz="1200"/>
+            </a:lvl1pPr>
+          </a:lstStyle>
+          <a:p>
+            <a:fld id="{9A13909B-B2FF-4267-82A7-3ABB5F2BFC4D}" type="slidenum">
+              <a:rPr lang="zh-CN" altLang="en-US" smtClean="0"/>
+              <a:t>‹#›</a:t>
+            </a:fld>
+            <a:endParaRPr lang="zh-CN" altLang="en-US"/>
+          </a:p>
+        </p:txBody>
+      </p:sp>
+    </p:spTree>
+    <p:extLst>
+      <p:ext uri="{BB962C8B-B14F-4D97-AF65-F5344CB8AC3E}">
+        <p14:creationId xmlns:p14="http://schemas.microsoft.com/office/powerpoint/2010/main" val="1869570729"/>
+      </p:ext>
+    </p:extLst>
+  </p:cSld>
+  <p:clrMap bg1="lt1" tx1="dk1" bg2="lt2" tx2="dk2" accent1="accent1" accent2="accent2" accent3="accent3" accent4="accent4" accent5="accent5" accent6="accent6" hlink="hlink" folHlink="folHlink"/>
+  <p:notesStyle>
+    <a:lvl1pPr marL="0" algn="l" defTabSz="914400" rtl="0" eaLnBrk="1" latinLnBrk="0" hangingPunct="1">
+      <a:defRPr sz="1200" kern="1200">
+        <a:solidFill>
+          <a:schemeClr val="tx1"/>
+        </a:solidFill>
+        <a:latin typeface="+mn-lt"/>
+        <a:ea typeface="+mn-ea"/>
+        <a:cs typeface="+mn-cs"/>
+      </a:defRPr>
+    </a:lvl1pPr>
+    <a:lvl2pPr marL="457200" algn="l" defTabSz="914400" rtl="0" eaLnBrk="1" latinLnBrk="0" hangingPunct="1">
+      <a:defRPr sz="1200" kern="1200">
+        <a:solidFill>
+          <a:schemeClr val="tx1"/>
+        </a:solidFill>
+        <a:latin typeface="+mn-lt"/>
+        <a:ea typeface="+mn-ea"/>
+        <a:cs typeface="+mn-cs"/>
+      </a:defRPr>
+    </a:lvl2pPr>
+    <a:lvl3pPr marL="914400" algn="l" defTabSz="914400" rtl="0" eaLnBrk="1" latinLnBrk="0" hangingPunct="1">
+      <a:defRPr sz="1200" kern="1200">
+        <a:solidFill>
+          <a:schemeClr val="tx1"/>
+        </a:solidFill>
+        <a:latin typeface="+mn-lt"/>
+        <a:ea typeface="+mn-ea"/>
+        <a:cs typeface="+mn-cs"/>
+      </a:defRPr>
+    </a:lvl3pPr>
+    <a:lvl4pPr marL="1371600" algn="l" defTabSz="914400" rtl="0" eaLnBrk="1" latinLnBrk="0" hangingPunct="1">
+      <a:defRPr sz="1200" kern="1200">
+        <a:solidFill>
+          <a:schemeClr val="tx1"/>
+        </a:solidFill>
+        <a:latin typeface="+mn-lt"/>
+        <a:ea typeface="+mn-ea"/>
+        <a:cs typeface="+mn-cs"/>
+      </a:defRPr>
+    </a:lvl4pPr>
+    <a:lvl5pPr marL="1828800" algn="l" defTabSz="914400" rtl="0" eaLnBrk="1" latinLnBrk="0" hangingPunct="1">
+      <a:defRPr sz="1200" kern="1200">
+        <a:solidFill>
+          <a:schemeClr val="tx1"/>
+        </a:solidFill>
+        <a:latin typeface="+mn-lt"/>
+        <a:ea typeface="+mn-ea"/>
+        <a:cs typeface="+mn-cs"/>
+      </a:defRPr>
+    </a:lvl5pPr>
+    <a:lvl6pPr marL="2286000" algn="l" defTabSz="914400" rtl="0" eaLnBrk="1" latinLnBrk="0" hangingPunct="1">
+      <a:defRPr sz="1200" kern="1200">
+        <a:solidFill>
+          <a:schemeClr val="tx1"/>
+        </a:solidFill>
+        <a:latin typeface="+mn-lt"/>
+        <a:ea typeface="+mn-ea"/>
+        <a:cs typeface="+mn-cs"/>
+      </a:defRPr>
+    </a:lvl6pPr>
+    <a:lvl7pPr marL="2743200" algn="l" defTabSz="914400" rtl="0" eaLnBrk="1" latinLnBrk="0" hangingPunct="1">
+      <a:defRPr sz="1200" kern="1200">
+        <a:solidFill>
+          <a:schemeClr val="tx1"/>
+        </a:solidFill>
+        <a:latin typeface="+mn-lt"/>
+        <a:ea typeface="+mn-ea"/>
+        <a:cs typeface="+mn-cs"/>
+      </a:defRPr>
+    </a:lvl7pPr>
+    <a:lvl8pPr marL="3200400" algn="l" defTabSz="914400" rtl="0" eaLnBrk="1" latinLnBrk="0" hangingPunct="1">
+      <a:defRPr sz="1200" kern="1200">
+        <a:solidFill>
+          <a:schemeClr val="tx1"/>
+        </a:solidFill>
+        <a:latin typeface="+mn-lt"/>
+        <a:ea typeface="+mn-ea"/>
+        <a:cs typeface="+mn-cs"/>
+      </a:defRPr>
+    </a:lvl8pPr>
+    <a:lvl9pPr marL="3657600" algn="l" defTabSz="914400" rtl="0" eaLnBrk="1" latinLnBrk="0" hangingPunct="1">
+      <a:defRPr sz="1200" kern="1200">
+        <a:solidFill>
+          <a:schemeClr val="tx1"/>
+        </a:solidFill>
+        <a:latin typeface="+mn-lt"/>
+        <a:ea typeface="+mn-ea"/>
+        <a:cs typeface="+mn-cs"/>
+      </a:defRPr>
+    </a:lvl9pPr>
+  </p:notesStyle>
+</p:notesMaster>
+</file>
+
+<file path=ppt/notesSlides/notesSlide1.xml><?xml version="1.0" encoding="utf-8"?>
+<p:notes xmlns:a="http://schemas.openxmlformats.org/drawingml/2006/main" xmlns:r="http://schemas.openxmlformats.org/officeDocument/2006/relationships" xmlns:p="http://schemas.openxmlformats.org/presentationml/2006/main">
+  <p:cSld>
+    <p:spTree>
+      <p:nvGrpSpPr>
+        <p:cNvPr id="1" name=""/>
+        <p:cNvGrpSpPr/>
+        <p:nvPr/>
+      </p:nvGrpSpPr>
+      <p:grpSpPr>
+        <a:xfrm>
+          <a:off x="0" y="0"/>
+          <a:ext cx="0" cy="0"/>
+          <a:chOff x="0" y="0"/>
+          <a:chExt cx="0" cy="0"/>
+        </a:xfrm>
+      </p:grpSpPr>
+      <p:sp>
+        <p:nvSpPr>
+          <p:cNvPr id="2" name="幻灯片图像占位符 1"/>
+          <p:cNvSpPr>
+            <a:spLocks noGrp="1" noRot="1" noChangeAspect="1"/>
+          </p:cNvSpPr>
+          <p:nvPr>
+            <p:ph type="sldImg"/>
+          </p:nvPr>
+        </p:nvSpPr>
+        <p:spPr/>
+      </p:sp>
+      <p:sp>
+        <p:nvSpPr>
+          <p:cNvPr id="3" name="备注占位符 2"/>
+          <p:cNvSpPr>
+            <a:spLocks noGrp="1"/>
+          </p:cNvSpPr>
+          <p:nvPr>
+            <p:ph type="body" idx="1"/>
+          </p:nvPr>
+        </p:nvSpPr>
+        <p:spPr/>
+        <p:txBody>
+          <a:bodyPr/>
+          <a:lstStyle/>
+          <a:p>
+            <a:endParaRPr lang="zh-CN" altLang="en-US" dirty="0"/>
+          </a:p>
+        </p:txBody>
+      </p:sp>
+      <p:sp>
+        <p:nvSpPr>
+          <p:cNvPr id="4" name="灯片编号占位符 3"/>
+          <p:cNvSpPr>
+            <a:spLocks noGrp="1"/>
+          </p:cNvSpPr>
+          <p:nvPr>
+            <p:ph type="sldNum" sz="quarter" idx="5"/>
+          </p:nvPr>
+        </p:nvSpPr>
+        <p:spPr/>
+        <p:txBody>
+          <a:bodyPr/>
+          <a:lstStyle/>
+          <a:p>
+            <a:fld id="{9A13909B-B2FF-4267-82A7-3ABB5F2BFC4D}" type="slidenum">
+              <a:rPr lang="zh-CN" altLang="en-US" smtClean="0"/>
+              <a:t>22</a:t>
+            </a:fld>
+            <a:endParaRPr lang="zh-CN" altLang="en-US"/>
+          </a:p>
+        </p:txBody>
+      </p:sp>
+    </p:spTree>
+    <p:extLst>
+      <p:ext uri="{BB962C8B-B14F-4D97-AF65-F5344CB8AC3E}">
+        <p14:creationId xmlns:p14="http://schemas.microsoft.com/office/powerpoint/2010/main" val="3517353086"/>
+      </p:ext>
+    </p:extLst>
+  </p:cSld>
+  <p:clrMapOvr>
+    <a:masterClrMapping/>
+  </p:clrMapOvr>
+</p:notes>
+</file>
+
+<file path=ppt/notesSlides/notesSlide10.xml><?xml version="1.0" encoding="utf-8"?>
+<p:notes xmlns:a="http://schemas.openxmlformats.org/drawingml/2006/main" xmlns:r="http://schemas.openxmlformats.org/officeDocument/2006/relationships" xmlns:p="http://schemas.openxmlformats.org/presentationml/2006/main">
+  <p:cSld>
+    <p:spTree>
+      <p:nvGrpSpPr>
+        <p:cNvPr id="1" name=""/>
+        <p:cNvGrpSpPr/>
+        <p:nvPr/>
+      </p:nvGrpSpPr>
+      <p:grpSpPr>
+        <a:xfrm>
+          <a:off x="0" y="0"/>
+          <a:ext cx="0" cy="0"/>
+          <a:chOff x="0" y="0"/>
+          <a:chExt cx="0" cy="0"/>
+        </a:xfrm>
+      </p:grpSpPr>
+      <p:sp>
+        <p:nvSpPr>
+          <p:cNvPr id="2" name="幻灯片图像占位符 1"/>
+          <p:cNvSpPr>
+            <a:spLocks noGrp="1" noRot="1" noChangeAspect="1"/>
+          </p:cNvSpPr>
+          <p:nvPr>
+            <p:ph type="sldImg"/>
+          </p:nvPr>
+        </p:nvSpPr>
+        <p:spPr/>
+      </p:sp>
+      <p:sp>
+        <p:nvSpPr>
+          <p:cNvPr id="3" name="备注占位符 2"/>
+          <p:cNvSpPr>
+            <a:spLocks noGrp="1"/>
+          </p:cNvSpPr>
+          <p:nvPr>
+            <p:ph type="body" idx="1"/>
+          </p:nvPr>
+        </p:nvSpPr>
+        <p:spPr/>
+        <p:txBody>
+          <a:bodyPr/>
+          <a:lstStyle/>
+          <a:p>
+            <a:endParaRPr lang="zh-CN" altLang="en-US" dirty="0"/>
+          </a:p>
+        </p:txBody>
+      </p:sp>
+      <p:sp>
+        <p:nvSpPr>
+          <p:cNvPr id="4" name="灯片编号占位符 3"/>
+          <p:cNvSpPr>
+            <a:spLocks noGrp="1"/>
+          </p:cNvSpPr>
+          <p:nvPr>
+            <p:ph type="sldNum" sz="quarter" idx="5"/>
+          </p:nvPr>
+        </p:nvSpPr>
+        <p:spPr/>
+        <p:txBody>
+          <a:bodyPr/>
+          <a:lstStyle/>
+          <a:p>
+            <a:fld id="{9A13909B-B2FF-4267-82A7-3ABB5F2BFC4D}" type="slidenum">
+              <a:rPr lang="zh-CN" altLang="en-US" smtClean="0"/>
+              <a:t>31</a:t>
+            </a:fld>
+            <a:endParaRPr lang="zh-CN" altLang="en-US"/>
+          </a:p>
+        </p:txBody>
+      </p:sp>
+    </p:spTree>
+    <p:extLst>
+      <p:ext uri="{BB962C8B-B14F-4D97-AF65-F5344CB8AC3E}">
+        <p14:creationId xmlns:p14="http://schemas.microsoft.com/office/powerpoint/2010/main" val="358743485"/>
+      </p:ext>
+    </p:extLst>
+  </p:cSld>
+  <p:clrMapOvr>
+    <a:masterClrMapping/>
+  </p:clrMapOvr>
+</p:notes>
+</file>
+
+<file path=ppt/notesSlides/notesSlide11.xml><?xml version="1.0" encoding="utf-8"?>
+<p:notes xmlns:a="http://schemas.openxmlformats.org/drawingml/2006/main" xmlns:r="http://schemas.openxmlformats.org/officeDocument/2006/relationships" xmlns:p="http://schemas.openxmlformats.org/presentationml/2006/main">
+  <p:cSld>
+    <p:spTree>
+      <p:nvGrpSpPr>
+        <p:cNvPr id="1" name=""/>
+        <p:cNvGrpSpPr/>
+        <p:nvPr/>
+      </p:nvGrpSpPr>
+      <p:grpSpPr>
+        <a:xfrm>
+          <a:off x="0" y="0"/>
+          <a:ext cx="0" cy="0"/>
+          <a:chOff x="0" y="0"/>
+          <a:chExt cx="0" cy="0"/>
+        </a:xfrm>
+      </p:grpSpPr>
+      <p:sp>
+        <p:nvSpPr>
+          <p:cNvPr id="2" name="幻灯片图像占位符 1"/>
+          <p:cNvSpPr>
+            <a:spLocks noGrp="1" noRot="1" noChangeAspect="1"/>
+          </p:cNvSpPr>
+          <p:nvPr>
+            <p:ph type="sldImg"/>
+          </p:nvPr>
+        </p:nvSpPr>
+        <p:spPr/>
+      </p:sp>
+      <p:sp>
+        <p:nvSpPr>
+          <p:cNvPr id="3" name="备注占位符 2"/>
+          <p:cNvSpPr>
+            <a:spLocks noGrp="1"/>
+          </p:cNvSpPr>
+          <p:nvPr>
+            <p:ph type="body" idx="1"/>
+          </p:nvPr>
+        </p:nvSpPr>
+        <p:spPr/>
+        <p:txBody>
+          <a:bodyPr/>
+          <a:lstStyle/>
+          <a:p>
+            <a:endParaRPr lang="zh-CN" altLang="en-US" dirty="0"/>
+          </a:p>
+        </p:txBody>
+      </p:sp>
+      <p:sp>
+        <p:nvSpPr>
+          <p:cNvPr id="4" name="灯片编号占位符 3"/>
+          <p:cNvSpPr>
+            <a:spLocks noGrp="1"/>
+          </p:cNvSpPr>
+          <p:nvPr>
+            <p:ph type="sldNum" sz="quarter" idx="5"/>
+          </p:nvPr>
+        </p:nvSpPr>
+        <p:spPr/>
+        <p:txBody>
+          <a:bodyPr/>
+          <a:lstStyle/>
+          <a:p>
+            <a:fld id="{9A13909B-B2FF-4267-82A7-3ABB5F2BFC4D}" type="slidenum">
+              <a:rPr lang="zh-CN" altLang="en-US" smtClean="0"/>
+              <a:t>32</a:t>
+            </a:fld>
+            <a:endParaRPr lang="zh-CN" altLang="en-US"/>
+          </a:p>
+        </p:txBody>
+      </p:sp>
+    </p:spTree>
+    <p:extLst>
+      <p:ext uri="{BB962C8B-B14F-4D97-AF65-F5344CB8AC3E}">
+        <p14:creationId xmlns:p14="http://schemas.microsoft.com/office/powerpoint/2010/main" val="1334803301"/>
+      </p:ext>
+    </p:extLst>
+  </p:cSld>
+  <p:clrMapOvr>
+    <a:masterClrMapping/>
+  </p:clrMapOvr>
+</p:notes>
+</file>
+
+<file path=ppt/notesSlides/notesSlide2.xml><?xml version="1.0" encoding="utf-8"?>
+<p:notes xmlns:a="http://schemas.openxmlformats.org/drawingml/2006/main" xmlns:r="http://schemas.openxmlformats.org/officeDocument/2006/relationships" xmlns:p="http://schemas.openxmlformats.org/presentationml/2006/main">
+  <p:cSld>
+    <p:spTree>
+      <p:nvGrpSpPr>
+        <p:cNvPr id="1" name=""/>
+        <p:cNvGrpSpPr/>
+        <p:nvPr/>
+      </p:nvGrpSpPr>
+      <p:grpSpPr>
+        <a:xfrm>
+          <a:off x="0" y="0"/>
+          <a:ext cx="0" cy="0"/>
+          <a:chOff x="0" y="0"/>
+          <a:chExt cx="0" cy="0"/>
+        </a:xfrm>
+      </p:grpSpPr>
+      <p:sp>
+        <p:nvSpPr>
+          <p:cNvPr id="2" name="幻灯片图像占位符 1"/>
+          <p:cNvSpPr>
+            <a:spLocks noGrp="1" noRot="1" noChangeAspect="1"/>
+          </p:cNvSpPr>
+          <p:nvPr>
+            <p:ph type="sldImg"/>
+          </p:nvPr>
+        </p:nvSpPr>
+        <p:spPr/>
+      </p:sp>
+      <p:sp>
+        <p:nvSpPr>
+          <p:cNvPr id="3" name="备注占位符 2"/>
+          <p:cNvSpPr>
+            <a:spLocks noGrp="1"/>
+          </p:cNvSpPr>
+          <p:nvPr>
+            <p:ph type="body" idx="1"/>
+          </p:nvPr>
+        </p:nvSpPr>
+        <p:spPr/>
+        <p:txBody>
+          <a:bodyPr/>
+          <a:lstStyle/>
+          <a:p>
+            <a:endParaRPr lang="zh-CN" altLang="en-US" dirty="0"/>
+          </a:p>
+        </p:txBody>
+      </p:sp>
+      <p:sp>
+        <p:nvSpPr>
+          <p:cNvPr id="4" name="灯片编号占位符 3"/>
+          <p:cNvSpPr>
+            <a:spLocks noGrp="1"/>
+          </p:cNvSpPr>
+          <p:nvPr>
+            <p:ph type="sldNum" sz="quarter" idx="5"/>
+          </p:nvPr>
+        </p:nvSpPr>
+        <p:spPr/>
+        <p:txBody>
+          <a:bodyPr/>
+          <a:lstStyle/>
+          <a:p>
+            <a:fld id="{9A13909B-B2FF-4267-82A7-3ABB5F2BFC4D}" type="slidenum">
+              <a:rPr lang="zh-CN" altLang="en-US" smtClean="0"/>
+              <a:t>23</a:t>
+            </a:fld>
+            <a:endParaRPr lang="zh-CN" altLang="en-US"/>
+          </a:p>
+        </p:txBody>
+      </p:sp>
+    </p:spTree>
+    <p:extLst>
+      <p:ext uri="{BB962C8B-B14F-4D97-AF65-F5344CB8AC3E}">
+        <p14:creationId xmlns:p14="http://schemas.microsoft.com/office/powerpoint/2010/main" val="3660465717"/>
+      </p:ext>
+    </p:extLst>
+  </p:cSld>
+  <p:clrMapOvr>
+    <a:masterClrMapping/>
+  </p:clrMapOvr>
+</p:notes>
+</file>
+
+<file path=ppt/notesSlides/notesSlide3.xml><?xml version="1.0" encoding="utf-8"?>
+<p:notes xmlns:a="http://schemas.openxmlformats.org/drawingml/2006/main" xmlns:r="http://schemas.openxmlformats.org/officeDocument/2006/relationships" xmlns:p="http://schemas.openxmlformats.org/presentationml/2006/main">
+  <p:cSld>
+    <p:spTree>
+      <p:nvGrpSpPr>
+        <p:cNvPr id="1" name=""/>
+        <p:cNvGrpSpPr/>
+        <p:nvPr/>
+      </p:nvGrpSpPr>
+      <p:grpSpPr>
+        <a:xfrm>
+          <a:off x="0" y="0"/>
+          <a:ext cx="0" cy="0"/>
+          <a:chOff x="0" y="0"/>
+          <a:chExt cx="0" cy="0"/>
+        </a:xfrm>
+      </p:grpSpPr>
+      <p:sp>
+        <p:nvSpPr>
+          <p:cNvPr id="2" name="幻灯片图像占位符 1"/>
+          <p:cNvSpPr>
+            <a:spLocks noGrp="1" noRot="1" noChangeAspect="1"/>
+          </p:cNvSpPr>
+          <p:nvPr>
+            <p:ph type="sldImg"/>
+          </p:nvPr>
+        </p:nvSpPr>
+        <p:spPr/>
+      </p:sp>
+      <p:sp>
+        <p:nvSpPr>
+          <p:cNvPr id="3" name="备注占位符 2"/>
+          <p:cNvSpPr>
+            <a:spLocks noGrp="1"/>
+          </p:cNvSpPr>
+          <p:nvPr>
+            <p:ph type="body" idx="1"/>
+          </p:nvPr>
+        </p:nvSpPr>
+        <p:spPr/>
+        <p:txBody>
+          <a:bodyPr/>
+          <a:lstStyle/>
+          <a:p>
+            <a:endParaRPr lang="zh-CN" altLang="en-US" dirty="0"/>
+          </a:p>
+        </p:txBody>
+      </p:sp>
+      <p:sp>
+        <p:nvSpPr>
+          <p:cNvPr id="4" name="灯片编号占位符 3"/>
+          <p:cNvSpPr>
+            <a:spLocks noGrp="1"/>
+          </p:cNvSpPr>
+          <p:nvPr>
+            <p:ph type="sldNum" sz="quarter" idx="5"/>
+          </p:nvPr>
+        </p:nvSpPr>
+        <p:spPr/>
+        <p:txBody>
+          <a:bodyPr/>
+          <a:lstStyle/>
+          <a:p>
+            <a:fld id="{9A13909B-B2FF-4267-82A7-3ABB5F2BFC4D}" type="slidenum">
+              <a:rPr lang="zh-CN" altLang="en-US" smtClean="0"/>
+              <a:t>24</a:t>
+            </a:fld>
+            <a:endParaRPr lang="zh-CN" altLang="en-US"/>
+          </a:p>
+        </p:txBody>
+      </p:sp>
+    </p:spTree>
+    <p:extLst>
+      <p:ext uri="{BB962C8B-B14F-4D97-AF65-F5344CB8AC3E}">
+        <p14:creationId xmlns:p14="http://schemas.microsoft.com/office/powerpoint/2010/main" val="1426234640"/>
+      </p:ext>
+    </p:extLst>
+  </p:cSld>
+  <p:clrMapOvr>
+    <a:masterClrMapping/>
+  </p:clrMapOvr>
+</p:notes>
+</file>
+
+<file path=ppt/notesSlides/notesSlide4.xml><?xml version="1.0" encoding="utf-8"?>
+<p:notes xmlns:a="http://schemas.openxmlformats.org/drawingml/2006/main" xmlns:r="http://schemas.openxmlformats.org/officeDocument/2006/relationships" xmlns:p="http://schemas.openxmlformats.org/presentationml/2006/main">
+  <p:cSld>
+    <p:spTree>
+      <p:nvGrpSpPr>
+        <p:cNvPr id="1" name=""/>
+        <p:cNvGrpSpPr/>
+        <p:nvPr/>
+      </p:nvGrpSpPr>
+      <p:grpSpPr>
+        <a:xfrm>
+          <a:off x="0" y="0"/>
+          <a:ext cx="0" cy="0"/>
+          <a:chOff x="0" y="0"/>
+          <a:chExt cx="0" cy="0"/>
+        </a:xfrm>
+      </p:grpSpPr>
+      <p:sp>
+        <p:nvSpPr>
+          <p:cNvPr id="2" name="幻灯片图像占位符 1"/>
+          <p:cNvSpPr>
+            <a:spLocks noGrp="1" noRot="1" noChangeAspect="1"/>
+          </p:cNvSpPr>
+          <p:nvPr>
+            <p:ph type="sldImg"/>
+          </p:nvPr>
+        </p:nvSpPr>
+        <p:spPr/>
+      </p:sp>
+      <p:sp>
+        <p:nvSpPr>
+          <p:cNvPr id="3" name="备注占位符 2"/>
+          <p:cNvSpPr>
+            <a:spLocks noGrp="1"/>
+          </p:cNvSpPr>
+          <p:nvPr>
+            <p:ph type="body" idx="1"/>
+          </p:nvPr>
+        </p:nvSpPr>
+        <p:spPr/>
+        <p:txBody>
+          <a:bodyPr/>
+          <a:lstStyle/>
+          <a:p>
+            <a:endParaRPr lang="zh-CN" altLang="en-US" dirty="0"/>
+          </a:p>
+        </p:txBody>
+      </p:sp>
+      <p:sp>
+        <p:nvSpPr>
+          <p:cNvPr id="4" name="灯片编号占位符 3"/>
+          <p:cNvSpPr>
+            <a:spLocks noGrp="1"/>
+          </p:cNvSpPr>
+          <p:nvPr>
+            <p:ph type="sldNum" sz="quarter" idx="5"/>
+          </p:nvPr>
+        </p:nvSpPr>
+        <p:spPr/>
+        <p:txBody>
+          <a:bodyPr/>
+          <a:lstStyle/>
+          <a:p>
+            <a:fld id="{9A13909B-B2FF-4267-82A7-3ABB5F2BFC4D}" type="slidenum">
+              <a:rPr lang="zh-CN" altLang="en-US" smtClean="0"/>
+              <a:t>25</a:t>
+            </a:fld>
+            <a:endParaRPr lang="zh-CN" altLang="en-US"/>
+          </a:p>
+        </p:txBody>
+      </p:sp>
+    </p:spTree>
+    <p:extLst>
+      <p:ext uri="{BB962C8B-B14F-4D97-AF65-F5344CB8AC3E}">
+        <p14:creationId xmlns:p14="http://schemas.microsoft.com/office/powerpoint/2010/main" val="2184295983"/>
+      </p:ext>
+    </p:extLst>
+  </p:cSld>
+  <p:clrMapOvr>
+    <a:masterClrMapping/>
+  </p:clrMapOvr>
+</p:notes>
+</file>
+
+<file path=ppt/notesSlides/notesSlide5.xml><?xml version="1.0" encoding="utf-8"?>
+<p:notes xmlns:a="http://schemas.openxmlformats.org/drawingml/2006/main" xmlns:r="http://schemas.openxmlformats.org/officeDocument/2006/relationships" xmlns:p="http://schemas.openxmlformats.org/presentationml/2006/main">
+  <p:cSld>
+    <p:spTree>
+      <p:nvGrpSpPr>
+        <p:cNvPr id="1" name=""/>
+        <p:cNvGrpSpPr/>
+        <p:nvPr/>
+      </p:nvGrpSpPr>
+      <p:grpSpPr>
+        <a:xfrm>
+          <a:off x="0" y="0"/>
+          <a:ext cx="0" cy="0"/>
+          <a:chOff x="0" y="0"/>
+          <a:chExt cx="0" cy="0"/>
+        </a:xfrm>
+      </p:grpSpPr>
+      <p:sp>
+        <p:nvSpPr>
+          <p:cNvPr id="2" name="幻灯片图像占位符 1"/>
+          <p:cNvSpPr>
+            <a:spLocks noGrp="1" noRot="1" noChangeAspect="1"/>
+          </p:cNvSpPr>
+          <p:nvPr>
+            <p:ph type="sldImg"/>
+          </p:nvPr>
+        </p:nvSpPr>
+        <p:spPr/>
+      </p:sp>
+      <p:sp>
+        <p:nvSpPr>
+          <p:cNvPr id="3" name="备注占位符 2"/>
+          <p:cNvSpPr>
+            <a:spLocks noGrp="1"/>
+          </p:cNvSpPr>
+          <p:nvPr>
+            <p:ph type="body" idx="1"/>
+          </p:nvPr>
+        </p:nvSpPr>
+        <p:spPr/>
+        <p:txBody>
+          <a:bodyPr/>
+          <a:lstStyle/>
+          <a:p>
+            <a:endParaRPr lang="zh-CN" altLang="en-US" dirty="0"/>
+          </a:p>
+        </p:txBody>
+      </p:sp>
+      <p:sp>
+        <p:nvSpPr>
+          <p:cNvPr id="4" name="灯片编号占位符 3"/>
+          <p:cNvSpPr>
+            <a:spLocks noGrp="1"/>
+          </p:cNvSpPr>
+          <p:nvPr>
+            <p:ph type="sldNum" sz="quarter" idx="5"/>
+          </p:nvPr>
+        </p:nvSpPr>
+        <p:spPr/>
+        <p:txBody>
+          <a:bodyPr/>
+          <a:lstStyle/>
+          <a:p>
+            <a:fld id="{9A13909B-B2FF-4267-82A7-3ABB5F2BFC4D}" type="slidenum">
+              <a:rPr lang="zh-CN" altLang="en-US" smtClean="0"/>
+              <a:t>26</a:t>
+            </a:fld>
+            <a:endParaRPr lang="zh-CN" altLang="en-US"/>
+          </a:p>
+        </p:txBody>
+      </p:sp>
+    </p:spTree>
+    <p:extLst>
+      <p:ext uri="{BB962C8B-B14F-4D97-AF65-F5344CB8AC3E}">
+        <p14:creationId xmlns:p14="http://schemas.microsoft.com/office/powerpoint/2010/main" val="838096765"/>
+      </p:ext>
+    </p:extLst>
+  </p:cSld>
+  <p:clrMapOvr>
+    <a:masterClrMapping/>
+  </p:clrMapOvr>
+</p:notes>
+</file>
+
+<file path=ppt/notesSlides/notesSlide6.xml><?xml version="1.0" encoding="utf-8"?>
+<p:notes xmlns:a="http://schemas.openxmlformats.org/drawingml/2006/main" xmlns:r="http://schemas.openxmlformats.org/officeDocument/2006/relationships" xmlns:p="http://schemas.openxmlformats.org/presentationml/2006/main">
+  <p:cSld>
+    <p:spTree>
+      <p:nvGrpSpPr>
+        <p:cNvPr id="1" name=""/>
+        <p:cNvGrpSpPr/>
+        <p:nvPr/>
+      </p:nvGrpSpPr>
+      <p:grpSpPr>
+        <a:xfrm>
+          <a:off x="0" y="0"/>
+          <a:ext cx="0" cy="0"/>
+          <a:chOff x="0" y="0"/>
+          <a:chExt cx="0" cy="0"/>
+        </a:xfrm>
+      </p:grpSpPr>
+      <p:sp>
+        <p:nvSpPr>
+          <p:cNvPr id="2" name="幻灯片图像占位符 1"/>
+          <p:cNvSpPr>
+            <a:spLocks noGrp="1" noRot="1" noChangeAspect="1"/>
+          </p:cNvSpPr>
+          <p:nvPr>
+            <p:ph type="sldImg"/>
+          </p:nvPr>
+        </p:nvSpPr>
+        <p:spPr/>
+      </p:sp>
+      <p:sp>
+        <p:nvSpPr>
+          <p:cNvPr id="3" name="备注占位符 2"/>
+          <p:cNvSpPr>
+            <a:spLocks noGrp="1"/>
+          </p:cNvSpPr>
+          <p:nvPr>
+            <p:ph type="body" idx="1"/>
+          </p:nvPr>
+        </p:nvSpPr>
+        <p:spPr/>
+        <p:txBody>
+          <a:bodyPr/>
+          <a:lstStyle/>
+          <a:p>
+            <a:endParaRPr lang="zh-CN" altLang="en-US" dirty="0"/>
+          </a:p>
+        </p:txBody>
+      </p:sp>
+      <p:sp>
+        <p:nvSpPr>
+          <p:cNvPr id="4" name="灯片编号占位符 3"/>
+          <p:cNvSpPr>
+            <a:spLocks noGrp="1"/>
+          </p:cNvSpPr>
+          <p:nvPr>
+            <p:ph type="sldNum" sz="quarter" idx="5"/>
+          </p:nvPr>
+        </p:nvSpPr>
+        <p:spPr/>
+        <p:txBody>
+          <a:bodyPr/>
+          <a:lstStyle/>
+          <a:p>
+            <a:fld id="{9A13909B-B2FF-4267-82A7-3ABB5F2BFC4D}" type="slidenum">
+              <a:rPr lang="zh-CN" altLang="en-US" smtClean="0"/>
+              <a:t>27</a:t>
+            </a:fld>
+            <a:endParaRPr lang="zh-CN" altLang="en-US"/>
+          </a:p>
+        </p:txBody>
+      </p:sp>
+    </p:spTree>
+    <p:extLst>
+      <p:ext uri="{BB962C8B-B14F-4D97-AF65-F5344CB8AC3E}">
+        <p14:creationId xmlns:p14="http://schemas.microsoft.com/office/powerpoint/2010/main" val="904442573"/>
+      </p:ext>
+    </p:extLst>
+  </p:cSld>
+  <p:clrMapOvr>
+    <a:masterClrMapping/>
+  </p:clrMapOvr>
+</p:notes>
+</file>
+
+<file path=ppt/notesSlides/notesSlide7.xml><?xml version="1.0" encoding="utf-8"?>
+<p:notes xmlns:a="http://schemas.openxmlformats.org/drawingml/2006/main" xmlns:r="http://schemas.openxmlformats.org/officeDocument/2006/relationships" xmlns:p="http://schemas.openxmlformats.org/presentationml/2006/main">
+  <p:cSld>
+    <p:spTree>
+      <p:nvGrpSpPr>
+        <p:cNvPr id="1" name=""/>
+        <p:cNvGrpSpPr/>
+        <p:nvPr/>
+      </p:nvGrpSpPr>
+      <p:grpSpPr>
+        <a:xfrm>
+          <a:off x="0" y="0"/>
+          <a:ext cx="0" cy="0"/>
+          <a:chOff x="0" y="0"/>
+          <a:chExt cx="0" cy="0"/>
+        </a:xfrm>
+      </p:grpSpPr>
+      <p:sp>
+        <p:nvSpPr>
+          <p:cNvPr id="2" name="幻灯片图像占位符 1"/>
+          <p:cNvSpPr>
+            <a:spLocks noGrp="1" noRot="1" noChangeAspect="1"/>
+          </p:cNvSpPr>
+          <p:nvPr>
+            <p:ph type="sldImg"/>
+          </p:nvPr>
+        </p:nvSpPr>
+        <p:spPr/>
+      </p:sp>
+      <p:sp>
+        <p:nvSpPr>
+          <p:cNvPr id="3" name="备注占位符 2"/>
+          <p:cNvSpPr>
+            <a:spLocks noGrp="1"/>
+          </p:cNvSpPr>
+          <p:nvPr>
+            <p:ph type="body" idx="1"/>
+          </p:nvPr>
+        </p:nvSpPr>
+        <p:spPr/>
+        <p:txBody>
+          <a:bodyPr/>
+          <a:lstStyle/>
+          <a:p>
+            <a:endParaRPr lang="zh-CN" altLang="en-US" dirty="0"/>
+          </a:p>
+        </p:txBody>
+      </p:sp>
+      <p:sp>
+        <p:nvSpPr>
+          <p:cNvPr id="4" name="灯片编号占位符 3"/>
+          <p:cNvSpPr>
+            <a:spLocks noGrp="1"/>
+          </p:cNvSpPr>
+          <p:nvPr>
+            <p:ph type="sldNum" sz="quarter" idx="5"/>
+          </p:nvPr>
+        </p:nvSpPr>
+        <p:spPr/>
+        <p:txBody>
+          <a:bodyPr/>
+          <a:lstStyle/>
+          <a:p>
+            <a:fld id="{9A13909B-B2FF-4267-82A7-3ABB5F2BFC4D}" type="slidenum">
+              <a:rPr lang="zh-CN" altLang="en-US" smtClean="0"/>
+              <a:t>28</a:t>
+            </a:fld>
+            <a:endParaRPr lang="zh-CN" altLang="en-US"/>
+          </a:p>
+        </p:txBody>
+      </p:sp>
+    </p:spTree>
+    <p:extLst>
+      <p:ext uri="{BB962C8B-B14F-4D97-AF65-F5344CB8AC3E}">
+        <p14:creationId xmlns:p14="http://schemas.microsoft.com/office/powerpoint/2010/main" val="1532319433"/>
+      </p:ext>
+    </p:extLst>
+  </p:cSld>
+  <p:clrMapOvr>
+    <a:masterClrMapping/>
+  </p:clrMapOvr>
+</p:notes>
+</file>
+
+<file path=ppt/notesSlides/notesSlide8.xml><?xml version="1.0" encoding="utf-8"?>
+<p:notes xmlns:a="http://schemas.openxmlformats.org/drawingml/2006/main" xmlns:r="http://schemas.openxmlformats.org/officeDocument/2006/relationships" xmlns:p="http://schemas.openxmlformats.org/presentationml/2006/main">
+  <p:cSld>
+    <p:spTree>
+      <p:nvGrpSpPr>
+        <p:cNvPr id="1" name=""/>
+        <p:cNvGrpSpPr/>
+        <p:nvPr/>
+      </p:nvGrpSpPr>
+      <p:grpSpPr>
+        <a:xfrm>
+          <a:off x="0" y="0"/>
+          <a:ext cx="0" cy="0"/>
+          <a:chOff x="0" y="0"/>
+          <a:chExt cx="0" cy="0"/>
+        </a:xfrm>
+      </p:grpSpPr>
+      <p:sp>
+        <p:nvSpPr>
+          <p:cNvPr id="2" name="幻灯片图像占位符 1"/>
+          <p:cNvSpPr>
+            <a:spLocks noGrp="1" noRot="1" noChangeAspect="1"/>
+          </p:cNvSpPr>
+          <p:nvPr>
+            <p:ph type="sldImg"/>
+          </p:nvPr>
+        </p:nvSpPr>
+        <p:spPr/>
+      </p:sp>
+      <p:sp>
+        <p:nvSpPr>
+          <p:cNvPr id="3" name="备注占位符 2"/>
+          <p:cNvSpPr>
+            <a:spLocks noGrp="1"/>
+          </p:cNvSpPr>
+          <p:nvPr>
+            <p:ph type="body" idx="1"/>
+          </p:nvPr>
+        </p:nvSpPr>
+        <p:spPr/>
+        <p:txBody>
+          <a:bodyPr/>
+          <a:lstStyle/>
+          <a:p>
+            <a:endParaRPr lang="zh-CN" altLang="en-US" dirty="0"/>
+          </a:p>
+        </p:txBody>
+      </p:sp>
+      <p:sp>
+        <p:nvSpPr>
+          <p:cNvPr id="4" name="灯片编号占位符 3"/>
+          <p:cNvSpPr>
+            <a:spLocks noGrp="1"/>
+          </p:cNvSpPr>
+          <p:nvPr>
+            <p:ph type="sldNum" sz="quarter" idx="5"/>
+          </p:nvPr>
+        </p:nvSpPr>
+        <p:spPr/>
+        <p:txBody>
+          <a:bodyPr/>
+          <a:lstStyle/>
+          <a:p>
+            <a:fld id="{9A13909B-B2FF-4267-82A7-3ABB5F2BFC4D}" type="slidenum">
+              <a:rPr lang="zh-CN" altLang="en-US" smtClean="0"/>
+              <a:t>29</a:t>
+            </a:fld>
+            <a:endParaRPr lang="zh-CN" altLang="en-US"/>
+          </a:p>
+        </p:txBody>
+      </p:sp>
+    </p:spTree>
+    <p:extLst>
+      <p:ext uri="{BB962C8B-B14F-4D97-AF65-F5344CB8AC3E}">
+        <p14:creationId xmlns:p14="http://schemas.microsoft.com/office/powerpoint/2010/main" val="2691716119"/>
+      </p:ext>
+    </p:extLst>
+  </p:cSld>
+  <p:clrMapOvr>
+    <a:masterClrMapping/>
+  </p:clrMapOvr>
+</p:notes>
+</file>
+
+<file path=ppt/notesSlides/notesSlide9.xml><?xml version="1.0" encoding="utf-8"?>
+<p:notes xmlns:a="http://schemas.openxmlformats.org/drawingml/2006/main" xmlns:r="http://schemas.openxmlformats.org/officeDocument/2006/relationships" xmlns:p="http://schemas.openxmlformats.org/presentationml/2006/main">
+  <p:cSld>
+    <p:spTree>
+      <p:nvGrpSpPr>
+        <p:cNvPr id="1" name=""/>
+        <p:cNvGrpSpPr/>
+        <p:nvPr/>
+      </p:nvGrpSpPr>
+      <p:grpSpPr>
+        <a:xfrm>
+          <a:off x="0" y="0"/>
+          <a:ext cx="0" cy="0"/>
+          <a:chOff x="0" y="0"/>
+          <a:chExt cx="0" cy="0"/>
+        </a:xfrm>
+      </p:grpSpPr>
+      <p:sp>
+        <p:nvSpPr>
+          <p:cNvPr id="2" name="幻灯片图像占位符 1"/>
+          <p:cNvSpPr>
+            <a:spLocks noGrp="1" noRot="1" noChangeAspect="1"/>
+          </p:cNvSpPr>
+          <p:nvPr>
+            <p:ph type="sldImg"/>
+          </p:nvPr>
+        </p:nvSpPr>
+        <p:spPr/>
+      </p:sp>
+      <p:sp>
+        <p:nvSpPr>
+          <p:cNvPr id="3" name="备注占位符 2"/>
+          <p:cNvSpPr>
+            <a:spLocks noGrp="1"/>
+          </p:cNvSpPr>
+          <p:nvPr>
+            <p:ph type="body" idx="1"/>
+          </p:nvPr>
+        </p:nvSpPr>
+        <p:spPr/>
+        <p:txBody>
+          <a:bodyPr/>
+          <a:lstStyle/>
+          <a:p>
+            <a:endParaRPr lang="zh-CN" altLang="en-US" dirty="0"/>
+          </a:p>
+        </p:txBody>
+      </p:sp>
+      <p:sp>
+        <p:nvSpPr>
+          <p:cNvPr id="4" name="灯片编号占位符 3"/>
+          <p:cNvSpPr>
+            <a:spLocks noGrp="1"/>
+          </p:cNvSpPr>
+          <p:nvPr>
+            <p:ph type="sldNum" sz="quarter" idx="5"/>
+          </p:nvPr>
+        </p:nvSpPr>
+        <p:spPr/>
+        <p:txBody>
+          <a:bodyPr/>
+          <a:lstStyle/>
+          <a:p>
+            <a:fld id="{9A13909B-B2FF-4267-82A7-3ABB5F2BFC4D}" type="slidenum">
+              <a:rPr lang="zh-CN" altLang="en-US" smtClean="0"/>
+              <a:t>30</a:t>
+            </a:fld>
+            <a:endParaRPr lang="zh-CN" altLang="en-US"/>
+          </a:p>
+        </p:txBody>
+      </p:sp>
+    </p:spTree>
+    <p:extLst>
+      <p:ext uri="{BB962C8B-B14F-4D97-AF65-F5344CB8AC3E}">
+        <p14:creationId xmlns:p14="http://schemas.microsoft.com/office/powerpoint/2010/main" val="1587007322"/>
+      </p:ext>
+    </p:extLst>
+  </p:cSld>
+  <p:clrMapOvr>
+    <a:masterClrMapping/>
+  </p:clrMapOvr>
+</p:notes>
 </file>
 
 <file path=ppt/slideLayouts/slideLayout1.xml><?xml version="1.0" encoding="utf-8"?>
@@ -264,7 +1549,7 @@
           <a:p>
             <a:fld id="{D997B5FA-0921-464F-AAE1-844C04324D75}" type="datetimeFigureOut">
               <a:rPr lang="zh-CN" altLang="en-US" smtClean="0"/>
-              <a:t>2022/4/5</a:t>
+              <a:t>2022/4/10</a:t>
             </a:fld>
             <a:endParaRPr lang="zh-CN" altLang="en-US"/>
           </a:p>
@@ -427,7 +1712,7 @@
           <a:p>
             <a:fld id="{D997B5FA-0921-464F-AAE1-844C04324D75}" type="datetimeFigureOut">
               <a:rPr lang="zh-CN" altLang="en-US" smtClean="0"/>
-              <a:t>2022/4/5</a:t>
+              <a:t>2022/4/10</a:t>
             </a:fld>
             <a:endParaRPr lang="zh-CN" altLang="en-US"/>
           </a:p>
@@ -600,7 +1885,7 @@
           <a:p>
             <a:fld id="{D997B5FA-0921-464F-AAE1-844C04324D75}" type="datetimeFigureOut">
               <a:rPr lang="zh-CN" altLang="en-US" smtClean="0"/>
-              <a:t>2022/4/5</a:t>
+              <a:t>2022/4/10</a:t>
             </a:fld>
             <a:endParaRPr lang="zh-CN" altLang="en-US"/>
           </a:p>
@@ -763,7 +2048,7 @@
           <a:p>
             <a:fld id="{D997B5FA-0921-464F-AAE1-844C04324D75}" type="datetimeFigureOut">
               <a:rPr lang="zh-CN" altLang="en-US" smtClean="0"/>
-              <a:t>2022/4/5</a:t>
+              <a:t>2022/4/10</a:t>
             </a:fld>
             <a:endParaRPr lang="zh-CN" altLang="en-US"/>
           </a:p>
@@ -1003,7 +2288,7 @@
           <a:p>
             <a:fld id="{D997B5FA-0921-464F-AAE1-844C04324D75}" type="datetimeFigureOut">
               <a:rPr lang="zh-CN" altLang="en-US" smtClean="0"/>
-              <a:t>2022/4/5</a:t>
+              <a:t>2022/4/10</a:t>
             </a:fld>
             <a:endParaRPr lang="zh-CN" altLang="en-US"/>
           </a:p>
@@ -1227,7 +2512,7 @@
           <a:p>
             <a:fld id="{D997B5FA-0921-464F-AAE1-844C04324D75}" type="datetimeFigureOut">
               <a:rPr lang="zh-CN" altLang="en-US" smtClean="0"/>
-              <a:t>2022/4/5</a:t>
+              <a:t>2022/4/10</a:t>
             </a:fld>
             <a:endParaRPr lang="zh-CN" altLang="en-US"/>
           </a:p>
@@ -1586,7 +2871,7 @@
           <a:p>
             <a:fld id="{D997B5FA-0921-464F-AAE1-844C04324D75}" type="datetimeFigureOut">
               <a:rPr lang="zh-CN" altLang="en-US" smtClean="0"/>
-              <a:t>2022/4/5</a:t>
+              <a:t>2022/4/10</a:t>
             </a:fld>
             <a:endParaRPr lang="zh-CN" altLang="en-US"/>
           </a:p>
@@ -1698,7 +2983,7 @@
           <a:p>
             <a:fld id="{D997B5FA-0921-464F-AAE1-844C04324D75}" type="datetimeFigureOut">
               <a:rPr lang="zh-CN" altLang="en-US" smtClean="0"/>
-              <a:t>2022/4/5</a:t>
+              <a:t>2022/4/10</a:t>
             </a:fld>
             <a:endParaRPr lang="zh-CN" altLang="en-US"/>
           </a:p>
@@ -1788,7 +3073,7 @@
           <a:p>
             <a:fld id="{D997B5FA-0921-464F-AAE1-844C04324D75}" type="datetimeFigureOut">
               <a:rPr lang="zh-CN" altLang="en-US" smtClean="0"/>
-              <a:t>2022/4/5</a:t>
+              <a:t>2022/4/10</a:t>
             </a:fld>
             <a:endParaRPr lang="zh-CN" altLang="en-US"/>
           </a:p>
@@ -2058,7 +3343,7 @@
           <a:p>
             <a:fld id="{D997B5FA-0921-464F-AAE1-844C04324D75}" type="datetimeFigureOut">
               <a:rPr lang="zh-CN" altLang="en-US" smtClean="0"/>
-              <a:t>2022/4/5</a:t>
+              <a:t>2022/4/10</a:t>
             </a:fld>
             <a:endParaRPr lang="zh-CN" altLang="en-US"/>
           </a:p>
@@ -2305,7 +3590,7 @@
           <a:p>
             <a:fld id="{D997B5FA-0921-464F-AAE1-844C04324D75}" type="datetimeFigureOut">
               <a:rPr lang="zh-CN" altLang="en-US" smtClean="0"/>
-              <a:t>2022/4/5</a:t>
+              <a:t>2022/4/10</a:t>
             </a:fld>
             <a:endParaRPr lang="zh-CN" altLang="en-US"/>
           </a:p>
@@ -2511,7 +3796,7 @@
           <a:p>
             <a:fld id="{D997B5FA-0921-464F-AAE1-844C04324D75}" type="datetimeFigureOut">
               <a:rPr lang="zh-CN" altLang="en-US" smtClean="0"/>
-              <a:t>2022/4/5</a:t>
+              <a:t>2022/4/10</a:t>
             </a:fld>
             <a:endParaRPr lang="zh-CN" altLang="en-US"/>
           </a:p>
@@ -7525,7 +8810,7 @@
           <a:graphicData uri="http://schemas.openxmlformats.org/presentationml/2006/ole">
             <mc:AlternateContent xmlns:mc="http://schemas.openxmlformats.org/markup-compatibility/2006">
               <mc:Choice xmlns:v="urn:schemas-microsoft-com:vml" Requires="v">
-                <p:oleObj spid="_x0000_s3365" name="AxMath" r:id="rId3" imgW="981720" imgH="1749600" progId="Equation.AxMath">
+                <p:oleObj spid="_x0000_s3569" name="AxMath" r:id="rId3" imgW="981720" imgH="1749600" progId="Equation.AxMath">
                   <p:embed/>
                 </p:oleObj>
               </mc:Choice>
@@ -7588,7 +8873,7 @@
           <a:graphicData uri="http://schemas.openxmlformats.org/presentationml/2006/ole">
             <mc:AlternateContent xmlns:mc="http://schemas.openxmlformats.org/markup-compatibility/2006">
               <mc:Choice xmlns:v="urn:schemas-microsoft-com:vml" Requires="v">
-                <p:oleObj spid="_x0000_s3366" name="AxMath" r:id="rId5" imgW="2217600" imgH="1693440" progId="Equation.AxMath">
+                <p:oleObj spid="_x0000_s3570" name="AxMath" r:id="rId5" imgW="2217600" imgH="1693440" progId="Equation.AxMath">
                   <p:embed/>
                 </p:oleObj>
               </mc:Choice>
@@ -7651,7 +8936,7 @@
           <a:graphicData uri="http://schemas.openxmlformats.org/presentationml/2006/ole">
             <mc:AlternateContent xmlns:mc="http://schemas.openxmlformats.org/markup-compatibility/2006">
               <mc:Choice xmlns:v="urn:schemas-microsoft-com:vml" Requires="v">
-                <p:oleObj spid="_x0000_s3367" name="AxMath" r:id="rId7" imgW="3282840" imgH="1374840" progId="Equation.AxMath">
+                <p:oleObj spid="_x0000_s3571" name="AxMath" r:id="rId7" imgW="3282840" imgH="1374840" progId="Equation.AxMath">
                   <p:embed/>
                 </p:oleObj>
               </mc:Choice>
@@ -11044,12 +12329,12 @@
           <a:graphicData uri="http://schemas.openxmlformats.org/presentationml/2006/ole">
             <mc:AlternateContent xmlns:mc="http://schemas.openxmlformats.org/markup-compatibility/2006">
               <mc:Choice xmlns:v="urn:schemas-microsoft-com:vml" Requires="v">
-                <p:oleObj spid="_x0000_s7265" name="AxGlyph" r:id="rId3" imgW="321480" imgH="110520" progId="AxGlyph.Document">
+                <p:oleObj spid="_x0000_s7469" name="AxGlyph" r:id="rId4" imgW="321480" imgH="110520" progId="AxGlyph.Document">
                   <p:embed/>
                 </p:oleObj>
               </mc:Choice>
               <mc:Fallback>
-                <p:oleObj name="AxGlyph" r:id="rId3" imgW="321480" imgH="110520" progId="AxGlyph.Document">
+                <p:oleObj name="AxGlyph" r:id="rId4" imgW="321480" imgH="110520" progId="AxGlyph.Document">
                   <p:embed/>
                   <p:pic>
                     <p:nvPicPr>
@@ -11058,7 +12343,7 @@
                       <p:nvPr/>
                     </p:nvPicPr>
                     <p:blipFill>
-                      <a:blip r:embed="rId4"/>
+                      <a:blip r:embed="rId5"/>
                       <a:stretch>
                         <a:fillRect/>
                       </a:stretch>
@@ -11094,25 +12379,25 @@
           <p:nvPr>
             <p:extLst>
               <p:ext uri="{D42A27DB-BD31-4B8C-83A1-F6EECF244321}">
-                <p14:modId xmlns:p14="http://schemas.microsoft.com/office/powerpoint/2010/main" val="2631260299"/>
+                <p14:modId xmlns:p14="http://schemas.microsoft.com/office/powerpoint/2010/main" val="1868263723"/>
               </p:ext>
             </p:extLst>
           </p:nvPr>
         </p:nvGraphicFramePr>
         <p:xfrm>
-          <a:off x="1651687" y="4138340"/>
-          <a:ext cx="4967253" cy="1754907"/>
+          <a:off x="1635125" y="4268455"/>
+          <a:ext cx="4999038" cy="1768475"/>
         </p:xfrm>
         <a:graphic>
           <a:graphicData uri="http://schemas.openxmlformats.org/presentationml/2006/ole">
             <mc:AlternateContent xmlns:mc="http://schemas.openxmlformats.org/markup-compatibility/2006">
               <mc:Choice xmlns:v="urn:schemas-microsoft-com:vml" Requires="v">
-                <p:oleObj spid="_x0000_s7266" name="AxMath" r:id="rId5" imgW="3845520" imgH="1357920" progId="Equation.AxMath">
+                <p:oleObj spid="_x0000_s7470" name="AxMath" r:id="rId6" imgW="3868920" imgH="1368000" progId="Equation.AxMath">
                   <p:embed/>
                 </p:oleObj>
               </mc:Choice>
               <mc:Fallback>
-                <p:oleObj name="AxMath" r:id="rId5" imgW="3845520" imgH="1357920" progId="Equation.AxMath">
+                <p:oleObj name="AxMath" r:id="rId6" imgW="3868920" imgH="1368000" progId="Equation.AxMath">
                   <p:embed/>
                   <p:pic>
                     <p:nvPicPr>
@@ -11127,15 +12412,15 @@
                       <p:nvPr/>
                     </p:nvPicPr>
                     <p:blipFill>
-                      <a:blip r:embed="rId6"/>
+                      <a:blip r:embed="rId7"/>
                       <a:stretch>
                         <a:fillRect/>
                       </a:stretch>
                     </p:blipFill>
                     <p:spPr>
                       <a:xfrm>
-                        <a:off x="1651687" y="4138340"/>
-                        <a:ext cx="4967253" cy="1754907"/>
+                        <a:off x="1635125" y="4268455"/>
+                        <a:ext cx="4999038" cy="1768475"/>
                       </a:xfrm>
                       <a:prstGeom prst="rect">
                         <a:avLst/>
@@ -11148,68 +12433,6 @@
           </a:graphicData>
         </a:graphic>
       </p:graphicFrame>
-      <p:sp>
-        <p:nvSpPr>
-          <p:cNvPr id="3" name="箭头: 右 2">
-            <a:extLst>
-              <a:ext uri="{FF2B5EF4-FFF2-40B4-BE49-F238E27FC236}">
-                <a16:creationId xmlns:a16="http://schemas.microsoft.com/office/drawing/2014/main" id="{675B12D1-10B3-4651-99BB-A7B60C7D4B69}"/>
-              </a:ext>
-            </a:extLst>
-          </p:cNvPr>
-          <p:cNvSpPr/>
-          <p:nvPr/>
-        </p:nvSpPr>
-        <p:spPr>
-          <a:xfrm>
-            <a:off x="5573255" y="4848642"/>
-            <a:ext cx="1310566" cy="403728"/>
-          </a:xfrm>
-          <a:prstGeom prst="rightArrow">
-            <a:avLst/>
-          </a:prstGeom>
-          <a:solidFill>
-            <a:srgbClr val="00B050"/>
-          </a:solidFill>
-          <a:ln>
-            <a:noFill/>
-          </a:ln>
-        </p:spPr>
-        <p:style>
-          <a:lnRef idx="2">
-            <a:schemeClr val="accent1">
-              <a:shade val="50000"/>
-            </a:schemeClr>
-          </a:lnRef>
-          <a:fillRef idx="1">
-            <a:schemeClr val="accent1"/>
-          </a:fillRef>
-          <a:effectRef idx="0">
-            <a:schemeClr val="accent1"/>
-          </a:effectRef>
-          <a:fontRef idx="minor">
-            <a:schemeClr val="lt1"/>
-          </a:fontRef>
-        </p:style>
-        <p:txBody>
-          <a:bodyPr rtlCol="0" anchor="ctr"/>
-          <a:lstStyle/>
-          <a:p>
-            <a:pPr algn="ctr"/>
-            <a:r>
-              <a:rPr lang="zh-CN" altLang="en-US" sz="1050" b="1" dirty="0">
-                <a:solidFill>
-                  <a:schemeClr val="accent4">
-                    <a:lumMod val="40000"/>
-                    <a:lumOff val="60000"/>
-                  </a:schemeClr>
-                </a:solidFill>
-              </a:rPr>
-              <a:t>离散变换</a:t>
-            </a:r>
-          </a:p>
-        </p:txBody>
-      </p:sp>
       <p:graphicFrame>
         <p:nvGraphicFramePr>
           <p:cNvPr id="17" name="对象 16">
@@ -11225,25 +12448,25 @@
           <p:nvPr>
             <p:extLst>
               <p:ext uri="{D42A27DB-BD31-4B8C-83A1-F6EECF244321}">
-                <p14:modId xmlns:p14="http://schemas.microsoft.com/office/powerpoint/2010/main" val="3213388208"/>
+                <p14:modId xmlns:p14="http://schemas.microsoft.com/office/powerpoint/2010/main" val="4081223123"/>
               </p:ext>
             </p:extLst>
           </p:nvPr>
         </p:nvGraphicFramePr>
         <p:xfrm>
-          <a:off x="6968172" y="3988239"/>
+          <a:off x="6968172" y="4124431"/>
           <a:ext cx="3725863" cy="2647950"/>
         </p:xfrm>
         <a:graphic>
           <a:graphicData uri="http://schemas.openxmlformats.org/presentationml/2006/ole">
             <mc:AlternateContent xmlns:mc="http://schemas.openxmlformats.org/markup-compatibility/2006">
               <mc:Choice xmlns:v="urn:schemas-microsoft-com:vml" Requires="v">
-                <p:oleObj spid="_x0000_s7267" name="AxMath" r:id="rId7" imgW="3236400" imgH="2300400" progId="Equation.AxMath">
+                <p:oleObj spid="_x0000_s7471" name="AxMath" r:id="rId8" imgW="3236400" imgH="2300400" progId="Equation.AxMath">
                   <p:embed/>
                 </p:oleObj>
               </mc:Choice>
               <mc:Fallback>
-                <p:oleObj name="AxMath" r:id="rId7" imgW="3236400" imgH="2300400" progId="Equation.AxMath">
+                <p:oleObj name="AxMath" r:id="rId8" imgW="3236400" imgH="2300400" progId="Equation.AxMath">
                   <p:embed/>
                   <p:pic>
                     <p:nvPicPr>
@@ -11258,14 +12481,14 @@
                       <p:nvPr/>
                     </p:nvPicPr>
                     <p:blipFill>
-                      <a:blip r:embed="rId8"/>
+                      <a:blip r:embed="rId9"/>
                       <a:stretch>
                         <a:fillRect/>
                       </a:stretch>
                     </p:blipFill>
                     <p:spPr>
                       <a:xfrm>
-                        <a:off x="6968172" y="3988239"/>
+                        <a:off x="6968172" y="4124431"/>
                         <a:ext cx="3725863" cy="2647950"/>
                       </a:xfrm>
                       <a:prstGeom prst="rect">
@@ -11293,7 +12516,7 @@
         </p:nvGrpSpPr>
         <p:grpSpPr>
           <a:xfrm>
-            <a:off x="1651687" y="3404039"/>
+            <a:off x="1651687" y="3491591"/>
             <a:ext cx="9947910" cy="646430"/>
             <a:chOff x="3145" y="3289"/>
             <a:chExt cx="15666" cy="1018"/>
@@ -11924,12 +13147,12 @@
           <a:graphicData uri="http://schemas.openxmlformats.org/presentationml/2006/ole">
             <mc:AlternateContent xmlns:mc="http://schemas.openxmlformats.org/markup-compatibility/2006">
               <mc:Choice xmlns:v="urn:schemas-microsoft-com:vml" Requires="v">
-                <p:oleObj spid="_x0000_s8254" name="AxGlyph" r:id="rId3" imgW="321480" imgH="110520" progId="AxGlyph.Document">
+                <p:oleObj spid="_x0000_s8458" name="AxGlyph" r:id="rId4" imgW="321480" imgH="110520" progId="AxGlyph.Document">
                   <p:embed/>
                 </p:oleObj>
               </mc:Choice>
               <mc:Fallback>
-                <p:oleObj name="AxGlyph" r:id="rId3" imgW="321480" imgH="110520" progId="AxGlyph.Document">
+                <p:oleObj name="AxGlyph" r:id="rId4" imgW="321480" imgH="110520" progId="AxGlyph.Document">
                   <p:embed/>
                   <p:pic>
                     <p:nvPicPr>
@@ -11944,7 +13167,7 @@
                       <p:nvPr/>
                     </p:nvPicPr>
                     <p:blipFill>
-                      <a:blip r:embed="rId4"/>
+                      <a:blip r:embed="rId5"/>
                       <a:stretch>
                         <a:fillRect/>
                       </a:stretch>
@@ -11980,25 +13203,25 @@
           <p:nvPr>
             <p:extLst>
               <p:ext uri="{D42A27DB-BD31-4B8C-83A1-F6EECF244321}">
-                <p14:modId xmlns:p14="http://schemas.microsoft.com/office/powerpoint/2010/main" val="1670671232"/>
+                <p14:modId xmlns:p14="http://schemas.microsoft.com/office/powerpoint/2010/main" val="2917355831"/>
               </p:ext>
             </p:extLst>
           </p:nvPr>
         </p:nvGraphicFramePr>
         <p:xfrm>
-          <a:off x="6783069" y="4601365"/>
-          <a:ext cx="4967253" cy="1754907"/>
+          <a:off x="5555615" y="4295613"/>
+          <a:ext cx="6619875" cy="2454275"/>
         </p:xfrm>
         <a:graphic>
           <a:graphicData uri="http://schemas.openxmlformats.org/presentationml/2006/ole">
             <mc:AlternateContent xmlns:mc="http://schemas.openxmlformats.org/markup-compatibility/2006">
               <mc:Choice xmlns:v="urn:schemas-microsoft-com:vml" Requires="v">
-                <p:oleObj spid="_x0000_s8255" name="AxMath" r:id="rId5" imgW="3845520" imgH="1357920" progId="Equation.AxMath">
+                <p:oleObj spid="_x0000_s8459" name="AxMath" r:id="rId6" imgW="5123880" imgH="1897560" progId="Equation.AxMath">
                   <p:embed/>
                 </p:oleObj>
               </mc:Choice>
               <mc:Fallback>
-                <p:oleObj name="AxMath" r:id="rId5" imgW="3845520" imgH="1357920" progId="Equation.AxMath">
+                <p:oleObj name="AxMath" r:id="rId6" imgW="5123880" imgH="1897560" progId="Equation.AxMath">
                   <p:embed/>
                   <p:pic>
                     <p:nvPicPr>
@@ -12013,15 +13236,15 @@
                       <p:nvPr/>
                     </p:nvPicPr>
                     <p:blipFill>
-                      <a:blip r:embed="rId6"/>
+                      <a:blip r:embed="rId7"/>
                       <a:stretch>
                         <a:fillRect/>
                       </a:stretch>
                     </p:blipFill>
                     <p:spPr>
                       <a:xfrm>
-                        <a:off x="6783069" y="4601365"/>
-                        <a:ext cx="4967253" cy="1754907"/>
+                        <a:off x="5555615" y="4295613"/>
+                        <a:ext cx="6619875" cy="2454275"/>
                       </a:xfrm>
                       <a:prstGeom prst="rect">
                         <a:avLst/>
@@ -12034,68 +13257,6 @@
           </a:graphicData>
         </a:graphic>
       </p:graphicFrame>
-      <p:sp>
-        <p:nvSpPr>
-          <p:cNvPr id="3" name="箭头: 右 2">
-            <a:extLst>
-              <a:ext uri="{FF2B5EF4-FFF2-40B4-BE49-F238E27FC236}">
-                <a16:creationId xmlns:a16="http://schemas.microsoft.com/office/drawing/2014/main" id="{675B12D1-10B3-4651-99BB-A7B60C7D4B69}"/>
-              </a:ext>
-            </a:extLst>
-          </p:cNvPr>
-          <p:cNvSpPr/>
-          <p:nvPr/>
-        </p:nvSpPr>
-        <p:spPr>
-          <a:xfrm>
-            <a:off x="5440717" y="5276954"/>
-            <a:ext cx="1310566" cy="403728"/>
-          </a:xfrm>
-          <a:prstGeom prst="rightArrow">
-            <a:avLst/>
-          </a:prstGeom>
-          <a:solidFill>
-            <a:srgbClr val="00B050"/>
-          </a:solidFill>
-          <a:ln>
-            <a:noFill/>
-          </a:ln>
-        </p:spPr>
-        <p:style>
-          <a:lnRef idx="2">
-            <a:schemeClr val="accent1">
-              <a:shade val="50000"/>
-            </a:schemeClr>
-          </a:lnRef>
-          <a:fillRef idx="1">
-            <a:schemeClr val="accent1"/>
-          </a:fillRef>
-          <a:effectRef idx="0">
-            <a:schemeClr val="accent1"/>
-          </a:effectRef>
-          <a:fontRef idx="minor">
-            <a:schemeClr val="lt1"/>
-          </a:fontRef>
-        </p:style>
-        <p:txBody>
-          <a:bodyPr rtlCol="0" anchor="ctr"/>
-          <a:lstStyle/>
-          <a:p>
-            <a:pPr algn="ctr"/>
-            <a:r>
-              <a:rPr lang="zh-CN" altLang="en-US" sz="900" b="1" dirty="0">
-                <a:solidFill>
-                  <a:schemeClr val="accent4">
-                    <a:lumMod val="40000"/>
-                    <a:lumOff val="60000"/>
-                  </a:schemeClr>
-                </a:solidFill>
-              </a:rPr>
-              <a:t>坐标系转换</a:t>
-            </a:r>
-          </a:p>
-        </p:txBody>
-      </p:sp>
       <p:grpSp>
         <p:nvGrpSpPr>
           <p:cNvPr id="18" name="组合 17">
@@ -12239,25 +13400,25 @@
           <p:nvPr>
             <p:extLst>
               <p:ext uri="{D42A27DB-BD31-4B8C-83A1-F6EECF244321}">
-                <p14:modId xmlns:p14="http://schemas.microsoft.com/office/powerpoint/2010/main" val="3128639559"/>
+                <p14:modId xmlns:p14="http://schemas.microsoft.com/office/powerpoint/2010/main" val="284311260"/>
               </p:ext>
             </p:extLst>
           </p:nvPr>
         </p:nvGraphicFramePr>
         <p:xfrm>
-          <a:off x="1507760" y="4601365"/>
-          <a:ext cx="4967253" cy="1754907"/>
+          <a:off x="206693" y="4460098"/>
+          <a:ext cx="5314950" cy="1768475"/>
         </p:xfrm>
         <a:graphic>
           <a:graphicData uri="http://schemas.openxmlformats.org/presentationml/2006/ole">
             <mc:AlternateContent xmlns:mc="http://schemas.openxmlformats.org/markup-compatibility/2006">
               <mc:Choice xmlns:v="urn:schemas-microsoft-com:vml" Requires="v">
-                <p:oleObj spid="_x0000_s8256" name="AxMath" r:id="rId7" imgW="3845520" imgH="1357920" progId="Equation.AxMath">
+                <p:oleObj spid="_x0000_s8460" name="AxMath" r:id="rId8" imgW="4114800" imgH="1368000" progId="Equation.AxMath">
                   <p:embed/>
                 </p:oleObj>
               </mc:Choice>
               <mc:Fallback>
-                <p:oleObj name="AxMath" r:id="rId7" imgW="3845520" imgH="1357920" progId="Equation.AxMath">
+                <p:oleObj name="AxMath" r:id="rId8" imgW="4114800" imgH="1368000" progId="Equation.AxMath">
                   <p:embed/>
                   <p:pic>
                     <p:nvPicPr>
@@ -12272,15 +13433,15 @@
                       <p:nvPr/>
                     </p:nvPicPr>
                     <p:blipFill>
-                      <a:blip r:embed="rId8"/>
+                      <a:blip r:embed="rId9"/>
                       <a:stretch>
                         <a:fillRect/>
                       </a:stretch>
                     </p:blipFill>
                     <p:spPr>
                       <a:xfrm>
-                        <a:off x="1507760" y="4601365"/>
-                        <a:ext cx="4967253" cy="1754907"/>
+                        <a:off x="206693" y="4460098"/>
+                        <a:ext cx="5314950" cy="1768475"/>
                       </a:xfrm>
                       <a:prstGeom prst="rect">
                         <a:avLst/>
@@ -12309,14 +13470,6 @@
 <file path=ppt/slides/slide24.xml><?xml version="1.0" encoding="utf-8"?>
 <p:sld xmlns:a="http://schemas.openxmlformats.org/drawingml/2006/main" xmlns:r="http://schemas.openxmlformats.org/officeDocument/2006/relationships" xmlns:p="http://schemas.openxmlformats.org/presentationml/2006/main">
   <p:cSld>
-    <p:bg>
-      <p:bgPr>
-        <a:solidFill>
-          <a:schemeClr val="bg1"/>
-        </a:solidFill>
-        <a:effectLst/>
-      </p:bgPr>
-    </p:bg>
     <p:spTree>
       <p:nvGrpSpPr>
         <p:cNvPr id="1" name=""/>
@@ -12331,32 +13484,4347 @@
           <a:chExt cx="0" cy="0"/>
         </a:xfrm>
       </p:grpSpPr>
-      <p:pic>
-        <p:nvPicPr>
-          <p:cNvPr id="4" name="图片 3"/>
-          <p:cNvPicPr>
-            <a:picLocks noChangeAspect="1"/>
-          </p:cNvPicPr>
+      <p:graphicFrame>
+        <p:nvGraphicFramePr>
+          <p:cNvPr id="32" name="对象 31">
+            <a:extLst>
+              <a:ext uri="{FF2B5EF4-FFF2-40B4-BE49-F238E27FC236}">
+                <a16:creationId xmlns:a16="http://schemas.microsoft.com/office/drawing/2014/main" id="{A7EE1629-B575-491B-BEA2-94AD5B6C6295}"/>
+              </a:ext>
+            </a:extLst>
+          </p:cNvPr>
+          <p:cNvGraphicFramePr>
+            <a:graphicFrameLocks noChangeAspect="1"/>
+          </p:cNvGraphicFramePr>
+          <p:nvPr>
+            <p:extLst>
+              <p:ext uri="{D42A27DB-BD31-4B8C-83A1-F6EECF244321}">
+                <p14:modId xmlns:p14="http://schemas.microsoft.com/office/powerpoint/2010/main" val="2510297216"/>
+              </p:ext>
+            </p:extLst>
+          </p:nvPr>
+        </p:nvGraphicFramePr>
+        <p:xfrm>
+          <a:off x="3073383" y="1008278"/>
+          <a:ext cx="6045234" cy="2086419"/>
+        </p:xfrm>
+        <a:graphic>
+          <a:graphicData uri="http://schemas.openxmlformats.org/presentationml/2006/ole">
+            <mc:AlternateContent xmlns:mc="http://schemas.openxmlformats.org/markup-compatibility/2006">
+              <mc:Choice xmlns:v="urn:schemas-microsoft-com:vml" Requires="v">
+                <p:oleObj spid="_x0000_s9537" name="AxGlyph" r:id="rId4" imgW="321480" imgH="110520" progId="AxGlyph.Document">
+                  <p:embed/>
+                </p:oleObj>
+              </mc:Choice>
+              <mc:Fallback>
+                <p:oleObj name="AxGlyph" r:id="rId4" imgW="321480" imgH="110520" progId="AxGlyph.Document">
+                  <p:embed/>
+                  <p:pic>
+                    <p:nvPicPr>
+                      <p:cNvPr id="2" name="对象 1">
+                        <a:extLst>
+                          <a:ext uri="{FF2B5EF4-FFF2-40B4-BE49-F238E27FC236}">
+                            <a16:creationId xmlns:a16="http://schemas.microsoft.com/office/drawing/2014/main" id="{6848356A-B726-4232-9BD2-ECD3D93CE5E2}"/>
+                          </a:ext>
+                        </a:extLst>
+                      </p:cNvPr>
+                      <p:cNvPicPr/>
+                      <p:nvPr/>
+                    </p:nvPicPr>
+                    <p:blipFill>
+                      <a:blip r:embed="rId5"/>
+                      <a:stretch>
+                        <a:fillRect/>
+                      </a:stretch>
+                    </p:blipFill>
+                    <p:spPr>
+                      <a:xfrm>
+                        <a:off x="3073383" y="1008278"/>
+                        <a:ext cx="6045234" cy="2086419"/>
+                      </a:xfrm>
+                      <a:prstGeom prst="rect">
+                        <a:avLst/>
+                      </a:prstGeom>
+                    </p:spPr>
+                  </p:pic>
+                </p:oleObj>
+              </mc:Fallback>
+            </mc:AlternateContent>
+          </a:graphicData>
+        </a:graphic>
+      </p:graphicFrame>
+      <p:grpSp>
+        <p:nvGrpSpPr>
+          <p:cNvPr id="6" name="组合 5"/>
+          <p:cNvGrpSpPr/>
           <p:nvPr/>
-        </p:nvPicPr>
-        <p:blipFill>
-          <a:blip r:embed="rId2"/>
-          <a:srcRect l="5210" t="2776" r="1916" b="2046"/>
-          <a:stretch>
-            <a:fillRect/>
-          </a:stretch>
-        </p:blipFill>
+        </p:nvGrpSpPr>
+        <p:grpSpPr>
+          <a:xfrm>
+            <a:off x="-635" y="403860"/>
+            <a:ext cx="12176125" cy="817880"/>
+            <a:chOff x="-1" y="636"/>
+            <a:chExt cx="19175" cy="1288"/>
+          </a:xfrm>
+        </p:grpSpPr>
+        <p:cxnSp>
+          <p:nvCxnSpPr>
+            <p:cNvPr id="4" name="直接连接符 3"/>
+            <p:cNvCxnSpPr/>
+            <p:nvPr/>
+          </p:nvCxnSpPr>
+          <p:spPr>
+            <a:xfrm>
+              <a:off x="16841" y="1226"/>
+              <a:ext cx="2333" cy="5"/>
+            </a:xfrm>
+            <a:prstGeom prst="line">
+              <a:avLst/>
+            </a:prstGeom>
+            <a:ln w="22225" cmpd="sng">
+              <a:solidFill>
+                <a:schemeClr val="bg2"/>
+              </a:solidFill>
+              <a:prstDash val="solid"/>
+            </a:ln>
+          </p:spPr>
+          <p:style>
+            <a:lnRef idx="1">
+              <a:schemeClr val="accent3"/>
+            </a:lnRef>
+            <a:fillRef idx="0">
+              <a:schemeClr val="accent3"/>
+            </a:fillRef>
+            <a:effectRef idx="0">
+              <a:schemeClr val="accent3"/>
+            </a:effectRef>
+            <a:fontRef idx="minor">
+              <a:schemeClr val="tx1"/>
+            </a:fontRef>
+          </p:style>
+        </p:cxnSp>
+        <p:grpSp>
+          <p:nvGrpSpPr>
+            <p:cNvPr id="8" name="组合 7"/>
+            <p:cNvGrpSpPr/>
+            <p:nvPr/>
+          </p:nvGrpSpPr>
+          <p:grpSpPr>
+            <a:xfrm>
+              <a:off x="-1" y="636"/>
+              <a:ext cx="18268" cy="1288"/>
+              <a:chOff x="-1" y="636"/>
+              <a:chExt cx="18268" cy="1288"/>
+            </a:xfrm>
+          </p:grpSpPr>
+          <p:cxnSp>
+            <p:nvCxnSpPr>
+              <p:cNvPr id="5" name="直接连接符 4"/>
+              <p:cNvCxnSpPr/>
+              <p:nvPr/>
+            </p:nvCxnSpPr>
+            <p:spPr>
+              <a:xfrm flipV="1">
+                <a:off x="-1" y="1238"/>
+                <a:ext cx="3968" cy="7"/>
+              </a:xfrm>
+              <a:prstGeom prst="line">
+                <a:avLst/>
+              </a:prstGeom>
+              <a:ln w="22225" cmpd="sng">
+                <a:solidFill>
+                  <a:schemeClr val="bg2"/>
+                </a:solidFill>
+                <a:prstDash val="solid"/>
+              </a:ln>
+            </p:spPr>
+            <p:style>
+              <a:lnRef idx="1">
+                <a:schemeClr val="accent3"/>
+              </a:lnRef>
+              <a:fillRef idx="0">
+                <a:schemeClr val="accent3"/>
+              </a:fillRef>
+              <a:effectRef idx="0">
+                <a:schemeClr val="accent3"/>
+              </a:effectRef>
+              <a:fontRef idx="minor">
+                <a:schemeClr val="tx1"/>
+              </a:fontRef>
+            </p:style>
+          </p:cxnSp>
+          <p:sp>
+            <p:nvSpPr>
+              <p:cNvPr id="11" name="椭圆 10"/>
+              <p:cNvSpPr/>
+              <p:nvPr/>
+            </p:nvSpPr>
+            <p:spPr>
+              <a:xfrm>
+                <a:off x="1315" y="636"/>
+                <a:ext cx="1336" cy="1288"/>
+              </a:xfrm>
+              <a:prstGeom prst="ellipse">
+                <a:avLst/>
+              </a:prstGeom>
+              <a:solidFill>
+                <a:srgbClr val="00B050"/>
+              </a:solidFill>
+              <a:ln>
+                <a:noFill/>
+              </a:ln>
+            </p:spPr>
+            <p:style>
+              <a:lnRef idx="2">
+                <a:schemeClr val="accent1">
+                  <a:shade val="50000"/>
+                </a:schemeClr>
+              </a:lnRef>
+              <a:fillRef idx="1">
+                <a:schemeClr val="accent1"/>
+              </a:fillRef>
+              <a:effectRef idx="0">
+                <a:schemeClr val="accent1"/>
+              </a:effectRef>
+              <a:fontRef idx="minor">
+                <a:schemeClr val="lt1"/>
+              </a:fontRef>
+            </p:style>
+            <p:txBody>
+              <a:bodyPr rtlCol="0" anchor="ctr"/>
+              <a:lstStyle/>
+              <a:p>
+                <a:pPr algn="ctr"/>
+                <a:r>
+                  <a:rPr lang="en-US" altLang="zh-CN" sz="2800" dirty="0">
+                    <a:latin typeface="微软雅黑" panose="020B0503020204020204" charset="-122"/>
+                    <a:ea typeface="微软雅黑" panose="020B0503020204020204" charset="-122"/>
+                  </a:rPr>
+                  <a:t>24</a:t>
+                </a:r>
+              </a:p>
+            </p:txBody>
+          </p:sp>
+          <p:sp>
+            <p:nvSpPr>
+              <p:cNvPr id="7" name="文本框 6"/>
+              <p:cNvSpPr txBox="1"/>
+              <p:nvPr/>
+            </p:nvSpPr>
+            <p:spPr>
+              <a:xfrm>
+                <a:off x="4138" y="636"/>
+                <a:ext cx="14129" cy="1018"/>
+              </a:xfrm>
+              <a:prstGeom prst="rect">
+                <a:avLst/>
+              </a:prstGeom>
+              <a:noFill/>
+            </p:spPr>
+            <p:txBody>
+              <a:bodyPr wrap="square" rtlCol="0">
+                <a:spAutoFit/>
+              </a:bodyPr>
+              <a:lstStyle/>
+              <a:p>
+                <a:r>
+                  <a:rPr lang="en-US" altLang="zh-CN" sz="3600" b="1" dirty="0">
+                    <a:latin typeface="Arial" panose="020B0604020202020204" pitchFamily="34" charset="0"/>
+                  </a:rPr>
+                  <a:t>IMU </a:t>
+                </a:r>
+                <a:r>
+                  <a:rPr lang="en-US" altLang="zh-CN" sz="3600" b="1" dirty="0" err="1">
+                    <a:latin typeface="Arial" panose="020B0604020202020204" pitchFamily="34" charset="0"/>
+                  </a:rPr>
+                  <a:t>preintegration</a:t>
+                </a:r>
+                <a:r>
+                  <a:rPr lang="en-US" altLang="zh-CN" sz="3600" b="0" i="0" dirty="0">
+                    <a:effectLst/>
+                    <a:latin typeface="Arial" panose="020B0604020202020204" pitchFamily="34" charset="0"/>
+                  </a:rPr>
+                  <a:t> </a:t>
+                </a:r>
+                <a:endParaRPr lang="zh-CN" altLang="en-US" sz="3600" b="1" dirty="0">
+                  <a:sym typeface="+mn-ea"/>
+                </a:endParaRPr>
+              </a:p>
+            </p:txBody>
+          </p:sp>
+        </p:grpSp>
+      </p:grpSp>
+      <p:graphicFrame>
+        <p:nvGraphicFramePr>
+          <p:cNvPr id="22" name="对象 21">
+            <a:extLst>
+              <a:ext uri="{FF2B5EF4-FFF2-40B4-BE49-F238E27FC236}">
+                <a16:creationId xmlns:a16="http://schemas.microsoft.com/office/drawing/2014/main" id="{95CBCBF9-AA0B-4F87-9B93-F43E0C793688}"/>
+              </a:ext>
+            </a:extLst>
+          </p:cNvPr>
+          <p:cNvGraphicFramePr>
+            <a:graphicFrameLocks noChangeAspect="1"/>
+          </p:cNvGraphicFramePr>
+          <p:nvPr>
+            <p:extLst>
+              <p:ext uri="{D42A27DB-BD31-4B8C-83A1-F6EECF244321}">
+                <p14:modId xmlns:p14="http://schemas.microsoft.com/office/powerpoint/2010/main" val="1721128059"/>
+              </p:ext>
+            </p:extLst>
+          </p:nvPr>
+        </p:nvGraphicFramePr>
+        <p:xfrm>
+          <a:off x="1905141" y="3040396"/>
+          <a:ext cx="4730750" cy="1296987"/>
+        </p:xfrm>
+        <a:graphic>
+          <a:graphicData uri="http://schemas.openxmlformats.org/presentationml/2006/ole">
+            <mc:AlternateContent xmlns:mc="http://schemas.openxmlformats.org/markup-compatibility/2006">
+              <mc:Choice xmlns:v="urn:schemas-microsoft-com:vml" Requires="v">
+                <p:oleObj spid="_x0000_s9538" name="AxMath" r:id="rId6" imgW="3662280" imgH="1003680" progId="Equation.AxMath">
+                  <p:embed/>
+                </p:oleObj>
+              </mc:Choice>
+              <mc:Fallback>
+                <p:oleObj name="AxMath" r:id="rId6" imgW="3662280" imgH="1003680" progId="Equation.AxMath">
+                  <p:embed/>
+                  <p:pic>
+                    <p:nvPicPr>
+                      <p:cNvPr id="14" name="对象 13">
+                        <a:extLst>
+                          <a:ext uri="{FF2B5EF4-FFF2-40B4-BE49-F238E27FC236}">
+                            <a16:creationId xmlns:a16="http://schemas.microsoft.com/office/drawing/2014/main" id="{BADADA24-041C-4EA9-9913-C4685E5ECE33}"/>
+                          </a:ext>
+                        </a:extLst>
+                      </p:cNvPr>
+                      <p:cNvPicPr/>
+                      <p:nvPr/>
+                    </p:nvPicPr>
+                    <p:blipFill>
+                      <a:blip r:embed="rId7"/>
+                      <a:stretch>
+                        <a:fillRect/>
+                      </a:stretch>
+                    </p:blipFill>
+                    <p:spPr>
+                      <a:xfrm>
+                        <a:off x="1905141" y="3040396"/>
+                        <a:ext cx="4730750" cy="1296987"/>
+                      </a:xfrm>
+                      <a:prstGeom prst="rect">
+                        <a:avLst/>
+                      </a:prstGeom>
+                    </p:spPr>
+                  </p:pic>
+                </p:oleObj>
+              </mc:Fallback>
+            </mc:AlternateContent>
+          </a:graphicData>
+        </a:graphic>
+      </p:graphicFrame>
+      <p:graphicFrame>
+        <p:nvGraphicFramePr>
+          <p:cNvPr id="23" name="对象 22">
+            <a:extLst>
+              <a:ext uri="{FF2B5EF4-FFF2-40B4-BE49-F238E27FC236}">
+                <a16:creationId xmlns:a16="http://schemas.microsoft.com/office/drawing/2014/main" id="{14F606C1-3390-4DBB-97C9-58C18C3464FC}"/>
+              </a:ext>
+            </a:extLst>
+          </p:cNvPr>
+          <p:cNvGraphicFramePr>
+            <a:graphicFrameLocks noChangeAspect="1"/>
+          </p:cNvGraphicFramePr>
+          <p:nvPr>
+            <p:extLst>
+              <p:ext uri="{D42A27DB-BD31-4B8C-83A1-F6EECF244321}">
+                <p14:modId xmlns:p14="http://schemas.microsoft.com/office/powerpoint/2010/main" val="996973454"/>
+              </p:ext>
+            </p:extLst>
+          </p:nvPr>
+        </p:nvGraphicFramePr>
+        <p:xfrm>
+          <a:off x="6877668" y="3040396"/>
+          <a:ext cx="3186112" cy="1757362"/>
+        </p:xfrm>
+        <a:graphic>
+          <a:graphicData uri="http://schemas.openxmlformats.org/presentationml/2006/ole">
+            <mc:AlternateContent xmlns:mc="http://schemas.openxmlformats.org/markup-compatibility/2006">
+              <mc:Choice xmlns:v="urn:schemas-microsoft-com:vml" Requires="v">
+                <p:oleObj spid="_x0000_s9539" name="AxMath" r:id="rId8" imgW="2467080" imgH="1357920" progId="Equation.AxMath">
+                  <p:embed/>
+                </p:oleObj>
+              </mc:Choice>
+              <mc:Fallback>
+                <p:oleObj name="AxMath" r:id="rId8" imgW="2467080" imgH="1357920" progId="Equation.AxMath">
+                  <p:embed/>
+                  <p:pic>
+                    <p:nvPicPr>
+                      <p:cNvPr id="14" name="对象 13">
+                        <a:extLst>
+                          <a:ext uri="{FF2B5EF4-FFF2-40B4-BE49-F238E27FC236}">
+                            <a16:creationId xmlns:a16="http://schemas.microsoft.com/office/drawing/2014/main" id="{BADADA24-041C-4EA9-9913-C4685E5ECE33}"/>
+                          </a:ext>
+                        </a:extLst>
+                      </p:cNvPr>
+                      <p:cNvPicPr/>
+                      <p:nvPr/>
+                    </p:nvPicPr>
+                    <p:blipFill>
+                      <a:blip r:embed="rId9"/>
+                      <a:stretch>
+                        <a:fillRect/>
+                      </a:stretch>
+                    </p:blipFill>
+                    <p:spPr>
+                      <a:xfrm>
+                        <a:off x="6877668" y="3040396"/>
+                        <a:ext cx="3186112" cy="1757362"/>
+                      </a:xfrm>
+                      <a:prstGeom prst="rect">
+                        <a:avLst/>
+                      </a:prstGeom>
+                    </p:spPr>
+                  </p:pic>
+                </p:oleObj>
+              </mc:Fallback>
+            </mc:AlternateContent>
+          </a:graphicData>
+        </a:graphic>
+      </p:graphicFrame>
+      <p:grpSp>
+        <p:nvGrpSpPr>
+          <p:cNvPr id="24" name="组合 23">
+            <a:extLst>
+              <a:ext uri="{FF2B5EF4-FFF2-40B4-BE49-F238E27FC236}">
+                <a16:creationId xmlns:a16="http://schemas.microsoft.com/office/drawing/2014/main" id="{6AE4DE46-765E-4F4E-B958-51F340689720}"/>
+              </a:ext>
+            </a:extLst>
+          </p:cNvPr>
+          <p:cNvGrpSpPr/>
+          <p:nvPr/>
+        </p:nvGrpSpPr>
+        <p:grpSpPr>
+          <a:xfrm>
+            <a:off x="1486852" y="2677569"/>
+            <a:ext cx="3085465" cy="369570"/>
+            <a:chOff x="3145" y="3289"/>
+            <a:chExt cx="4859" cy="582"/>
+          </a:xfrm>
+        </p:grpSpPr>
+        <p:sp>
+          <p:nvSpPr>
+            <p:cNvPr id="25" name="文本框 24">
+              <a:extLst>
+                <a:ext uri="{FF2B5EF4-FFF2-40B4-BE49-F238E27FC236}">
+                  <a16:creationId xmlns:a16="http://schemas.microsoft.com/office/drawing/2014/main" id="{B307C2C2-7D97-4DED-9964-E4EAE418610F}"/>
+                </a:ext>
+              </a:extLst>
+            </p:cNvPr>
+            <p:cNvSpPr txBox="1"/>
+            <p:nvPr/>
+          </p:nvSpPr>
+          <p:spPr>
+            <a:xfrm>
+              <a:off x="3606" y="3289"/>
+              <a:ext cx="4398" cy="582"/>
+            </a:xfrm>
+            <a:prstGeom prst="rect">
+              <a:avLst/>
+            </a:prstGeom>
+            <a:noFill/>
+          </p:spPr>
+          <p:txBody>
+            <a:bodyPr wrap="square" rtlCol="0" anchor="t">
+              <a:spAutoFit/>
+            </a:bodyPr>
+            <a:lstStyle/>
+            <a:p>
+              <a:r>
+                <a:rPr lang="zh-CN" altLang="en-US" dirty="0">
+                  <a:solidFill>
+                    <a:srgbClr val="7030A0"/>
+                  </a:solidFill>
+                </a:rPr>
+                <a:t>连续形式</a:t>
+              </a:r>
+            </a:p>
+          </p:txBody>
+        </p:sp>
+        <p:sp>
+          <p:nvSpPr>
+            <p:cNvPr id="26" name="矩形 25">
+              <a:extLst>
+                <a:ext uri="{FF2B5EF4-FFF2-40B4-BE49-F238E27FC236}">
+                  <a16:creationId xmlns:a16="http://schemas.microsoft.com/office/drawing/2014/main" id="{FE46466E-EE74-4E5A-90F9-B89B453EEF03}"/>
+                </a:ext>
+              </a:extLst>
+            </p:cNvPr>
+            <p:cNvSpPr/>
+            <p:nvPr/>
+          </p:nvSpPr>
+          <p:spPr>
+            <a:xfrm>
+              <a:off x="3145" y="3404"/>
+              <a:ext cx="354" cy="350"/>
+            </a:xfrm>
+            <a:prstGeom prst="rect">
+              <a:avLst/>
+            </a:prstGeom>
+            <a:solidFill>
+              <a:srgbClr val="FFC000"/>
+            </a:solidFill>
+            <a:ln>
+              <a:noFill/>
+            </a:ln>
+          </p:spPr>
+          <p:style>
+            <a:lnRef idx="2">
+              <a:schemeClr val="accent1">
+                <a:shade val="50000"/>
+              </a:schemeClr>
+            </a:lnRef>
+            <a:fillRef idx="1">
+              <a:schemeClr val="accent1"/>
+            </a:fillRef>
+            <a:effectRef idx="0">
+              <a:schemeClr val="accent1"/>
+            </a:effectRef>
+            <a:fontRef idx="minor">
+              <a:schemeClr val="lt1"/>
+            </a:fontRef>
+          </p:style>
+          <p:txBody>
+            <a:bodyPr rtlCol="0" anchor="ctr"/>
+            <a:lstStyle/>
+            <a:p>
+              <a:pPr algn="ctr"/>
+              <a:endParaRPr lang="en-US" altLang="zh-CN" dirty="0"/>
+            </a:p>
+          </p:txBody>
+        </p:sp>
+      </p:grpSp>
+      <p:grpSp>
+        <p:nvGrpSpPr>
+          <p:cNvPr id="27" name="组合 26">
+            <a:extLst>
+              <a:ext uri="{FF2B5EF4-FFF2-40B4-BE49-F238E27FC236}">
+                <a16:creationId xmlns:a16="http://schemas.microsoft.com/office/drawing/2014/main" id="{DAEC46A9-75FE-48F4-ADD8-573EA387A1D0}"/>
+              </a:ext>
+            </a:extLst>
+          </p:cNvPr>
+          <p:cNvGrpSpPr/>
+          <p:nvPr/>
+        </p:nvGrpSpPr>
+        <p:grpSpPr>
+          <a:xfrm>
+            <a:off x="1486852" y="4596932"/>
+            <a:ext cx="3085465" cy="369570"/>
+            <a:chOff x="3145" y="3289"/>
+            <a:chExt cx="4859" cy="582"/>
+          </a:xfrm>
+        </p:grpSpPr>
+        <p:sp>
+          <p:nvSpPr>
+            <p:cNvPr id="28" name="文本框 27">
+              <a:extLst>
+                <a:ext uri="{FF2B5EF4-FFF2-40B4-BE49-F238E27FC236}">
+                  <a16:creationId xmlns:a16="http://schemas.microsoft.com/office/drawing/2014/main" id="{D97F15AD-1412-4FA9-A599-27A0CD030C0D}"/>
+                </a:ext>
+              </a:extLst>
+            </p:cNvPr>
+            <p:cNvSpPr txBox="1"/>
+            <p:nvPr/>
+          </p:nvSpPr>
+          <p:spPr>
+            <a:xfrm>
+              <a:off x="3606" y="3289"/>
+              <a:ext cx="4398" cy="582"/>
+            </a:xfrm>
+            <a:prstGeom prst="rect">
+              <a:avLst/>
+            </a:prstGeom>
+            <a:noFill/>
+          </p:spPr>
+          <p:txBody>
+            <a:bodyPr wrap="square" rtlCol="0" anchor="t">
+              <a:spAutoFit/>
+            </a:bodyPr>
+            <a:lstStyle/>
+            <a:p>
+              <a:r>
+                <a:rPr lang="zh-CN" altLang="en-US" dirty="0">
+                  <a:solidFill>
+                    <a:srgbClr val="7030A0"/>
+                  </a:solidFill>
+                </a:rPr>
+                <a:t>离散形式</a:t>
+              </a:r>
+            </a:p>
+          </p:txBody>
+        </p:sp>
+        <p:sp>
+          <p:nvSpPr>
+            <p:cNvPr id="29" name="矩形 28">
+              <a:extLst>
+                <a:ext uri="{FF2B5EF4-FFF2-40B4-BE49-F238E27FC236}">
+                  <a16:creationId xmlns:a16="http://schemas.microsoft.com/office/drawing/2014/main" id="{20824C22-F889-4220-B4D5-E75AF33EA213}"/>
+                </a:ext>
+              </a:extLst>
+            </p:cNvPr>
+            <p:cNvSpPr/>
+            <p:nvPr/>
+          </p:nvSpPr>
+          <p:spPr>
+            <a:xfrm>
+              <a:off x="3145" y="3404"/>
+              <a:ext cx="354" cy="350"/>
+            </a:xfrm>
+            <a:prstGeom prst="rect">
+              <a:avLst/>
+            </a:prstGeom>
+            <a:solidFill>
+              <a:srgbClr val="FFC000"/>
+            </a:solidFill>
+            <a:ln>
+              <a:noFill/>
+            </a:ln>
+          </p:spPr>
+          <p:style>
+            <a:lnRef idx="2">
+              <a:schemeClr val="accent1">
+                <a:shade val="50000"/>
+              </a:schemeClr>
+            </a:lnRef>
+            <a:fillRef idx="1">
+              <a:schemeClr val="accent1"/>
+            </a:fillRef>
+            <a:effectRef idx="0">
+              <a:schemeClr val="accent1"/>
+            </a:effectRef>
+            <a:fontRef idx="minor">
+              <a:schemeClr val="lt1"/>
+            </a:fontRef>
+          </p:style>
+          <p:txBody>
+            <a:bodyPr rtlCol="0" anchor="ctr"/>
+            <a:lstStyle/>
+            <a:p>
+              <a:pPr algn="ctr"/>
+              <a:endParaRPr lang="en-US" altLang="zh-CN" dirty="0"/>
+            </a:p>
+          </p:txBody>
+        </p:sp>
+      </p:grpSp>
+      <p:graphicFrame>
+        <p:nvGraphicFramePr>
+          <p:cNvPr id="30" name="对象 29">
+            <a:extLst>
+              <a:ext uri="{FF2B5EF4-FFF2-40B4-BE49-F238E27FC236}">
+                <a16:creationId xmlns:a16="http://schemas.microsoft.com/office/drawing/2014/main" id="{A137FA9C-651F-4EEB-9323-5140D51A964C}"/>
+              </a:ext>
+            </a:extLst>
+          </p:cNvPr>
+          <p:cNvGraphicFramePr>
+            <a:graphicFrameLocks noChangeAspect="1"/>
+          </p:cNvGraphicFramePr>
+          <p:nvPr>
+            <p:extLst>
+              <p:ext uri="{D42A27DB-BD31-4B8C-83A1-F6EECF244321}">
+                <p14:modId xmlns:p14="http://schemas.microsoft.com/office/powerpoint/2010/main" val="1955284205"/>
+              </p:ext>
+            </p:extLst>
+          </p:nvPr>
+        </p:nvGraphicFramePr>
+        <p:xfrm>
+          <a:off x="1905141" y="5044620"/>
+          <a:ext cx="3282950" cy="1333500"/>
+        </p:xfrm>
+        <a:graphic>
+          <a:graphicData uri="http://schemas.openxmlformats.org/presentationml/2006/ole">
+            <mc:AlternateContent xmlns:mc="http://schemas.openxmlformats.org/markup-compatibility/2006">
+              <mc:Choice xmlns:v="urn:schemas-microsoft-com:vml" Requires="v">
+                <p:oleObj spid="_x0000_s9540" name="AxMath" r:id="rId10" imgW="2542680" imgH="1029960" progId="Equation.AxMath">
+                  <p:embed/>
+                </p:oleObj>
+              </mc:Choice>
+              <mc:Fallback>
+                <p:oleObj name="AxMath" r:id="rId10" imgW="2542680" imgH="1029960" progId="Equation.AxMath">
+                  <p:embed/>
+                  <p:pic>
+                    <p:nvPicPr>
+                      <p:cNvPr id="23" name="对象 22">
+                        <a:extLst>
+                          <a:ext uri="{FF2B5EF4-FFF2-40B4-BE49-F238E27FC236}">
+                            <a16:creationId xmlns:a16="http://schemas.microsoft.com/office/drawing/2014/main" id="{14F606C1-3390-4DBB-97C9-58C18C3464FC}"/>
+                          </a:ext>
+                        </a:extLst>
+                      </p:cNvPr>
+                      <p:cNvPicPr/>
+                      <p:nvPr/>
+                    </p:nvPicPr>
+                    <p:blipFill>
+                      <a:blip r:embed="rId11"/>
+                      <a:stretch>
+                        <a:fillRect/>
+                      </a:stretch>
+                    </p:blipFill>
+                    <p:spPr>
+                      <a:xfrm>
+                        <a:off x="1905141" y="5044620"/>
+                        <a:ext cx="3282950" cy="1333500"/>
+                      </a:xfrm>
+                      <a:prstGeom prst="rect">
+                        <a:avLst/>
+                      </a:prstGeom>
+                    </p:spPr>
+                  </p:pic>
+                </p:oleObj>
+              </mc:Fallback>
+            </mc:AlternateContent>
+          </a:graphicData>
+        </a:graphic>
+      </p:graphicFrame>
+      <p:graphicFrame>
+        <p:nvGraphicFramePr>
+          <p:cNvPr id="31" name="对象 30">
+            <a:extLst>
+              <a:ext uri="{FF2B5EF4-FFF2-40B4-BE49-F238E27FC236}">
+                <a16:creationId xmlns:a16="http://schemas.microsoft.com/office/drawing/2014/main" id="{D72C7B41-A0FC-4BFF-A388-DFC40EDDC26E}"/>
+              </a:ext>
+            </a:extLst>
+          </p:cNvPr>
+          <p:cNvGraphicFramePr>
+            <a:graphicFrameLocks noChangeAspect="1"/>
+          </p:cNvGraphicFramePr>
+          <p:nvPr>
+            <p:extLst>
+              <p:ext uri="{D42A27DB-BD31-4B8C-83A1-F6EECF244321}">
+                <p14:modId xmlns:p14="http://schemas.microsoft.com/office/powerpoint/2010/main" val="981399056"/>
+              </p:ext>
+            </p:extLst>
+          </p:nvPr>
+        </p:nvGraphicFramePr>
+        <p:xfrm>
+          <a:off x="5228255" y="4971764"/>
+          <a:ext cx="6484938" cy="1816100"/>
+        </p:xfrm>
+        <a:graphic>
+          <a:graphicData uri="http://schemas.openxmlformats.org/presentationml/2006/ole">
+            <mc:AlternateContent xmlns:mc="http://schemas.openxmlformats.org/markup-compatibility/2006">
+              <mc:Choice xmlns:v="urn:schemas-microsoft-com:vml" Requires="v">
+                <p:oleObj spid="_x0000_s9541" name="AxMath" r:id="rId12" imgW="5021640" imgH="1403640" progId="Equation.AxMath">
+                  <p:embed/>
+                </p:oleObj>
+              </mc:Choice>
+              <mc:Fallback>
+                <p:oleObj name="AxMath" r:id="rId12" imgW="5021640" imgH="1403640" progId="Equation.AxMath">
+                  <p:embed/>
+                  <p:pic>
+                    <p:nvPicPr>
+                      <p:cNvPr id="30" name="对象 29">
+                        <a:extLst>
+                          <a:ext uri="{FF2B5EF4-FFF2-40B4-BE49-F238E27FC236}">
+                            <a16:creationId xmlns:a16="http://schemas.microsoft.com/office/drawing/2014/main" id="{A137FA9C-651F-4EEB-9323-5140D51A964C}"/>
+                          </a:ext>
+                        </a:extLst>
+                      </p:cNvPr>
+                      <p:cNvPicPr/>
+                      <p:nvPr/>
+                    </p:nvPicPr>
+                    <p:blipFill>
+                      <a:blip r:embed="rId13"/>
+                      <a:stretch>
+                        <a:fillRect/>
+                      </a:stretch>
+                    </p:blipFill>
+                    <p:spPr>
+                      <a:xfrm>
+                        <a:off x="5228255" y="4971764"/>
+                        <a:ext cx="6484938" cy="1816100"/>
+                      </a:xfrm>
+                      <a:prstGeom prst="rect">
+                        <a:avLst/>
+                      </a:prstGeom>
+                    </p:spPr>
+                  </p:pic>
+                </p:oleObj>
+              </mc:Fallback>
+            </mc:AlternateContent>
+          </a:graphicData>
+        </a:graphic>
+      </p:graphicFrame>
+    </p:spTree>
+    <p:extLst>
+      <p:ext uri="{BB962C8B-B14F-4D97-AF65-F5344CB8AC3E}">
+        <p14:creationId xmlns:p14="http://schemas.microsoft.com/office/powerpoint/2010/main" val="1729473351"/>
+      </p:ext>
+    </p:extLst>
+  </p:cSld>
+  <p:clrMapOvr>
+    <a:masterClrMapping/>
+  </p:clrMapOvr>
+</p:sld>
+</file>
+
+<file path=ppt/slides/slide25.xml><?xml version="1.0" encoding="utf-8"?>
+<p:sld xmlns:a="http://schemas.openxmlformats.org/drawingml/2006/main" xmlns:r="http://schemas.openxmlformats.org/officeDocument/2006/relationships" xmlns:p="http://schemas.openxmlformats.org/presentationml/2006/main">
+  <p:cSld>
+    <p:spTree>
+      <p:nvGrpSpPr>
+        <p:cNvPr id="1" name=""/>
+        <p:cNvGrpSpPr/>
+        <p:nvPr/>
+      </p:nvGrpSpPr>
+      <p:grpSpPr>
+        <a:xfrm>
+          <a:off x="0" y="0"/>
+          <a:ext cx="0" cy="0"/>
+          <a:chOff x="0" y="0"/>
+          <a:chExt cx="0" cy="0"/>
+        </a:xfrm>
+      </p:grpSpPr>
+      <p:grpSp>
+        <p:nvGrpSpPr>
+          <p:cNvPr id="6" name="组合 5"/>
+          <p:cNvGrpSpPr/>
+          <p:nvPr/>
+        </p:nvGrpSpPr>
+        <p:grpSpPr>
+          <a:xfrm>
+            <a:off x="-635" y="403860"/>
+            <a:ext cx="12176125" cy="817880"/>
+            <a:chOff x="-1" y="636"/>
+            <a:chExt cx="19175" cy="1288"/>
+          </a:xfrm>
+        </p:grpSpPr>
+        <p:cxnSp>
+          <p:nvCxnSpPr>
+            <p:cNvPr id="4" name="直接连接符 3"/>
+            <p:cNvCxnSpPr/>
+            <p:nvPr/>
+          </p:nvCxnSpPr>
+          <p:spPr>
+            <a:xfrm>
+              <a:off x="16841" y="1226"/>
+              <a:ext cx="2333" cy="5"/>
+            </a:xfrm>
+            <a:prstGeom prst="line">
+              <a:avLst/>
+            </a:prstGeom>
+            <a:ln w="22225" cmpd="sng">
+              <a:solidFill>
+                <a:schemeClr val="bg2"/>
+              </a:solidFill>
+              <a:prstDash val="solid"/>
+            </a:ln>
+          </p:spPr>
+          <p:style>
+            <a:lnRef idx="1">
+              <a:schemeClr val="accent3"/>
+            </a:lnRef>
+            <a:fillRef idx="0">
+              <a:schemeClr val="accent3"/>
+            </a:fillRef>
+            <a:effectRef idx="0">
+              <a:schemeClr val="accent3"/>
+            </a:effectRef>
+            <a:fontRef idx="minor">
+              <a:schemeClr val="tx1"/>
+            </a:fontRef>
+          </p:style>
+        </p:cxnSp>
+        <p:grpSp>
+          <p:nvGrpSpPr>
+            <p:cNvPr id="8" name="组合 7"/>
+            <p:cNvGrpSpPr/>
+            <p:nvPr/>
+          </p:nvGrpSpPr>
+          <p:grpSpPr>
+            <a:xfrm>
+              <a:off x="-1" y="636"/>
+              <a:ext cx="18268" cy="1288"/>
+              <a:chOff x="-1" y="636"/>
+              <a:chExt cx="18268" cy="1288"/>
+            </a:xfrm>
+          </p:grpSpPr>
+          <p:cxnSp>
+            <p:nvCxnSpPr>
+              <p:cNvPr id="5" name="直接连接符 4"/>
+              <p:cNvCxnSpPr/>
+              <p:nvPr/>
+            </p:nvCxnSpPr>
+            <p:spPr>
+              <a:xfrm flipV="1">
+                <a:off x="-1" y="1238"/>
+                <a:ext cx="3968" cy="7"/>
+              </a:xfrm>
+              <a:prstGeom prst="line">
+                <a:avLst/>
+              </a:prstGeom>
+              <a:ln w="22225" cmpd="sng">
+                <a:solidFill>
+                  <a:schemeClr val="bg2"/>
+                </a:solidFill>
+                <a:prstDash val="solid"/>
+              </a:ln>
+            </p:spPr>
+            <p:style>
+              <a:lnRef idx="1">
+                <a:schemeClr val="accent3"/>
+              </a:lnRef>
+              <a:fillRef idx="0">
+                <a:schemeClr val="accent3"/>
+              </a:fillRef>
+              <a:effectRef idx="0">
+                <a:schemeClr val="accent3"/>
+              </a:effectRef>
+              <a:fontRef idx="minor">
+                <a:schemeClr val="tx1"/>
+              </a:fontRef>
+            </p:style>
+          </p:cxnSp>
+          <p:sp>
+            <p:nvSpPr>
+              <p:cNvPr id="11" name="椭圆 10"/>
+              <p:cNvSpPr/>
+              <p:nvPr/>
+            </p:nvSpPr>
+            <p:spPr>
+              <a:xfrm>
+                <a:off x="1315" y="636"/>
+                <a:ext cx="1336" cy="1288"/>
+              </a:xfrm>
+              <a:prstGeom prst="ellipse">
+                <a:avLst/>
+              </a:prstGeom>
+              <a:solidFill>
+                <a:srgbClr val="00B050"/>
+              </a:solidFill>
+              <a:ln>
+                <a:noFill/>
+              </a:ln>
+            </p:spPr>
+            <p:style>
+              <a:lnRef idx="2">
+                <a:schemeClr val="accent1">
+                  <a:shade val="50000"/>
+                </a:schemeClr>
+              </a:lnRef>
+              <a:fillRef idx="1">
+                <a:schemeClr val="accent1"/>
+              </a:fillRef>
+              <a:effectRef idx="0">
+                <a:schemeClr val="accent1"/>
+              </a:effectRef>
+              <a:fontRef idx="minor">
+                <a:schemeClr val="lt1"/>
+              </a:fontRef>
+            </p:style>
+            <p:txBody>
+              <a:bodyPr rtlCol="0" anchor="ctr"/>
+              <a:lstStyle/>
+              <a:p>
+                <a:pPr algn="ctr"/>
+                <a:r>
+                  <a:rPr lang="en-US" altLang="zh-CN" sz="2800" dirty="0">
+                    <a:latin typeface="微软雅黑" panose="020B0503020204020204" charset="-122"/>
+                    <a:ea typeface="微软雅黑" panose="020B0503020204020204" charset="-122"/>
+                  </a:rPr>
+                  <a:t>25</a:t>
+                </a:r>
+              </a:p>
+            </p:txBody>
+          </p:sp>
+          <p:sp>
+            <p:nvSpPr>
+              <p:cNvPr id="7" name="文本框 6"/>
+              <p:cNvSpPr txBox="1"/>
+              <p:nvPr/>
+            </p:nvSpPr>
+            <p:spPr>
+              <a:xfrm>
+                <a:off x="4138" y="636"/>
+                <a:ext cx="14129" cy="1018"/>
+              </a:xfrm>
+              <a:prstGeom prst="rect">
+                <a:avLst/>
+              </a:prstGeom>
+              <a:noFill/>
+            </p:spPr>
+            <p:txBody>
+              <a:bodyPr wrap="square" rtlCol="0">
+                <a:spAutoFit/>
+              </a:bodyPr>
+              <a:lstStyle/>
+              <a:p>
+                <a:r>
+                  <a:rPr lang="en-US" altLang="zh-CN" sz="3600" b="1" dirty="0">
+                    <a:latin typeface="Arial" panose="020B0604020202020204" pitchFamily="34" charset="0"/>
+                  </a:rPr>
+                  <a:t>IMU </a:t>
+                </a:r>
+                <a:r>
+                  <a:rPr lang="en-US" altLang="zh-CN" sz="3600" b="1" dirty="0" err="1">
+                    <a:latin typeface="Arial" panose="020B0604020202020204" pitchFamily="34" charset="0"/>
+                  </a:rPr>
+                  <a:t>preintegration</a:t>
+                </a:r>
+                <a:r>
+                  <a:rPr lang="en-US" altLang="zh-CN" sz="3600" b="0" i="0" dirty="0">
+                    <a:effectLst/>
+                    <a:latin typeface="Arial" panose="020B0604020202020204" pitchFamily="34" charset="0"/>
+                  </a:rPr>
+                  <a:t> </a:t>
+                </a:r>
+                <a:endParaRPr lang="zh-CN" altLang="en-US" sz="3600" b="1" dirty="0">
+                  <a:sym typeface="+mn-ea"/>
+                </a:endParaRPr>
+              </a:p>
+            </p:txBody>
+          </p:sp>
+        </p:grpSp>
+      </p:grpSp>
+      <p:grpSp>
+        <p:nvGrpSpPr>
+          <p:cNvPr id="27" name="组合 26">
+            <a:extLst>
+              <a:ext uri="{FF2B5EF4-FFF2-40B4-BE49-F238E27FC236}">
+                <a16:creationId xmlns:a16="http://schemas.microsoft.com/office/drawing/2014/main" id="{DAEC46A9-75FE-48F4-ADD8-573EA387A1D0}"/>
+              </a:ext>
+            </a:extLst>
+          </p:cNvPr>
+          <p:cNvGrpSpPr/>
+          <p:nvPr/>
+        </p:nvGrpSpPr>
+        <p:grpSpPr>
+          <a:xfrm>
+            <a:off x="1682959" y="1210950"/>
+            <a:ext cx="3843655" cy="369570"/>
+            <a:chOff x="3145" y="3289"/>
+            <a:chExt cx="6053" cy="582"/>
+          </a:xfrm>
+        </p:grpSpPr>
+        <p:sp>
+          <p:nvSpPr>
+            <p:cNvPr id="28" name="文本框 27">
+              <a:extLst>
+                <a:ext uri="{FF2B5EF4-FFF2-40B4-BE49-F238E27FC236}">
+                  <a16:creationId xmlns:a16="http://schemas.microsoft.com/office/drawing/2014/main" id="{D97F15AD-1412-4FA9-A599-27A0CD030C0D}"/>
+                </a:ext>
+              </a:extLst>
+            </p:cNvPr>
+            <p:cNvSpPr txBox="1"/>
+            <p:nvPr/>
+          </p:nvSpPr>
+          <p:spPr>
+            <a:xfrm>
+              <a:off x="3606" y="3289"/>
+              <a:ext cx="5592" cy="582"/>
+            </a:xfrm>
+            <a:prstGeom prst="rect">
+              <a:avLst/>
+            </a:prstGeom>
+            <a:noFill/>
+          </p:spPr>
+          <p:txBody>
+            <a:bodyPr wrap="square" rtlCol="0" anchor="t">
+              <a:spAutoFit/>
+            </a:bodyPr>
+            <a:lstStyle/>
+            <a:p>
+              <a:r>
+                <a:rPr lang="zh-CN" altLang="en-US" dirty="0">
+                  <a:solidFill>
+                    <a:srgbClr val="7030A0"/>
+                  </a:solidFill>
+                </a:rPr>
+                <a:t>相邻两时刻误差的线性传递方程</a:t>
+              </a:r>
+            </a:p>
+          </p:txBody>
+        </p:sp>
+        <p:sp>
+          <p:nvSpPr>
+            <p:cNvPr id="29" name="矩形 28">
+              <a:extLst>
+                <a:ext uri="{FF2B5EF4-FFF2-40B4-BE49-F238E27FC236}">
+                  <a16:creationId xmlns:a16="http://schemas.microsoft.com/office/drawing/2014/main" id="{20824C22-F889-4220-B4D5-E75AF33EA213}"/>
+                </a:ext>
+              </a:extLst>
+            </p:cNvPr>
+            <p:cNvSpPr/>
+            <p:nvPr/>
+          </p:nvSpPr>
+          <p:spPr>
+            <a:xfrm>
+              <a:off x="3145" y="3404"/>
+              <a:ext cx="354" cy="350"/>
+            </a:xfrm>
+            <a:prstGeom prst="rect">
+              <a:avLst/>
+            </a:prstGeom>
+            <a:solidFill>
+              <a:srgbClr val="FFC000"/>
+            </a:solidFill>
+            <a:ln>
+              <a:noFill/>
+            </a:ln>
+          </p:spPr>
+          <p:style>
+            <a:lnRef idx="2">
+              <a:schemeClr val="accent1">
+                <a:shade val="50000"/>
+              </a:schemeClr>
+            </a:lnRef>
+            <a:fillRef idx="1">
+              <a:schemeClr val="accent1"/>
+            </a:fillRef>
+            <a:effectRef idx="0">
+              <a:schemeClr val="accent1"/>
+            </a:effectRef>
+            <a:fontRef idx="minor">
+              <a:schemeClr val="lt1"/>
+            </a:fontRef>
+          </p:style>
+          <p:txBody>
+            <a:bodyPr rtlCol="0" anchor="ctr"/>
+            <a:lstStyle/>
+            <a:p>
+              <a:pPr algn="ctr"/>
+              <a:endParaRPr lang="en-US" altLang="zh-CN" dirty="0"/>
+            </a:p>
+          </p:txBody>
+        </p:sp>
+      </p:grpSp>
+      <p:graphicFrame>
+        <p:nvGraphicFramePr>
+          <p:cNvPr id="2" name="对象 1">
+            <a:extLst>
+              <a:ext uri="{FF2B5EF4-FFF2-40B4-BE49-F238E27FC236}">
+                <a16:creationId xmlns:a16="http://schemas.microsoft.com/office/drawing/2014/main" id="{23BC40BB-C271-43B4-B2CC-8550EEA98B3A}"/>
+              </a:ext>
+            </a:extLst>
+          </p:cNvPr>
+          <p:cNvGraphicFramePr>
+            <a:graphicFrameLocks noChangeAspect="1"/>
+          </p:cNvGraphicFramePr>
+          <p:nvPr>
+            <p:extLst>
+              <p:ext uri="{D42A27DB-BD31-4B8C-83A1-F6EECF244321}">
+                <p14:modId xmlns:p14="http://schemas.microsoft.com/office/powerpoint/2010/main" val="2230972080"/>
+              </p:ext>
+            </p:extLst>
+          </p:nvPr>
+        </p:nvGraphicFramePr>
+        <p:xfrm>
+          <a:off x="2296366" y="1643901"/>
+          <a:ext cx="7414562" cy="2541781"/>
+        </p:xfrm>
+        <a:graphic>
+          <a:graphicData uri="http://schemas.openxmlformats.org/presentationml/2006/ole">
+            <mc:AlternateContent xmlns:mc="http://schemas.openxmlformats.org/markup-compatibility/2006">
+              <mc:Choice xmlns:v="urn:schemas-microsoft-com:vml" Requires="v">
+                <p:oleObj spid="_x0000_s10360" name="AxMath" r:id="rId4" imgW="6242760" imgH="2139840" progId="Equation.AxMath">
+                  <p:embed/>
+                </p:oleObj>
+              </mc:Choice>
+              <mc:Fallback>
+                <p:oleObj name="AxMath" r:id="rId4" imgW="6242760" imgH="2139840" progId="Equation.AxMath">
+                  <p:embed/>
+                  <p:pic>
+                    <p:nvPicPr>
+                      <p:cNvPr id="0" name=""/>
+                      <p:cNvPicPr/>
+                      <p:nvPr/>
+                    </p:nvPicPr>
+                    <p:blipFill>
+                      <a:blip r:embed="rId5"/>
+                      <a:stretch>
+                        <a:fillRect/>
+                      </a:stretch>
+                    </p:blipFill>
+                    <p:spPr>
+                      <a:xfrm>
+                        <a:off x="2296366" y="1643901"/>
+                        <a:ext cx="7414562" cy="2541781"/>
+                      </a:xfrm>
+                      <a:prstGeom prst="rect">
+                        <a:avLst/>
+                      </a:prstGeom>
+                    </p:spPr>
+                  </p:pic>
+                </p:oleObj>
+              </mc:Fallback>
+            </mc:AlternateContent>
+          </a:graphicData>
+        </a:graphic>
+      </p:graphicFrame>
+      <p:grpSp>
+        <p:nvGrpSpPr>
+          <p:cNvPr id="33" name="组合 32">
+            <a:extLst>
+              <a:ext uri="{FF2B5EF4-FFF2-40B4-BE49-F238E27FC236}">
+                <a16:creationId xmlns:a16="http://schemas.microsoft.com/office/drawing/2014/main" id="{BB87B337-6459-4588-8C60-583106FADC19}"/>
+              </a:ext>
+            </a:extLst>
+          </p:cNvPr>
+          <p:cNvGrpSpPr/>
+          <p:nvPr/>
+        </p:nvGrpSpPr>
+        <p:grpSpPr>
+          <a:xfrm>
+            <a:off x="1682959" y="4210095"/>
+            <a:ext cx="3843655" cy="369570"/>
+            <a:chOff x="3145" y="3289"/>
+            <a:chExt cx="6053" cy="582"/>
+          </a:xfrm>
+        </p:grpSpPr>
+        <p:sp>
+          <p:nvSpPr>
+            <p:cNvPr id="34" name="文本框 33">
+              <a:extLst>
+                <a:ext uri="{FF2B5EF4-FFF2-40B4-BE49-F238E27FC236}">
+                  <a16:creationId xmlns:a16="http://schemas.microsoft.com/office/drawing/2014/main" id="{B17B2707-6934-460B-BBF7-93CC4C9814A3}"/>
+                </a:ext>
+              </a:extLst>
+            </p:cNvPr>
+            <p:cNvSpPr txBox="1"/>
+            <p:nvPr/>
+          </p:nvSpPr>
+          <p:spPr>
+            <a:xfrm>
+              <a:off x="3606" y="3289"/>
+              <a:ext cx="5592" cy="582"/>
+            </a:xfrm>
+            <a:prstGeom prst="rect">
+              <a:avLst/>
+            </a:prstGeom>
+            <a:noFill/>
+          </p:spPr>
+          <p:txBody>
+            <a:bodyPr wrap="square" rtlCol="0" anchor="t">
+              <a:spAutoFit/>
+            </a:bodyPr>
+            <a:lstStyle/>
+            <a:p>
+              <a:r>
+                <a:rPr lang="zh-CN" altLang="en-US" dirty="0"/>
+                <a:t>误差的传递分为两部分</a:t>
+              </a:r>
+            </a:p>
+          </p:txBody>
+        </p:sp>
+        <p:sp>
+          <p:nvSpPr>
+            <p:cNvPr id="35" name="矩形 34">
+              <a:extLst>
+                <a:ext uri="{FF2B5EF4-FFF2-40B4-BE49-F238E27FC236}">
+                  <a16:creationId xmlns:a16="http://schemas.microsoft.com/office/drawing/2014/main" id="{CCBA6F17-7444-46CC-B0F7-4DFD9E121509}"/>
+                </a:ext>
+              </a:extLst>
+            </p:cNvPr>
+            <p:cNvSpPr/>
+            <p:nvPr/>
+          </p:nvSpPr>
+          <p:spPr>
+            <a:xfrm>
+              <a:off x="3145" y="3404"/>
+              <a:ext cx="354" cy="350"/>
+            </a:xfrm>
+            <a:prstGeom prst="rect">
+              <a:avLst/>
+            </a:prstGeom>
+            <a:solidFill>
+              <a:srgbClr val="FFC000"/>
+            </a:solidFill>
+            <a:ln>
+              <a:noFill/>
+            </a:ln>
+          </p:spPr>
+          <p:style>
+            <a:lnRef idx="2">
+              <a:schemeClr val="accent1">
+                <a:shade val="50000"/>
+              </a:schemeClr>
+            </a:lnRef>
+            <a:fillRef idx="1">
+              <a:schemeClr val="accent1"/>
+            </a:fillRef>
+            <a:effectRef idx="0">
+              <a:schemeClr val="accent1"/>
+            </a:effectRef>
+            <a:fontRef idx="minor">
+              <a:schemeClr val="lt1"/>
+            </a:fontRef>
+          </p:style>
+          <p:txBody>
+            <a:bodyPr rtlCol="0" anchor="ctr"/>
+            <a:lstStyle/>
+            <a:p>
+              <a:pPr algn="ctr"/>
+              <a:endParaRPr lang="en-US" altLang="zh-CN" dirty="0"/>
+            </a:p>
+          </p:txBody>
+        </p:sp>
+      </p:grpSp>
+      <p:sp>
+        <p:nvSpPr>
+          <p:cNvPr id="12" name="文本框 11">
+            <a:extLst>
+              <a:ext uri="{FF2B5EF4-FFF2-40B4-BE49-F238E27FC236}">
+                <a16:creationId xmlns:a16="http://schemas.microsoft.com/office/drawing/2014/main" id="{A23D8155-31C1-43C3-8756-AA29713BE6D4}"/>
+              </a:ext>
+            </a:extLst>
+          </p:cNvPr>
+          <p:cNvSpPr txBox="1"/>
+          <p:nvPr/>
+        </p:nvSpPr>
         <p:spPr>
           <a:xfrm>
-            <a:off x="-4445" y="-25400"/>
-            <a:ext cx="12190095" cy="6885940"/>
+            <a:off x="2296366" y="4666962"/>
+            <a:ext cx="3223959" cy="523220"/>
           </a:xfrm>
           <a:prstGeom prst="rect">
             <a:avLst/>
           </a:prstGeom>
+          <a:noFill/>
         </p:spPr>
-      </p:pic>
+        <p:txBody>
+          <a:bodyPr wrap="none" rtlCol="0">
+            <a:spAutoFit/>
+          </a:bodyPr>
+          <a:lstStyle/>
+          <a:p>
+            <a:pPr marL="342900" indent="-342900">
+              <a:buFont typeface="+mj-ea"/>
+              <a:buAutoNum type="circleNumDbPlain"/>
+            </a:pPr>
+            <a:r>
+              <a:rPr lang="zh-CN" altLang="en-US" sz="1400" dirty="0"/>
+              <a:t>当前时刻误差传递给下一时刻</a:t>
+            </a:r>
+            <a:endParaRPr lang="en-US" altLang="zh-CN" sz="1400" dirty="0"/>
+          </a:p>
+          <a:p>
+            <a:pPr marL="342900" indent="-342900">
+              <a:buFont typeface="+mj-ea"/>
+              <a:buAutoNum type="circleNumDbPlain"/>
+            </a:pPr>
+            <a:r>
+              <a:rPr lang="zh-CN" altLang="en-US" sz="1400" dirty="0"/>
+              <a:t>当前时刻测量噪声传递给下一时刻</a:t>
+            </a:r>
+            <a:endParaRPr lang="en-US" altLang="zh-CN" sz="1400" dirty="0"/>
+          </a:p>
+        </p:txBody>
+      </p:sp>
+      <p:grpSp>
+        <p:nvGrpSpPr>
+          <p:cNvPr id="37" name="组合 36">
+            <a:extLst>
+              <a:ext uri="{FF2B5EF4-FFF2-40B4-BE49-F238E27FC236}">
+                <a16:creationId xmlns:a16="http://schemas.microsoft.com/office/drawing/2014/main" id="{B074519F-527B-451C-BF02-F79E610B1ED3}"/>
+              </a:ext>
+            </a:extLst>
+          </p:cNvPr>
+          <p:cNvGrpSpPr/>
+          <p:nvPr/>
+        </p:nvGrpSpPr>
+        <p:grpSpPr>
+          <a:xfrm>
+            <a:off x="1682959" y="5277480"/>
+            <a:ext cx="3843655" cy="369570"/>
+            <a:chOff x="3145" y="3289"/>
+            <a:chExt cx="6053" cy="582"/>
+          </a:xfrm>
+        </p:grpSpPr>
+        <p:sp>
+          <p:nvSpPr>
+            <p:cNvPr id="38" name="文本框 37">
+              <a:extLst>
+                <a:ext uri="{FF2B5EF4-FFF2-40B4-BE49-F238E27FC236}">
+                  <a16:creationId xmlns:a16="http://schemas.microsoft.com/office/drawing/2014/main" id="{D2174ADB-45AD-4F06-AF6F-1C28B3C0D6CF}"/>
+                </a:ext>
+              </a:extLst>
+            </p:cNvPr>
+            <p:cNvSpPr txBox="1"/>
+            <p:nvPr/>
+          </p:nvSpPr>
+          <p:spPr>
+            <a:xfrm>
+              <a:off x="3606" y="3289"/>
+              <a:ext cx="5592" cy="582"/>
+            </a:xfrm>
+            <a:prstGeom prst="rect">
+              <a:avLst/>
+            </a:prstGeom>
+            <a:noFill/>
+          </p:spPr>
+          <p:txBody>
+            <a:bodyPr wrap="square" rtlCol="0" anchor="t">
+              <a:spAutoFit/>
+            </a:bodyPr>
+            <a:lstStyle/>
+            <a:p>
+              <a:r>
+                <a:rPr lang="en-US" altLang="zh-CN" dirty="0" err="1"/>
+                <a:t>Jcobian</a:t>
+              </a:r>
+              <a:r>
+                <a:rPr lang="zh-CN" altLang="en-US" dirty="0"/>
+                <a:t>的迭代公式为</a:t>
+              </a:r>
+            </a:p>
+          </p:txBody>
+        </p:sp>
+        <p:sp>
+          <p:nvSpPr>
+            <p:cNvPr id="39" name="矩形 38">
+              <a:extLst>
+                <a:ext uri="{FF2B5EF4-FFF2-40B4-BE49-F238E27FC236}">
+                  <a16:creationId xmlns:a16="http://schemas.microsoft.com/office/drawing/2014/main" id="{9E95A428-23D5-4CAB-9BA0-3B8CA82D1D06}"/>
+                </a:ext>
+              </a:extLst>
+            </p:cNvPr>
+            <p:cNvSpPr/>
+            <p:nvPr/>
+          </p:nvSpPr>
+          <p:spPr>
+            <a:xfrm>
+              <a:off x="3145" y="3404"/>
+              <a:ext cx="354" cy="350"/>
+            </a:xfrm>
+            <a:prstGeom prst="rect">
+              <a:avLst/>
+            </a:prstGeom>
+            <a:solidFill>
+              <a:srgbClr val="FFC000"/>
+            </a:solidFill>
+            <a:ln>
+              <a:noFill/>
+            </a:ln>
+          </p:spPr>
+          <p:style>
+            <a:lnRef idx="2">
+              <a:schemeClr val="accent1">
+                <a:shade val="50000"/>
+              </a:schemeClr>
+            </a:lnRef>
+            <a:fillRef idx="1">
+              <a:schemeClr val="accent1"/>
+            </a:fillRef>
+            <a:effectRef idx="0">
+              <a:schemeClr val="accent1"/>
+            </a:effectRef>
+            <a:fontRef idx="minor">
+              <a:schemeClr val="lt1"/>
+            </a:fontRef>
+          </p:style>
+          <p:txBody>
+            <a:bodyPr rtlCol="0" anchor="ctr"/>
+            <a:lstStyle/>
+            <a:p>
+              <a:pPr algn="ctr"/>
+              <a:endParaRPr lang="en-US" altLang="zh-CN" dirty="0"/>
+            </a:p>
+          </p:txBody>
+        </p:sp>
+      </p:grpSp>
+      <p:grpSp>
+        <p:nvGrpSpPr>
+          <p:cNvPr id="40" name="组合 39">
+            <a:extLst>
+              <a:ext uri="{FF2B5EF4-FFF2-40B4-BE49-F238E27FC236}">
+                <a16:creationId xmlns:a16="http://schemas.microsoft.com/office/drawing/2014/main" id="{FDFB8CF7-7FFC-49D7-9F9B-7E2752B5B507}"/>
+              </a:ext>
+            </a:extLst>
+          </p:cNvPr>
+          <p:cNvGrpSpPr/>
+          <p:nvPr/>
+        </p:nvGrpSpPr>
+        <p:grpSpPr>
+          <a:xfrm>
+            <a:off x="1682959" y="5994166"/>
+            <a:ext cx="3843655" cy="369570"/>
+            <a:chOff x="3145" y="3289"/>
+            <a:chExt cx="6053" cy="582"/>
+          </a:xfrm>
+        </p:grpSpPr>
+        <p:sp>
+          <p:nvSpPr>
+            <p:cNvPr id="41" name="文本框 40">
+              <a:extLst>
+                <a:ext uri="{FF2B5EF4-FFF2-40B4-BE49-F238E27FC236}">
+                  <a16:creationId xmlns:a16="http://schemas.microsoft.com/office/drawing/2014/main" id="{E229DC5B-615D-46DC-AA78-95431B75989A}"/>
+                </a:ext>
+              </a:extLst>
+            </p:cNvPr>
+            <p:cNvSpPr txBox="1"/>
+            <p:nvPr/>
+          </p:nvSpPr>
+          <p:spPr>
+            <a:xfrm>
+              <a:off x="3606" y="3289"/>
+              <a:ext cx="5592" cy="582"/>
+            </a:xfrm>
+            <a:prstGeom prst="rect">
+              <a:avLst/>
+            </a:prstGeom>
+            <a:noFill/>
+          </p:spPr>
+          <p:txBody>
+            <a:bodyPr wrap="square" rtlCol="0" anchor="t">
+              <a:spAutoFit/>
+            </a:bodyPr>
+            <a:lstStyle/>
+            <a:p>
+              <a:r>
+                <a:rPr lang="zh-CN" altLang="en-US" dirty="0"/>
+                <a:t>协方差迭代公式为</a:t>
+              </a:r>
+            </a:p>
+          </p:txBody>
+        </p:sp>
+        <p:sp>
+          <p:nvSpPr>
+            <p:cNvPr id="42" name="矩形 41">
+              <a:extLst>
+                <a:ext uri="{FF2B5EF4-FFF2-40B4-BE49-F238E27FC236}">
+                  <a16:creationId xmlns:a16="http://schemas.microsoft.com/office/drawing/2014/main" id="{4B3AC77B-6CDC-4F49-B415-9046A043AA01}"/>
+                </a:ext>
+              </a:extLst>
+            </p:cNvPr>
+            <p:cNvSpPr/>
+            <p:nvPr/>
+          </p:nvSpPr>
+          <p:spPr>
+            <a:xfrm>
+              <a:off x="3145" y="3404"/>
+              <a:ext cx="354" cy="350"/>
+            </a:xfrm>
+            <a:prstGeom prst="rect">
+              <a:avLst/>
+            </a:prstGeom>
+            <a:solidFill>
+              <a:srgbClr val="FFC000"/>
+            </a:solidFill>
+            <a:ln>
+              <a:noFill/>
+            </a:ln>
+          </p:spPr>
+          <p:style>
+            <a:lnRef idx="2">
+              <a:schemeClr val="accent1">
+                <a:shade val="50000"/>
+              </a:schemeClr>
+            </a:lnRef>
+            <a:fillRef idx="1">
+              <a:schemeClr val="accent1"/>
+            </a:fillRef>
+            <a:effectRef idx="0">
+              <a:schemeClr val="accent1"/>
+            </a:effectRef>
+            <a:fontRef idx="minor">
+              <a:schemeClr val="lt1"/>
+            </a:fontRef>
+          </p:style>
+          <p:txBody>
+            <a:bodyPr rtlCol="0" anchor="ctr"/>
+            <a:lstStyle/>
+            <a:p>
+              <a:pPr algn="ctr"/>
+              <a:endParaRPr lang="en-US" altLang="zh-CN" dirty="0"/>
+            </a:p>
+          </p:txBody>
+        </p:sp>
+      </p:grpSp>
+      <p:graphicFrame>
+        <p:nvGraphicFramePr>
+          <p:cNvPr id="13" name="对象 12">
+            <a:extLst>
+              <a:ext uri="{FF2B5EF4-FFF2-40B4-BE49-F238E27FC236}">
+                <a16:creationId xmlns:a16="http://schemas.microsoft.com/office/drawing/2014/main" id="{FA774BF2-B84D-4806-91E2-B07DEACB2238}"/>
+              </a:ext>
+            </a:extLst>
+          </p:cNvPr>
+          <p:cNvGraphicFramePr>
+            <a:graphicFrameLocks noChangeAspect="1"/>
+          </p:cNvGraphicFramePr>
+          <p:nvPr>
+            <p:extLst>
+              <p:ext uri="{D42A27DB-BD31-4B8C-83A1-F6EECF244321}">
+                <p14:modId xmlns:p14="http://schemas.microsoft.com/office/powerpoint/2010/main" val="1083781289"/>
+              </p:ext>
+            </p:extLst>
+          </p:nvPr>
+        </p:nvGraphicFramePr>
+        <p:xfrm>
+          <a:off x="4494212" y="5583220"/>
+          <a:ext cx="3203575" cy="369888"/>
+        </p:xfrm>
+        <a:graphic>
+          <a:graphicData uri="http://schemas.openxmlformats.org/presentationml/2006/ole">
+            <mc:AlternateContent xmlns:mc="http://schemas.openxmlformats.org/markup-compatibility/2006">
+              <mc:Choice xmlns:v="urn:schemas-microsoft-com:vml" Requires="v">
+                <p:oleObj spid="_x0000_s10361" name="AxMath" r:id="rId6" imgW="1995840" imgH="229680" progId="Equation.AxMath">
+                  <p:embed/>
+                </p:oleObj>
+              </mc:Choice>
+              <mc:Fallback>
+                <p:oleObj name="AxMath" r:id="rId6" imgW="1995840" imgH="229680" progId="Equation.AxMath">
+                  <p:embed/>
+                  <p:pic>
+                    <p:nvPicPr>
+                      <p:cNvPr id="0" name=""/>
+                      <p:cNvPicPr/>
+                      <p:nvPr/>
+                    </p:nvPicPr>
+                    <p:blipFill>
+                      <a:blip r:embed="rId7"/>
+                      <a:stretch>
+                        <a:fillRect/>
+                      </a:stretch>
+                    </p:blipFill>
+                    <p:spPr>
+                      <a:xfrm>
+                        <a:off x="4494212" y="5583220"/>
+                        <a:ext cx="3203575" cy="369888"/>
+                      </a:xfrm>
+                      <a:prstGeom prst="rect">
+                        <a:avLst/>
+                      </a:prstGeom>
+                    </p:spPr>
+                  </p:pic>
+                </p:oleObj>
+              </mc:Fallback>
+            </mc:AlternateContent>
+          </a:graphicData>
+        </a:graphic>
+      </p:graphicFrame>
+      <p:graphicFrame>
+        <p:nvGraphicFramePr>
+          <p:cNvPr id="43" name="对象 42">
+            <a:extLst>
+              <a:ext uri="{FF2B5EF4-FFF2-40B4-BE49-F238E27FC236}">
+                <a16:creationId xmlns:a16="http://schemas.microsoft.com/office/drawing/2014/main" id="{6CFB6EAE-7008-4018-A1AE-2161715F2645}"/>
+              </a:ext>
+            </a:extLst>
+          </p:cNvPr>
+          <p:cNvGraphicFramePr>
+            <a:graphicFrameLocks noChangeAspect="1"/>
+          </p:cNvGraphicFramePr>
+          <p:nvPr>
+            <p:extLst>
+              <p:ext uri="{D42A27DB-BD31-4B8C-83A1-F6EECF244321}">
+                <p14:modId xmlns:p14="http://schemas.microsoft.com/office/powerpoint/2010/main" val="4231976066"/>
+              </p:ext>
+            </p:extLst>
+          </p:nvPr>
+        </p:nvGraphicFramePr>
+        <p:xfrm>
+          <a:off x="4494212" y="6272126"/>
+          <a:ext cx="4669578" cy="364027"/>
+        </p:xfrm>
+        <a:graphic>
+          <a:graphicData uri="http://schemas.openxmlformats.org/presentationml/2006/ole">
+            <mc:AlternateContent xmlns:mc="http://schemas.openxmlformats.org/markup-compatibility/2006">
+              <mc:Choice xmlns:v="urn:schemas-microsoft-com:vml" Requires="v">
+                <p:oleObj spid="_x0000_s10362" name="AxMath" r:id="rId8" imgW="2953440" imgH="229680" progId="Equation.AxMath">
+                  <p:embed/>
+                </p:oleObj>
+              </mc:Choice>
+              <mc:Fallback>
+                <p:oleObj name="AxMath" r:id="rId8" imgW="2953440" imgH="229680" progId="Equation.AxMath">
+                  <p:embed/>
+                  <p:pic>
+                    <p:nvPicPr>
+                      <p:cNvPr id="13" name="对象 12">
+                        <a:extLst>
+                          <a:ext uri="{FF2B5EF4-FFF2-40B4-BE49-F238E27FC236}">
+                            <a16:creationId xmlns:a16="http://schemas.microsoft.com/office/drawing/2014/main" id="{FA774BF2-B84D-4806-91E2-B07DEACB2238}"/>
+                          </a:ext>
+                        </a:extLst>
+                      </p:cNvPr>
+                      <p:cNvPicPr/>
+                      <p:nvPr/>
+                    </p:nvPicPr>
+                    <p:blipFill>
+                      <a:blip r:embed="rId9"/>
+                      <a:stretch>
+                        <a:fillRect/>
+                      </a:stretch>
+                    </p:blipFill>
+                    <p:spPr>
+                      <a:xfrm>
+                        <a:off x="4494212" y="6272126"/>
+                        <a:ext cx="4669578" cy="364027"/>
+                      </a:xfrm>
+                      <a:prstGeom prst="rect">
+                        <a:avLst/>
+                      </a:prstGeom>
+                    </p:spPr>
+                  </p:pic>
+                </p:oleObj>
+              </mc:Fallback>
+            </mc:AlternateContent>
+          </a:graphicData>
+        </a:graphic>
+      </p:graphicFrame>
     </p:spTree>
+    <p:extLst>
+      <p:ext uri="{BB962C8B-B14F-4D97-AF65-F5344CB8AC3E}">
+        <p14:creationId xmlns:p14="http://schemas.microsoft.com/office/powerpoint/2010/main" val="269027651"/>
+      </p:ext>
+    </p:extLst>
+  </p:cSld>
+  <p:clrMapOvr>
+    <a:masterClrMapping/>
+  </p:clrMapOvr>
+</p:sld>
+</file>
+
+<file path=ppt/slides/slide26.xml><?xml version="1.0" encoding="utf-8"?>
+<p:sld xmlns:a="http://schemas.openxmlformats.org/drawingml/2006/main" xmlns:r="http://schemas.openxmlformats.org/officeDocument/2006/relationships" xmlns:p="http://schemas.openxmlformats.org/presentationml/2006/main">
+  <p:cSld>
+    <p:spTree>
+      <p:nvGrpSpPr>
+        <p:cNvPr id="1" name=""/>
+        <p:cNvGrpSpPr/>
+        <p:nvPr/>
+      </p:nvGrpSpPr>
+      <p:grpSpPr>
+        <a:xfrm>
+          <a:off x="0" y="0"/>
+          <a:ext cx="0" cy="0"/>
+          <a:chOff x="0" y="0"/>
+          <a:chExt cx="0" cy="0"/>
+        </a:xfrm>
+      </p:grpSpPr>
+      <p:grpSp>
+        <p:nvGrpSpPr>
+          <p:cNvPr id="6" name="组合 5"/>
+          <p:cNvGrpSpPr/>
+          <p:nvPr/>
+        </p:nvGrpSpPr>
+        <p:grpSpPr>
+          <a:xfrm>
+            <a:off x="-635" y="403860"/>
+            <a:ext cx="12176125" cy="817880"/>
+            <a:chOff x="-1" y="636"/>
+            <a:chExt cx="19175" cy="1288"/>
+          </a:xfrm>
+        </p:grpSpPr>
+        <p:cxnSp>
+          <p:nvCxnSpPr>
+            <p:cNvPr id="4" name="直接连接符 3"/>
+            <p:cNvCxnSpPr/>
+            <p:nvPr/>
+          </p:nvCxnSpPr>
+          <p:spPr>
+            <a:xfrm>
+              <a:off x="16841" y="1226"/>
+              <a:ext cx="2333" cy="5"/>
+            </a:xfrm>
+            <a:prstGeom prst="line">
+              <a:avLst/>
+            </a:prstGeom>
+            <a:ln w="22225" cmpd="sng">
+              <a:solidFill>
+                <a:schemeClr val="bg2"/>
+              </a:solidFill>
+              <a:prstDash val="solid"/>
+            </a:ln>
+          </p:spPr>
+          <p:style>
+            <a:lnRef idx="1">
+              <a:schemeClr val="accent3"/>
+            </a:lnRef>
+            <a:fillRef idx="0">
+              <a:schemeClr val="accent3"/>
+            </a:fillRef>
+            <a:effectRef idx="0">
+              <a:schemeClr val="accent3"/>
+            </a:effectRef>
+            <a:fontRef idx="minor">
+              <a:schemeClr val="tx1"/>
+            </a:fontRef>
+          </p:style>
+        </p:cxnSp>
+        <p:grpSp>
+          <p:nvGrpSpPr>
+            <p:cNvPr id="8" name="组合 7"/>
+            <p:cNvGrpSpPr/>
+            <p:nvPr/>
+          </p:nvGrpSpPr>
+          <p:grpSpPr>
+            <a:xfrm>
+              <a:off x="-1" y="636"/>
+              <a:ext cx="18268" cy="1288"/>
+              <a:chOff x="-1" y="636"/>
+              <a:chExt cx="18268" cy="1288"/>
+            </a:xfrm>
+          </p:grpSpPr>
+          <p:cxnSp>
+            <p:nvCxnSpPr>
+              <p:cNvPr id="5" name="直接连接符 4"/>
+              <p:cNvCxnSpPr/>
+              <p:nvPr/>
+            </p:nvCxnSpPr>
+            <p:spPr>
+              <a:xfrm flipV="1">
+                <a:off x="-1" y="1238"/>
+                <a:ext cx="3968" cy="7"/>
+              </a:xfrm>
+              <a:prstGeom prst="line">
+                <a:avLst/>
+              </a:prstGeom>
+              <a:ln w="22225" cmpd="sng">
+                <a:solidFill>
+                  <a:schemeClr val="bg2"/>
+                </a:solidFill>
+                <a:prstDash val="solid"/>
+              </a:ln>
+            </p:spPr>
+            <p:style>
+              <a:lnRef idx="1">
+                <a:schemeClr val="accent3"/>
+              </a:lnRef>
+              <a:fillRef idx="0">
+                <a:schemeClr val="accent3"/>
+              </a:fillRef>
+              <a:effectRef idx="0">
+                <a:schemeClr val="accent3"/>
+              </a:effectRef>
+              <a:fontRef idx="minor">
+                <a:schemeClr val="tx1"/>
+              </a:fontRef>
+            </p:style>
+          </p:cxnSp>
+          <p:sp>
+            <p:nvSpPr>
+              <p:cNvPr id="11" name="椭圆 10"/>
+              <p:cNvSpPr/>
+              <p:nvPr/>
+            </p:nvSpPr>
+            <p:spPr>
+              <a:xfrm>
+                <a:off x="1315" y="636"/>
+                <a:ext cx="1336" cy="1288"/>
+              </a:xfrm>
+              <a:prstGeom prst="ellipse">
+                <a:avLst/>
+              </a:prstGeom>
+              <a:solidFill>
+                <a:srgbClr val="00B050"/>
+              </a:solidFill>
+              <a:ln>
+                <a:noFill/>
+              </a:ln>
+            </p:spPr>
+            <p:style>
+              <a:lnRef idx="2">
+                <a:schemeClr val="accent1">
+                  <a:shade val="50000"/>
+                </a:schemeClr>
+              </a:lnRef>
+              <a:fillRef idx="1">
+                <a:schemeClr val="accent1"/>
+              </a:fillRef>
+              <a:effectRef idx="0">
+                <a:schemeClr val="accent1"/>
+              </a:effectRef>
+              <a:fontRef idx="minor">
+                <a:schemeClr val="lt1"/>
+              </a:fontRef>
+            </p:style>
+            <p:txBody>
+              <a:bodyPr rtlCol="0" anchor="ctr"/>
+              <a:lstStyle/>
+              <a:p>
+                <a:pPr algn="ctr"/>
+                <a:r>
+                  <a:rPr lang="en-US" altLang="zh-CN" sz="2800" dirty="0">
+                    <a:latin typeface="微软雅黑" panose="020B0503020204020204" charset="-122"/>
+                    <a:ea typeface="微软雅黑" panose="020B0503020204020204" charset="-122"/>
+                  </a:rPr>
+                  <a:t>26</a:t>
+                </a:r>
+              </a:p>
+            </p:txBody>
+          </p:sp>
+          <p:sp>
+            <p:nvSpPr>
+              <p:cNvPr id="7" name="文本框 6"/>
+              <p:cNvSpPr txBox="1"/>
+              <p:nvPr/>
+            </p:nvSpPr>
+            <p:spPr>
+              <a:xfrm>
+                <a:off x="4138" y="636"/>
+                <a:ext cx="14129" cy="1018"/>
+              </a:xfrm>
+              <a:prstGeom prst="rect">
+                <a:avLst/>
+              </a:prstGeom>
+              <a:noFill/>
+            </p:spPr>
+            <p:txBody>
+              <a:bodyPr wrap="square" rtlCol="0">
+                <a:spAutoFit/>
+              </a:bodyPr>
+              <a:lstStyle/>
+              <a:p>
+                <a:r>
+                  <a:rPr lang="en-US" altLang="zh-CN" sz="3600" b="1" dirty="0">
+                    <a:latin typeface="Arial" panose="020B0604020202020204" pitchFamily="34" charset="0"/>
+                  </a:rPr>
+                  <a:t>IMU </a:t>
+                </a:r>
+                <a:r>
+                  <a:rPr lang="en-US" altLang="zh-CN" sz="3600" b="1" dirty="0" err="1">
+                    <a:latin typeface="Arial" panose="020B0604020202020204" pitchFamily="34" charset="0"/>
+                  </a:rPr>
+                  <a:t>preintegration</a:t>
+                </a:r>
+                <a:r>
+                  <a:rPr lang="en-US" altLang="zh-CN" sz="3600" b="0" i="0" dirty="0">
+                    <a:effectLst/>
+                    <a:latin typeface="Arial" panose="020B0604020202020204" pitchFamily="34" charset="0"/>
+                  </a:rPr>
+                  <a:t> </a:t>
+                </a:r>
+                <a:endParaRPr lang="zh-CN" altLang="en-US" sz="3600" b="1" dirty="0">
+                  <a:sym typeface="+mn-ea"/>
+                </a:endParaRPr>
+              </a:p>
+            </p:txBody>
+          </p:sp>
+        </p:grpSp>
+      </p:grpSp>
+      <p:graphicFrame>
+        <p:nvGraphicFramePr>
+          <p:cNvPr id="2" name="对象 1">
+            <a:extLst>
+              <a:ext uri="{FF2B5EF4-FFF2-40B4-BE49-F238E27FC236}">
+                <a16:creationId xmlns:a16="http://schemas.microsoft.com/office/drawing/2014/main" id="{23BC40BB-C271-43B4-B2CC-8550EEA98B3A}"/>
+              </a:ext>
+            </a:extLst>
+          </p:cNvPr>
+          <p:cNvGraphicFramePr>
+            <a:graphicFrameLocks noChangeAspect="1"/>
+          </p:cNvGraphicFramePr>
+          <p:nvPr>
+            <p:extLst>
+              <p:ext uri="{D42A27DB-BD31-4B8C-83A1-F6EECF244321}">
+                <p14:modId xmlns:p14="http://schemas.microsoft.com/office/powerpoint/2010/main" val="1250741989"/>
+              </p:ext>
+            </p:extLst>
+          </p:nvPr>
+        </p:nvGraphicFramePr>
+        <p:xfrm>
+          <a:off x="3870757" y="995426"/>
+          <a:ext cx="5283097" cy="1811095"/>
+        </p:xfrm>
+        <a:graphic>
+          <a:graphicData uri="http://schemas.openxmlformats.org/presentationml/2006/ole">
+            <mc:AlternateContent xmlns:mc="http://schemas.openxmlformats.org/markup-compatibility/2006">
+              <mc:Choice xmlns:v="urn:schemas-microsoft-com:vml" Requires="v">
+                <p:oleObj spid="_x0000_s17420" name="AxMath" r:id="rId4" imgW="6242760" imgH="2139840" progId="Equation.AxMath">
+                  <p:embed/>
+                </p:oleObj>
+              </mc:Choice>
+              <mc:Fallback>
+                <p:oleObj name="AxMath" r:id="rId4" imgW="6242760" imgH="2139840" progId="Equation.AxMath">
+                  <p:embed/>
+                  <p:pic>
+                    <p:nvPicPr>
+                      <p:cNvPr id="2" name="对象 1">
+                        <a:extLst>
+                          <a:ext uri="{FF2B5EF4-FFF2-40B4-BE49-F238E27FC236}">
+                            <a16:creationId xmlns:a16="http://schemas.microsoft.com/office/drawing/2014/main" id="{23BC40BB-C271-43B4-B2CC-8550EEA98B3A}"/>
+                          </a:ext>
+                        </a:extLst>
+                      </p:cNvPr>
+                      <p:cNvPicPr/>
+                      <p:nvPr/>
+                    </p:nvPicPr>
+                    <p:blipFill>
+                      <a:blip r:embed="rId5"/>
+                      <a:stretch>
+                        <a:fillRect/>
+                      </a:stretch>
+                    </p:blipFill>
+                    <p:spPr>
+                      <a:xfrm>
+                        <a:off x="3870757" y="995426"/>
+                        <a:ext cx="5283097" cy="1811095"/>
+                      </a:xfrm>
+                      <a:prstGeom prst="rect">
+                        <a:avLst/>
+                      </a:prstGeom>
+                    </p:spPr>
+                  </p:pic>
+                </p:oleObj>
+              </mc:Fallback>
+            </mc:AlternateContent>
+          </a:graphicData>
+        </a:graphic>
+      </p:graphicFrame>
+      <p:graphicFrame>
+        <p:nvGraphicFramePr>
+          <p:cNvPr id="24" name="对象 23">
+            <a:extLst>
+              <a:ext uri="{FF2B5EF4-FFF2-40B4-BE49-F238E27FC236}">
+                <a16:creationId xmlns:a16="http://schemas.microsoft.com/office/drawing/2014/main" id="{70695C49-ECF4-4EDE-8994-5866999FCF12}"/>
+              </a:ext>
+            </a:extLst>
+          </p:cNvPr>
+          <p:cNvGraphicFramePr>
+            <a:graphicFrameLocks noChangeAspect="1"/>
+          </p:cNvGraphicFramePr>
+          <p:nvPr>
+            <p:extLst>
+              <p:ext uri="{D42A27DB-BD31-4B8C-83A1-F6EECF244321}">
+                <p14:modId xmlns:p14="http://schemas.microsoft.com/office/powerpoint/2010/main" val="201613535"/>
+              </p:ext>
+            </p:extLst>
+          </p:nvPr>
+        </p:nvGraphicFramePr>
+        <p:xfrm>
+          <a:off x="3870757" y="2788233"/>
+          <a:ext cx="5327394" cy="4088055"/>
+        </p:xfrm>
+        <a:graphic>
+          <a:graphicData uri="http://schemas.openxmlformats.org/presentationml/2006/ole">
+            <mc:AlternateContent xmlns:mc="http://schemas.openxmlformats.org/markup-compatibility/2006">
+              <mc:Choice xmlns:v="urn:schemas-microsoft-com:vml" Requires="v">
+                <p:oleObj spid="_x0000_s17421" name="AxMath" r:id="rId6" imgW="6061320" imgH="4651560" progId="Equation.AxMath">
+                  <p:embed/>
+                </p:oleObj>
+              </mc:Choice>
+              <mc:Fallback>
+                <p:oleObj name="AxMath" r:id="rId6" imgW="6061320" imgH="4651560" progId="Equation.AxMath">
+                  <p:embed/>
+                  <p:pic>
+                    <p:nvPicPr>
+                      <p:cNvPr id="2" name="对象 1">
+                        <a:extLst>
+                          <a:ext uri="{FF2B5EF4-FFF2-40B4-BE49-F238E27FC236}">
+                            <a16:creationId xmlns:a16="http://schemas.microsoft.com/office/drawing/2014/main" id="{23BC40BB-C271-43B4-B2CC-8550EEA98B3A}"/>
+                          </a:ext>
+                        </a:extLst>
+                      </p:cNvPr>
+                      <p:cNvPicPr/>
+                      <p:nvPr/>
+                    </p:nvPicPr>
+                    <p:blipFill>
+                      <a:blip r:embed="rId7"/>
+                      <a:stretch>
+                        <a:fillRect/>
+                      </a:stretch>
+                    </p:blipFill>
+                    <p:spPr>
+                      <a:xfrm>
+                        <a:off x="3870757" y="2788233"/>
+                        <a:ext cx="5327394" cy="4088055"/>
+                      </a:xfrm>
+                      <a:prstGeom prst="rect">
+                        <a:avLst/>
+                      </a:prstGeom>
+                    </p:spPr>
+                  </p:pic>
+                </p:oleObj>
+              </mc:Fallback>
+            </mc:AlternateContent>
+          </a:graphicData>
+        </a:graphic>
+      </p:graphicFrame>
+    </p:spTree>
+    <p:extLst>
+      <p:ext uri="{BB962C8B-B14F-4D97-AF65-F5344CB8AC3E}">
+        <p14:creationId xmlns:p14="http://schemas.microsoft.com/office/powerpoint/2010/main" val="2205628875"/>
+      </p:ext>
+    </p:extLst>
+  </p:cSld>
+  <p:clrMapOvr>
+    <a:masterClrMapping/>
+  </p:clrMapOvr>
+</p:sld>
+</file>
+
+<file path=ppt/slides/slide27.xml><?xml version="1.0" encoding="utf-8"?>
+<p:sld xmlns:a="http://schemas.openxmlformats.org/drawingml/2006/main" xmlns:r="http://schemas.openxmlformats.org/officeDocument/2006/relationships" xmlns:p="http://schemas.openxmlformats.org/presentationml/2006/main">
+  <p:cSld>
+    <p:spTree>
+      <p:nvGrpSpPr>
+        <p:cNvPr id="1" name=""/>
+        <p:cNvGrpSpPr/>
+        <p:nvPr/>
+      </p:nvGrpSpPr>
+      <p:grpSpPr>
+        <a:xfrm>
+          <a:off x="0" y="0"/>
+          <a:ext cx="0" cy="0"/>
+          <a:chOff x="0" y="0"/>
+          <a:chExt cx="0" cy="0"/>
+        </a:xfrm>
+      </p:grpSpPr>
+      <p:grpSp>
+        <p:nvGrpSpPr>
+          <p:cNvPr id="6" name="组合 5"/>
+          <p:cNvGrpSpPr/>
+          <p:nvPr/>
+        </p:nvGrpSpPr>
+        <p:grpSpPr>
+          <a:xfrm>
+            <a:off x="-635" y="403860"/>
+            <a:ext cx="12176125" cy="817880"/>
+            <a:chOff x="-1" y="636"/>
+            <a:chExt cx="19175" cy="1288"/>
+          </a:xfrm>
+        </p:grpSpPr>
+        <p:cxnSp>
+          <p:nvCxnSpPr>
+            <p:cNvPr id="4" name="直接连接符 3"/>
+            <p:cNvCxnSpPr/>
+            <p:nvPr/>
+          </p:nvCxnSpPr>
+          <p:spPr>
+            <a:xfrm>
+              <a:off x="16841" y="1226"/>
+              <a:ext cx="2333" cy="5"/>
+            </a:xfrm>
+            <a:prstGeom prst="line">
+              <a:avLst/>
+            </a:prstGeom>
+            <a:ln w="22225" cmpd="sng">
+              <a:solidFill>
+                <a:schemeClr val="bg2"/>
+              </a:solidFill>
+              <a:prstDash val="solid"/>
+            </a:ln>
+          </p:spPr>
+          <p:style>
+            <a:lnRef idx="1">
+              <a:schemeClr val="accent3"/>
+            </a:lnRef>
+            <a:fillRef idx="0">
+              <a:schemeClr val="accent3"/>
+            </a:fillRef>
+            <a:effectRef idx="0">
+              <a:schemeClr val="accent3"/>
+            </a:effectRef>
+            <a:fontRef idx="minor">
+              <a:schemeClr val="tx1"/>
+            </a:fontRef>
+          </p:style>
+        </p:cxnSp>
+        <p:grpSp>
+          <p:nvGrpSpPr>
+            <p:cNvPr id="8" name="组合 7"/>
+            <p:cNvGrpSpPr/>
+            <p:nvPr/>
+          </p:nvGrpSpPr>
+          <p:grpSpPr>
+            <a:xfrm>
+              <a:off x="-1" y="636"/>
+              <a:ext cx="18268" cy="1288"/>
+              <a:chOff x="-1" y="636"/>
+              <a:chExt cx="18268" cy="1288"/>
+            </a:xfrm>
+          </p:grpSpPr>
+          <p:cxnSp>
+            <p:nvCxnSpPr>
+              <p:cNvPr id="5" name="直接连接符 4"/>
+              <p:cNvCxnSpPr/>
+              <p:nvPr/>
+            </p:nvCxnSpPr>
+            <p:spPr>
+              <a:xfrm flipV="1">
+                <a:off x="-1" y="1238"/>
+                <a:ext cx="3968" cy="7"/>
+              </a:xfrm>
+              <a:prstGeom prst="line">
+                <a:avLst/>
+              </a:prstGeom>
+              <a:ln w="22225" cmpd="sng">
+                <a:solidFill>
+                  <a:schemeClr val="bg2"/>
+                </a:solidFill>
+                <a:prstDash val="solid"/>
+              </a:ln>
+            </p:spPr>
+            <p:style>
+              <a:lnRef idx="1">
+                <a:schemeClr val="accent3"/>
+              </a:lnRef>
+              <a:fillRef idx="0">
+                <a:schemeClr val="accent3"/>
+              </a:fillRef>
+              <a:effectRef idx="0">
+                <a:schemeClr val="accent3"/>
+              </a:effectRef>
+              <a:fontRef idx="minor">
+                <a:schemeClr val="tx1"/>
+              </a:fontRef>
+            </p:style>
+          </p:cxnSp>
+          <p:sp>
+            <p:nvSpPr>
+              <p:cNvPr id="11" name="椭圆 10"/>
+              <p:cNvSpPr/>
+              <p:nvPr/>
+            </p:nvSpPr>
+            <p:spPr>
+              <a:xfrm>
+                <a:off x="1315" y="636"/>
+                <a:ext cx="1336" cy="1288"/>
+              </a:xfrm>
+              <a:prstGeom prst="ellipse">
+                <a:avLst/>
+              </a:prstGeom>
+              <a:solidFill>
+                <a:srgbClr val="00B050"/>
+              </a:solidFill>
+              <a:ln>
+                <a:noFill/>
+              </a:ln>
+            </p:spPr>
+            <p:style>
+              <a:lnRef idx="2">
+                <a:schemeClr val="accent1">
+                  <a:shade val="50000"/>
+                </a:schemeClr>
+              </a:lnRef>
+              <a:fillRef idx="1">
+                <a:schemeClr val="accent1"/>
+              </a:fillRef>
+              <a:effectRef idx="0">
+                <a:schemeClr val="accent1"/>
+              </a:effectRef>
+              <a:fontRef idx="minor">
+                <a:schemeClr val="lt1"/>
+              </a:fontRef>
+            </p:style>
+            <p:txBody>
+              <a:bodyPr rtlCol="0" anchor="ctr"/>
+              <a:lstStyle/>
+              <a:p>
+                <a:pPr algn="ctr"/>
+                <a:r>
+                  <a:rPr lang="en-US" altLang="zh-CN" sz="2800" dirty="0">
+                    <a:latin typeface="微软雅黑" panose="020B0503020204020204" charset="-122"/>
+                    <a:ea typeface="微软雅黑" panose="020B0503020204020204" charset="-122"/>
+                  </a:rPr>
+                  <a:t>27</a:t>
+                </a:r>
+              </a:p>
+            </p:txBody>
+          </p:sp>
+          <p:sp>
+            <p:nvSpPr>
+              <p:cNvPr id="7" name="文本框 6"/>
+              <p:cNvSpPr txBox="1"/>
+              <p:nvPr/>
+            </p:nvSpPr>
+            <p:spPr>
+              <a:xfrm>
+                <a:off x="4138" y="636"/>
+                <a:ext cx="14129" cy="1018"/>
+              </a:xfrm>
+              <a:prstGeom prst="rect">
+                <a:avLst/>
+              </a:prstGeom>
+              <a:noFill/>
+            </p:spPr>
+            <p:txBody>
+              <a:bodyPr wrap="square" rtlCol="0">
+                <a:spAutoFit/>
+              </a:bodyPr>
+              <a:lstStyle/>
+              <a:p>
+                <a:r>
+                  <a:rPr lang="en-US" altLang="zh-CN" sz="3600" b="1" dirty="0">
+                    <a:latin typeface="Arial" panose="020B0604020202020204" pitchFamily="34" charset="0"/>
+                  </a:rPr>
+                  <a:t>IMU </a:t>
+                </a:r>
+                <a:r>
+                  <a:rPr lang="en-US" altLang="zh-CN" sz="3600" b="1" dirty="0" err="1">
+                    <a:latin typeface="Arial" panose="020B0604020202020204" pitchFamily="34" charset="0"/>
+                  </a:rPr>
+                  <a:t>preintegration</a:t>
+                </a:r>
+                <a:r>
+                  <a:rPr lang="en-US" altLang="zh-CN" sz="3600" b="0" i="0" dirty="0">
+                    <a:effectLst/>
+                    <a:latin typeface="Arial" panose="020B0604020202020204" pitchFamily="34" charset="0"/>
+                  </a:rPr>
+                  <a:t> </a:t>
+                </a:r>
+                <a:endParaRPr lang="zh-CN" altLang="en-US" sz="3600" b="1" dirty="0">
+                  <a:sym typeface="+mn-ea"/>
+                </a:endParaRPr>
+              </a:p>
+            </p:txBody>
+          </p:sp>
+        </p:grpSp>
+      </p:grpSp>
+      <p:grpSp>
+        <p:nvGrpSpPr>
+          <p:cNvPr id="27" name="组合 26">
+            <a:extLst>
+              <a:ext uri="{FF2B5EF4-FFF2-40B4-BE49-F238E27FC236}">
+                <a16:creationId xmlns:a16="http://schemas.microsoft.com/office/drawing/2014/main" id="{DAEC46A9-75FE-48F4-ADD8-573EA387A1D0}"/>
+              </a:ext>
+            </a:extLst>
+          </p:cNvPr>
+          <p:cNvGrpSpPr/>
+          <p:nvPr/>
+        </p:nvGrpSpPr>
+        <p:grpSpPr>
+          <a:xfrm>
+            <a:off x="1940560" y="1714500"/>
+            <a:ext cx="3843655" cy="369570"/>
+            <a:chOff x="3145" y="3289"/>
+            <a:chExt cx="6053" cy="582"/>
+          </a:xfrm>
+        </p:grpSpPr>
+        <p:sp>
+          <p:nvSpPr>
+            <p:cNvPr id="28" name="文本框 27">
+              <a:extLst>
+                <a:ext uri="{FF2B5EF4-FFF2-40B4-BE49-F238E27FC236}">
+                  <a16:creationId xmlns:a16="http://schemas.microsoft.com/office/drawing/2014/main" id="{D97F15AD-1412-4FA9-A599-27A0CD030C0D}"/>
+                </a:ext>
+              </a:extLst>
+            </p:cNvPr>
+            <p:cNvSpPr txBox="1"/>
+            <p:nvPr/>
+          </p:nvSpPr>
+          <p:spPr>
+            <a:xfrm>
+              <a:off x="3606" y="3289"/>
+              <a:ext cx="5592" cy="582"/>
+            </a:xfrm>
+            <a:prstGeom prst="rect">
+              <a:avLst/>
+            </a:prstGeom>
+            <a:noFill/>
+          </p:spPr>
+          <p:txBody>
+            <a:bodyPr wrap="square" rtlCol="0" anchor="t">
+              <a:spAutoFit/>
+            </a:bodyPr>
+            <a:lstStyle/>
+            <a:p>
+              <a:r>
+                <a:rPr lang="zh-CN" altLang="en-US" dirty="0">
+                  <a:solidFill>
+                    <a:srgbClr val="7030A0"/>
+                  </a:solidFill>
+                </a:rPr>
+                <a:t>符号表示</a:t>
+              </a:r>
+            </a:p>
+          </p:txBody>
+        </p:sp>
+        <p:sp>
+          <p:nvSpPr>
+            <p:cNvPr id="29" name="矩形 28">
+              <a:extLst>
+                <a:ext uri="{FF2B5EF4-FFF2-40B4-BE49-F238E27FC236}">
+                  <a16:creationId xmlns:a16="http://schemas.microsoft.com/office/drawing/2014/main" id="{20824C22-F889-4220-B4D5-E75AF33EA213}"/>
+                </a:ext>
+              </a:extLst>
+            </p:cNvPr>
+            <p:cNvSpPr/>
+            <p:nvPr/>
+          </p:nvSpPr>
+          <p:spPr>
+            <a:xfrm>
+              <a:off x="3145" y="3404"/>
+              <a:ext cx="354" cy="350"/>
+            </a:xfrm>
+            <a:prstGeom prst="rect">
+              <a:avLst/>
+            </a:prstGeom>
+            <a:solidFill>
+              <a:srgbClr val="FFC000"/>
+            </a:solidFill>
+            <a:ln>
+              <a:noFill/>
+            </a:ln>
+          </p:spPr>
+          <p:style>
+            <a:lnRef idx="2">
+              <a:schemeClr val="accent1">
+                <a:shade val="50000"/>
+              </a:schemeClr>
+            </a:lnRef>
+            <a:fillRef idx="1">
+              <a:schemeClr val="accent1"/>
+            </a:fillRef>
+            <a:effectRef idx="0">
+              <a:schemeClr val="accent1"/>
+            </a:effectRef>
+            <a:fontRef idx="minor">
+              <a:schemeClr val="lt1"/>
+            </a:fontRef>
+          </p:style>
+          <p:txBody>
+            <a:bodyPr rtlCol="0" anchor="ctr"/>
+            <a:lstStyle/>
+            <a:p>
+              <a:pPr algn="ctr"/>
+              <a:endParaRPr lang="en-US" altLang="zh-CN" dirty="0"/>
+            </a:p>
+          </p:txBody>
+        </p:sp>
+      </p:grpSp>
+      <p:graphicFrame>
+        <p:nvGraphicFramePr>
+          <p:cNvPr id="3" name="对象 2">
+            <a:extLst>
+              <a:ext uri="{FF2B5EF4-FFF2-40B4-BE49-F238E27FC236}">
+                <a16:creationId xmlns:a16="http://schemas.microsoft.com/office/drawing/2014/main" id="{51D4B006-C786-449E-AEEB-D7C79F3BEE00}"/>
+              </a:ext>
+            </a:extLst>
+          </p:cNvPr>
+          <p:cNvGraphicFramePr>
+            <a:graphicFrameLocks noChangeAspect="1"/>
+          </p:cNvGraphicFramePr>
+          <p:nvPr>
+            <p:extLst>
+              <p:ext uri="{D42A27DB-BD31-4B8C-83A1-F6EECF244321}">
+                <p14:modId xmlns:p14="http://schemas.microsoft.com/office/powerpoint/2010/main" val="3053518706"/>
+              </p:ext>
+            </p:extLst>
+          </p:nvPr>
+        </p:nvGraphicFramePr>
+        <p:xfrm>
+          <a:off x="2306447" y="2136549"/>
+          <a:ext cx="2639359" cy="550464"/>
+        </p:xfrm>
+        <a:graphic>
+          <a:graphicData uri="http://schemas.openxmlformats.org/presentationml/2006/ole">
+            <mc:AlternateContent xmlns:mc="http://schemas.openxmlformats.org/markup-compatibility/2006">
+              <mc:Choice xmlns:v="urn:schemas-microsoft-com:vml" Requires="v">
+                <p:oleObj spid="_x0000_s11493" name="AxMath" r:id="rId4" imgW="2336760" imgH="487080" progId="Equation.AxMath">
+                  <p:embed/>
+                </p:oleObj>
+              </mc:Choice>
+              <mc:Fallback>
+                <p:oleObj name="AxMath" r:id="rId4" imgW="2336760" imgH="487080" progId="Equation.AxMath">
+                  <p:embed/>
+                  <p:pic>
+                    <p:nvPicPr>
+                      <p:cNvPr id="0" name=""/>
+                      <p:cNvPicPr/>
+                      <p:nvPr/>
+                    </p:nvPicPr>
+                    <p:blipFill>
+                      <a:blip r:embed="rId5"/>
+                      <a:stretch>
+                        <a:fillRect/>
+                      </a:stretch>
+                    </p:blipFill>
+                    <p:spPr>
+                      <a:xfrm>
+                        <a:off x="2306447" y="2136549"/>
+                        <a:ext cx="2639359" cy="550464"/>
+                      </a:xfrm>
+                      <a:prstGeom prst="rect">
+                        <a:avLst/>
+                      </a:prstGeom>
+                    </p:spPr>
+                  </p:pic>
+                </p:oleObj>
+              </mc:Fallback>
+            </mc:AlternateContent>
+          </a:graphicData>
+        </a:graphic>
+      </p:graphicFrame>
+      <p:grpSp>
+        <p:nvGrpSpPr>
+          <p:cNvPr id="25" name="组合 24">
+            <a:extLst>
+              <a:ext uri="{FF2B5EF4-FFF2-40B4-BE49-F238E27FC236}">
+                <a16:creationId xmlns:a16="http://schemas.microsoft.com/office/drawing/2014/main" id="{8B797064-5220-4DF4-A0F6-CC840D30CD2F}"/>
+              </a:ext>
+            </a:extLst>
+          </p:cNvPr>
+          <p:cNvGrpSpPr/>
+          <p:nvPr/>
+        </p:nvGrpSpPr>
+        <p:grpSpPr>
+          <a:xfrm>
+            <a:off x="1940560" y="2744434"/>
+            <a:ext cx="3843655" cy="369570"/>
+            <a:chOff x="3145" y="3289"/>
+            <a:chExt cx="6053" cy="582"/>
+          </a:xfrm>
+        </p:grpSpPr>
+        <p:sp>
+          <p:nvSpPr>
+            <p:cNvPr id="26" name="文本框 25">
+              <a:extLst>
+                <a:ext uri="{FF2B5EF4-FFF2-40B4-BE49-F238E27FC236}">
+                  <a16:creationId xmlns:a16="http://schemas.microsoft.com/office/drawing/2014/main" id="{54C7201F-2A7B-4675-8EE5-861AA9A96F18}"/>
+                </a:ext>
+              </a:extLst>
+            </p:cNvPr>
+            <p:cNvSpPr txBox="1"/>
+            <p:nvPr/>
+          </p:nvSpPr>
+          <p:spPr>
+            <a:xfrm>
+              <a:off x="3606" y="3289"/>
+              <a:ext cx="5592" cy="582"/>
+            </a:xfrm>
+            <a:prstGeom prst="rect">
+              <a:avLst/>
+            </a:prstGeom>
+            <a:noFill/>
+          </p:spPr>
+          <p:txBody>
+            <a:bodyPr wrap="square" rtlCol="0" anchor="t">
+              <a:spAutoFit/>
+            </a:bodyPr>
+            <a:lstStyle/>
+            <a:p>
+              <a:r>
+                <a:rPr lang="zh-CN" altLang="en-US" dirty="0">
+                  <a:solidFill>
+                    <a:srgbClr val="7030A0"/>
+                  </a:solidFill>
+                </a:rPr>
+                <a:t>推导</a:t>
+              </a:r>
+            </a:p>
+          </p:txBody>
+        </p:sp>
+        <p:sp>
+          <p:nvSpPr>
+            <p:cNvPr id="30" name="矩形 29">
+              <a:extLst>
+                <a:ext uri="{FF2B5EF4-FFF2-40B4-BE49-F238E27FC236}">
+                  <a16:creationId xmlns:a16="http://schemas.microsoft.com/office/drawing/2014/main" id="{5F1271B5-C8FE-4D36-B2D2-4CB91C78ED87}"/>
+                </a:ext>
+              </a:extLst>
+            </p:cNvPr>
+            <p:cNvSpPr/>
+            <p:nvPr/>
+          </p:nvSpPr>
+          <p:spPr>
+            <a:xfrm>
+              <a:off x="3145" y="3404"/>
+              <a:ext cx="354" cy="350"/>
+            </a:xfrm>
+            <a:prstGeom prst="rect">
+              <a:avLst/>
+            </a:prstGeom>
+            <a:solidFill>
+              <a:srgbClr val="FFC000"/>
+            </a:solidFill>
+            <a:ln>
+              <a:noFill/>
+            </a:ln>
+          </p:spPr>
+          <p:style>
+            <a:lnRef idx="2">
+              <a:schemeClr val="accent1">
+                <a:shade val="50000"/>
+              </a:schemeClr>
+            </a:lnRef>
+            <a:fillRef idx="1">
+              <a:schemeClr val="accent1"/>
+            </a:fillRef>
+            <a:effectRef idx="0">
+              <a:schemeClr val="accent1"/>
+            </a:effectRef>
+            <a:fontRef idx="minor">
+              <a:schemeClr val="lt1"/>
+            </a:fontRef>
+          </p:style>
+          <p:txBody>
+            <a:bodyPr rtlCol="0" anchor="ctr"/>
+            <a:lstStyle/>
+            <a:p>
+              <a:pPr algn="ctr"/>
+              <a:endParaRPr lang="en-US" altLang="zh-CN" dirty="0"/>
+            </a:p>
+          </p:txBody>
+        </p:sp>
+      </p:grpSp>
+      <p:graphicFrame>
+        <p:nvGraphicFramePr>
+          <p:cNvPr id="9" name="对象 8">
+            <a:extLst>
+              <a:ext uri="{FF2B5EF4-FFF2-40B4-BE49-F238E27FC236}">
+                <a16:creationId xmlns:a16="http://schemas.microsoft.com/office/drawing/2014/main" id="{79F17E5B-F7B9-4173-8B22-C62E0B4901AA}"/>
+              </a:ext>
+            </a:extLst>
+          </p:cNvPr>
+          <p:cNvGraphicFramePr>
+            <a:graphicFrameLocks noChangeAspect="1"/>
+          </p:cNvGraphicFramePr>
+          <p:nvPr>
+            <p:extLst>
+              <p:ext uri="{D42A27DB-BD31-4B8C-83A1-F6EECF244321}">
+                <p14:modId xmlns:p14="http://schemas.microsoft.com/office/powerpoint/2010/main" val="2332640044"/>
+              </p:ext>
+            </p:extLst>
+          </p:nvPr>
+        </p:nvGraphicFramePr>
+        <p:xfrm>
+          <a:off x="2834825" y="2719429"/>
+          <a:ext cx="1582602" cy="407510"/>
+        </p:xfrm>
+        <a:graphic>
+          <a:graphicData uri="http://schemas.openxmlformats.org/presentationml/2006/ole">
+            <mc:AlternateContent xmlns:mc="http://schemas.openxmlformats.org/markup-compatibility/2006">
+              <mc:Choice xmlns:v="urn:schemas-microsoft-com:vml" Requires="v">
+                <p:oleObj spid="_x0000_s11494" name="AxMath" r:id="rId6" imgW="1103400" imgH="283680" progId="Equation.AxMath">
+                  <p:embed/>
+                </p:oleObj>
+              </mc:Choice>
+              <mc:Fallback>
+                <p:oleObj name="AxMath" r:id="rId6" imgW="1103400" imgH="283680" progId="Equation.AxMath">
+                  <p:embed/>
+                  <p:pic>
+                    <p:nvPicPr>
+                      <p:cNvPr id="0" name=""/>
+                      <p:cNvPicPr/>
+                      <p:nvPr/>
+                    </p:nvPicPr>
+                    <p:blipFill>
+                      <a:blip r:embed="rId7"/>
+                      <a:stretch>
+                        <a:fillRect/>
+                      </a:stretch>
+                    </p:blipFill>
+                    <p:spPr>
+                      <a:xfrm>
+                        <a:off x="2834825" y="2719429"/>
+                        <a:ext cx="1582602" cy="407510"/>
+                      </a:xfrm>
+                      <a:prstGeom prst="rect">
+                        <a:avLst/>
+                      </a:prstGeom>
+                    </p:spPr>
+                  </p:pic>
+                </p:oleObj>
+              </mc:Fallback>
+            </mc:AlternateContent>
+          </a:graphicData>
+        </a:graphic>
+      </p:graphicFrame>
+      <p:graphicFrame>
+        <p:nvGraphicFramePr>
+          <p:cNvPr id="31" name="对象 30">
+            <a:extLst>
+              <a:ext uri="{FF2B5EF4-FFF2-40B4-BE49-F238E27FC236}">
+                <a16:creationId xmlns:a16="http://schemas.microsoft.com/office/drawing/2014/main" id="{A0164E3C-B4D0-4C37-AB77-96684E96555B}"/>
+              </a:ext>
+            </a:extLst>
+          </p:cNvPr>
+          <p:cNvGraphicFramePr>
+            <a:graphicFrameLocks noChangeAspect="1"/>
+          </p:cNvGraphicFramePr>
+          <p:nvPr>
+            <p:extLst>
+              <p:ext uri="{D42A27DB-BD31-4B8C-83A1-F6EECF244321}">
+                <p14:modId xmlns:p14="http://schemas.microsoft.com/office/powerpoint/2010/main" val="1395435867"/>
+              </p:ext>
+            </p:extLst>
+          </p:nvPr>
+        </p:nvGraphicFramePr>
+        <p:xfrm>
+          <a:off x="4174268" y="3195157"/>
+          <a:ext cx="2017789" cy="431097"/>
+        </p:xfrm>
+        <a:graphic>
+          <a:graphicData uri="http://schemas.openxmlformats.org/presentationml/2006/ole">
+            <mc:AlternateContent xmlns:mc="http://schemas.openxmlformats.org/markup-compatibility/2006">
+              <mc:Choice xmlns:v="urn:schemas-microsoft-com:vml" Requires="v">
+                <p:oleObj spid="_x0000_s11495" name="AxMath" r:id="rId8" imgW="1330200" imgH="283680" progId="Equation.AxMath">
+                  <p:embed/>
+                </p:oleObj>
+              </mc:Choice>
+              <mc:Fallback>
+                <p:oleObj name="AxMath" r:id="rId8" imgW="1330200" imgH="283680" progId="Equation.AxMath">
+                  <p:embed/>
+                  <p:pic>
+                    <p:nvPicPr>
+                      <p:cNvPr id="9" name="对象 8">
+                        <a:extLst>
+                          <a:ext uri="{FF2B5EF4-FFF2-40B4-BE49-F238E27FC236}">
+                            <a16:creationId xmlns:a16="http://schemas.microsoft.com/office/drawing/2014/main" id="{79F17E5B-F7B9-4173-8B22-C62E0B4901AA}"/>
+                          </a:ext>
+                        </a:extLst>
+                      </p:cNvPr>
+                      <p:cNvPicPr/>
+                      <p:nvPr/>
+                    </p:nvPicPr>
+                    <p:blipFill>
+                      <a:blip r:embed="rId9"/>
+                      <a:stretch>
+                        <a:fillRect/>
+                      </a:stretch>
+                    </p:blipFill>
+                    <p:spPr>
+                      <a:xfrm>
+                        <a:off x="4174268" y="3195157"/>
+                        <a:ext cx="2017789" cy="431097"/>
+                      </a:xfrm>
+                      <a:prstGeom prst="rect">
+                        <a:avLst/>
+                      </a:prstGeom>
+                    </p:spPr>
+                  </p:pic>
+                </p:oleObj>
+              </mc:Fallback>
+            </mc:AlternateContent>
+          </a:graphicData>
+        </a:graphic>
+      </p:graphicFrame>
+      <p:graphicFrame>
+        <p:nvGraphicFramePr>
+          <p:cNvPr id="32" name="对象 31">
+            <a:extLst>
+              <a:ext uri="{FF2B5EF4-FFF2-40B4-BE49-F238E27FC236}">
+                <a16:creationId xmlns:a16="http://schemas.microsoft.com/office/drawing/2014/main" id="{410AAA20-0BBC-4D84-AB6F-C15E1227FAC5}"/>
+              </a:ext>
+            </a:extLst>
+          </p:cNvPr>
+          <p:cNvGraphicFramePr>
+            <a:graphicFrameLocks noChangeAspect="1"/>
+          </p:cNvGraphicFramePr>
+          <p:nvPr>
+            <p:extLst>
+              <p:ext uri="{D42A27DB-BD31-4B8C-83A1-F6EECF244321}">
+                <p14:modId xmlns:p14="http://schemas.microsoft.com/office/powerpoint/2010/main" val="343112478"/>
+              </p:ext>
+            </p:extLst>
+          </p:nvPr>
+        </p:nvGraphicFramePr>
+        <p:xfrm>
+          <a:off x="2234039" y="3913846"/>
+          <a:ext cx="6291262" cy="1727200"/>
+        </p:xfrm>
+        <a:graphic>
+          <a:graphicData uri="http://schemas.openxmlformats.org/presentationml/2006/ole">
+            <mc:AlternateContent xmlns:mc="http://schemas.openxmlformats.org/markup-compatibility/2006">
+              <mc:Choice xmlns:v="urn:schemas-microsoft-com:vml" Requires="v">
+                <p:oleObj spid="_x0000_s11496" name="AxMath" r:id="rId10" imgW="5107680" imgH="1405800" progId="Equation.AxMath">
+                  <p:embed/>
+                </p:oleObj>
+              </mc:Choice>
+              <mc:Fallback>
+                <p:oleObj name="AxMath" r:id="rId10" imgW="5107680" imgH="1405800" progId="Equation.AxMath">
+                  <p:embed/>
+                  <p:pic>
+                    <p:nvPicPr>
+                      <p:cNvPr id="31" name="对象 30">
+                        <a:extLst>
+                          <a:ext uri="{FF2B5EF4-FFF2-40B4-BE49-F238E27FC236}">
+                            <a16:creationId xmlns:a16="http://schemas.microsoft.com/office/drawing/2014/main" id="{A0164E3C-B4D0-4C37-AB77-96684E96555B}"/>
+                          </a:ext>
+                        </a:extLst>
+                      </p:cNvPr>
+                      <p:cNvPicPr/>
+                      <p:nvPr/>
+                    </p:nvPicPr>
+                    <p:blipFill>
+                      <a:blip r:embed="rId11"/>
+                      <a:stretch>
+                        <a:fillRect/>
+                      </a:stretch>
+                    </p:blipFill>
+                    <p:spPr>
+                      <a:xfrm>
+                        <a:off x="2234039" y="3913846"/>
+                        <a:ext cx="6291262" cy="1727200"/>
+                      </a:xfrm>
+                      <a:prstGeom prst="rect">
+                        <a:avLst/>
+                      </a:prstGeom>
+                    </p:spPr>
+                  </p:pic>
+                </p:oleObj>
+              </mc:Fallback>
+            </mc:AlternateContent>
+          </a:graphicData>
+        </a:graphic>
+      </p:graphicFrame>
+      <p:graphicFrame>
+        <p:nvGraphicFramePr>
+          <p:cNvPr id="44" name="对象 43">
+            <a:extLst>
+              <a:ext uri="{FF2B5EF4-FFF2-40B4-BE49-F238E27FC236}">
+                <a16:creationId xmlns:a16="http://schemas.microsoft.com/office/drawing/2014/main" id="{B765A1EB-E642-4B5E-8F7C-84267854F75B}"/>
+              </a:ext>
+            </a:extLst>
+          </p:cNvPr>
+          <p:cNvGraphicFramePr>
+            <a:graphicFrameLocks noChangeAspect="1"/>
+          </p:cNvGraphicFramePr>
+          <p:nvPr>
+            <p:extLst>
+              <p:ext uri="{D42A27DB-BD31-4B8C-83A1-F6EECF244321}">
+                <p14:modId xmlns:p14="http://schemas.microsoft.com/office/powerpoint/2010/main" val="747891977"/>
+              </p:ext>
+            </p:extLst>
+          </p:nvPr>
+        </p:nvGraphicFramePr>
+        <p:xfrm>
+          <a:off x="2233295" y="5755888"/>
+          <a:ext cx="5574583" cy="369341"/>
+        </p:xfrm>
+        <a:graphic>
+          <a:graphicData uri="http://schemas.openxmlformats.org/presentationml/2006/ole">
+            <mc:AlternateContent xmlns:mc="http://schemas.openxmlformats.org/markup-compatibility/2006">
+              <mc:Choice xmlns:v="urn:schemas-microsoft-com:vml" Requires="v">
+                <p:oleObj spid="_x0000_s11497" name="AxMath" r:id="rId12" imgW="4294440" imgH="283680" progId="Equation.AxMath">
+                  <p:embed/>
+                </p:oleObj>
+              </mc:Choice>
+              <mc:Fallback>
+                <p:oleObj name="AxMath" r:id="rId12" imgW="4294440" imgH="283680" progId="Equation.AxMath">
+                  <p:embed/>
+                  <p:pic>
+                    <p:nvPicPr>
+                      <p:cNvPr id="31" name="对象 30">
+                        <a:extLst>
+                          <a:ext uri="{FF2B5EF4-FFF2-40B4-BE49-F238E27FC236}">
+                            <a16:creationId xmlns:a16="http://schemas.microsoft.com/office/drawing/2014/main" id="{A0164E3C-B4D0-4C37-AB77-96684E96555B}"/>
+                          </a:ext>
+                        </a:extLst>
+                      </p:cNvPr>
+                      <p:cNvPicPr/>
+                      <p:nvPr/>
+                    </p:nvPicPr>
+                    <p:blipFill>
+                      <a:blip r:embed="rId13"/>
+                      <a:stretch>
+                        <a:fillRect/>
+                      </a:stretch>
+                    </p:blipFill>
+                    <p:spPr>
+                      <a:xfrm>
+                        <a:off x="2233295" y="5755888"/>
+                        <a:ext cx="5574583" cy="369341"/>
+                      </a:xfrm>
+                      <a:prstGeom prst="rect">
+                        <a:avLst/>
+                      </a:prstGeom>
+                    </p:spPr>
+                  </p:pic>
+                </p:oleObj>
+              </mc:Fallback>
+            </mc:AlternateContent>
+          </a:graphicData>
+        </a:graphic>
+      </p:graphicFrame>
+      <p:graphicFrame>
+        <p:nvGraphicFramePr>
+          <p:cNvPr id="45" name="对象 44">
+            <a:extLst>
+              <a:ext uri="{FF2B5EF4-FFF2-40B4-BE49-F238E27FC236}">
+                <a16:creationId xmlns:a16="http://schemas.microsoft.com/office/drawing/2014/main" id="{863D98AD-2394-4F3E-AB7D-7E714F765702}"/>
+              </a:ext>
+            </a:extLst>
+          </p:cNvPr>
+          <p:cNvGraphicFramePr>
+            <a:graphicFrameLocks noChangeAspect="1"/>
+          </p:cNvGraphicFramePr>
+          <p:nvPr>
+            <p:extLst>
+              <p:ext uri="{D42A27DB-BD31-4B8C-83A1-F6EECF244321}">
+                <p14:modId xmlns:p14="http://schemas.microsoft.com/office/powerpoint/2010/main" val="1894329005"/>
+              </p:ext>
+            </p:extLst>
+          </p:nvPr>
+        </p:nvGraphicFramePr>
+        <p:xfrm>
+          <a:off x="2233295" y="6178002"/>
+          <a:ext cx="8840787" cy="544512"/>
+        </p:xfrm>
+        <a:graphic>
+          <a:graphicData uri="http://schemas.openxmlformats.org/presentationml/2006/ole">
+            <mc:AlternateContent xmlns:mc="http://schemas.openxmlformats.org/markup-compatibility/2006">
+              <mc:Choice xmlns:v="urn:schemas-microsoft-com:vml" Requires="v">
+                <p:oleObj spid="_x0000_s11498" name="AxMath" r:id="rId14" imgW="6808320" imgH="417960" progId="Equation.AxMath">
+                  <p:embed/>
+                </p:oleObj>
+              </mc:Choice>
+              <mc:Fallback>
+                <p:oleObj name="AxMath" r:id="rId14" imgW="6808320" imgH="417960" progId="Equation.AxMath">
+                  <p:embed/>
+                  <p:pic>
+                    <p:nvPicPr>
+                      <p:cNvPr id="44" name="对象 43">
+                        <a:extLst>
+                          <a:ext uri="{FF2B5EF4-FFF2-40B4-BE49-F238E27FC236}">
+                            <a16:creationId xmlns:a16="http://schemas.microsoft.com/office/drawing/2014/main" id="{B765A1EB-E642-4B5E-8F7C-84267854F75B}"/>
+                          </a:ext>
+                        </a:extLst>
+                      </p:cNvPr>
+                      <p:cNvPicPr/>
+                      <p:nvPr/>
+                    </p:nvPicPr>
+                    <p:blipFill>
+                      <a:blip r:embed="rId15"/>
+                      <a:stretch>
+                        <a:fillRect/>
+                      </a:stretch>
+                    </p:blipFill>
+                    <p:spPr>
+                      <a:xfrm>
+                        <a:off x="2233295" y="6178002"/>
+                        <a:ext cx="8840787" cy="544512"/>
+                      </a:xfrm>
+                      <a:prstGeom prst="rect">
+                        <a:avLst/>
+                      </a:prstGeom>
+                    </p:spPr>
+                  </p:pic>
+                </p:oleObj>
+              </mc:Fallback>
+            </mc:AlternateContent>
+          </a:graphicData>
+        </a:graphic>
+      </p:graphicFrame>
+      <p:graphicFrame>
+        <p:nvGraphicFramePr>
+          <p:cNvPr id="46" name="对象 45">
+            <a:extLst>
+              <a:ext uri="{FF2B5EF4-FFF2-40B4-BE49-F238E27FC236}">
+                <a16:creationId xmlns:a16="http://schemas.microsoft.com/office/drawing/2014/main" id="{A372CF18-0694-4A18-8215-209C026E2D8F}"/>
+              </a:ext>
+            </a:extLst>
+          </p:cNvPr>
+          <p:cNvGraphicFramePr>
+            <a:graphicFrameLocks noChangeAspect="1"/>
+          </p:cNvGraphicFramePr>
+          <p:nvPr>
+            <p:extLst>
+              <p:ext uri="{D42A27DB-BD31-4B8C-83A1-F6EECF244321}">
+                <p14:modId xmlns:p14="http://schemas.microsoft.com/office/powerpoint/2010/main" val="4182480495"/>
+              </p:ext>
+            </p:extLst>
+          </p:nvPr>
+        </p:nvGraphicFramePr>
+        <p:xfrm>
+          <a:off x="6552994" y="3232535"/>
+          <a:ext cx="3240230" cy="611084"/>
+        </p:xfrm>
+        <a:graphic>
+          <a:graphicData uri="http://schemas.openxmlformats.org/presentationml/2006/ole">
+            <mc:AlternateContent xmlns:mc="http://schemas.openxmlformats.org/markup-compatibility/2006">
+              <mc:Choice xmlns:v="urn:schemas-microsoft-com:vml" Requires="v">
+                <p:oleObj spid="_x0000_s11499" name="AxMath" r:id="rId16" imgW="2278080" imgH="430920" progId="Equation.AxMath">
+                  <p:embed/>
+                </p:oleObj>
+              </mc:Choice>
+              <mc:Fallback>
+                <p:oleObj name="AxMath" r:id="rId16" imgW="2278080" imgH="430920" progId="Equation.AxMath">
+                  <p:embed/>
+                  <p:pic>
+                    <p:nvPicPr>
+                      <p:cNvPr id="31" name="对象 30">
+                        <a:extLst>
+                          <a:ext uri="{FF2B5EF4-FFF2-40B4-BE49-F238E27FC236}">
+                            <a16:creationId xmlns:a16="http://schemas.microsoft.com/office/drawing/2014/main" id="{A0164E3C-B4D0-4C37-AB77-96684E96555B}"/>
+                          </a:ext>
+                        </a:extLst>
+                      </p:cNvPr>
+                      <p:cNvPicPr/>
+                      <p:nvPr/>
+                    </p:nvPicPr>
+                    <p:blipFill>
+                      <a:blip r:embed="rId17"/>
+                      <a:stretch>
+                        <a:fillRect/>
+                      </a:stretch>
+                    </p:blipFill>
+                    <p:spPr>
+                      <a:xfrm>
+                        <a:off x="6552994" y="3232535"/>
+                        <a:ext cx="3240230" cy="611084"/>
+                      </a:xfrm>
+                      <a:prstGeom prst="rect">
+                        <a:avLst/>
+                      </a:prstGeom>
+                    </p:spPr>
+                  </p:pic>
+                </p:oleObj>
+              </mc:Fallback>
+            </mc:AlternateContent>
+          </a:graphicData>
+        </a:graphic>
+      </p:graphicFrame>
+      <p:grpSp>
+        <p:nvGrpSpPr>
+          <p:cNvPr id="52" name="组合 51">
+            <a:extLst>
+              <a:ext uri="{FF2B5EF4-FFF2-40B4-BE49-F238E27FC236}">
+                <a16:creationId xmlns:a16="http://schemas.microsoft.com/office/drawing/2014/main" id="{EC0D6756-A072-4893-B8E5-3D37312C9E48}"/>
+              </a:ext>
+            </a:extLst>
+          </p:cNvPr>
+          <p:cNvGrpSpPr/>
+          <p:nvPr/>
+        </p:nvGrpSpPr>
+        <p:grpSpPr>
+          <a:xfrm>
+            <a:off x="1683385" y="1172845"/>
+            <a:ext cx="9439275" cy="461645"/>
+            <a:chOff x="2501" y="7053"/>
+            <a:chExt cx="14865" cy="727"/>
+          </a:xfrm>
+        </p:grpSpPr>
+        <p:grpSp>
+          <p:nvGrpSpPr>
+            <p:cNvPr id="53" name="组合 52">
+              <a:extLst>
+                <a:ext uri="{FF2B5EF4-FFF2-40B4-BE49-F238E27FC236}">
+                  <a16:creationId xmlns:a16="http://schemas.microsoft.com/office/drawing/2014/main" id="{87DAFEB4-9336-4E78-91C1-9192B5BC5EDA}"/>
+                </a:ext>
+              </a:extLst>
+            </p:cNvPr>
+            <p:cNvGrpSpPr/>
+            <p:nvPr/>
+          </p:nvGrpSpPr>
+          <p:grpSpPr>
+            <a:xfrm>
+              <a:off x="2501" y="7159"/>
+              <a:ext cx="522" cy="510"/>
+              <a:chOff x="3085" y="2274"/>
+              <a:chExt cx="522" cy="510"/>
+            </a:xfrm>
+          </p:grpSpPr>
+          <p:sp>
+            <p:nvSpPr>
+              <p:cNvPr id="55" name="椭圆 54">
+                <a:extLst>
+                  <a:ext uri="{FF2B5EF4-FFF2-40B4-BE49-F238E27FC236}">
+                    <a16:creationId xmlns:a16="http://schemas.microsoft.com/office/drawing/2014/main" id="{84BC091E-EF7F-4A77-BDDD-1349B16D33EC}"/>
+                  </a:ext>
+                </a:extLst>
+              </p:cNvPr>
+              <p:cNvSpPr/>
+              <p:nvPr/>
+            </p:nvSpPr>
+            <p:spPr>
+              <a:xfrm>
+                <a:off x="3202" y="2387"/>
+                <a:ext cx="288" cy="286"/>
+              </a:xfrm>
+              <a:prstGeom prst="ellipse">
+                <a:avLst/>
+              </a:prstGeom>
+              <a:solidFill>
+                <a:srgbClr val="00B050"/>
+              </a:solidFill>
+              <a:ln>
+                <a:noFill/>
+              </a:ln>
+            </p:spPr>
+            <p:style>
+              <a:lnRef idx="2">
+                <a:schemeClr val="accent1">
+                  <a:shade val="50000"/>
+                </a:schemeClr>
+              </a:lnRef>
+              <a:fillRef idx="1">
+                <a:schemeClr val="accent1"/>
+              </a:fillRef>
+              <a:effectRef idx="0">
+                <a:schemeClr val="accent1"/>
+              </a:effectRef>
+              <a:fontRef idx="minor">
+                <a:schemeClr val="lt1"/>
+              </a:fontRef>
+            </p:style>
+            <p:txBody>
+              <a:bodyPr rtlCol="0" anchor="ctr"/>
+              <a:lstStyle/>
+              <a:p>
+                <a:pPr algn="ctr"/>
+                <a:endParaRPr lang="zh-CN" altLang="en-US"/>
+              </a:p>
+            </p:txBody>
+          </p:sp>
+          <p:sp>
+            <p:nvSpPr>
+              <p:cNvPr id="56" name="椭圆 55">
+                <a:extLst>
+                  <a:ext uri="{FF2B5EF4-FFF2-40B4-BE49-F238E27FC236}">
+                    <a16:creationId xmlns:a16="http://schemas.microsoft.com/office/drawing/2014/main" id="{2C67B4F1-CB6C-4467-966E-09DAABCF43D3}"/>
+                  </a:ext>
+                </a:extLst>
+              </p:cNvPr>
+              <p:cNvSpPr/>
+              <p:nvPr/>
+            </p:nvSpPr>
+            <p:spPr>
+              <a:xfrm>
+                <a:off x="3085" y="2274"/>
+                <a:ext cx="523" cy="511"/>
+              </a:xfrm>
+              <a:prstGeom prst="ellipse">
+                <a:avLst/>
+              </a:prstGeom>
+              <a:noFill/>
+              <a:ln w="47625" cmpd="sng">
+                <a:solidFill>
+                  <a:srgbClr val="00B050"/>
+                </a:solidFill>
+                <a:prstDash val="solid"/>
+              </a:ln>
+            </p:spPr>
+            <p:style>
+              <a:lnRef idx="2">
+                <a:schemeClr val="accent1">
+                  <a:shade val="50000"/>
+                </a:schemeClr>
+              </a:lnRef>
+              <a:fillRef idx="1">
+                <a:schemeClr val="accent1"/>
+              </a:fillRef>
+              <a:effectRef idx="0">
+                <a:schemeClr val="accent1"/>
+              </a:effectRef>
+              <a:fontRef idx="minor">
+                <a:schemeClr val="lt1"/>
+              </a:fontRef>
+            </p:style>
+            <p:txBody>
+              <a:bodyPr rtlCol="0" anchor="ctr"/>
+              <a:lstStyle/>
+              <a:p>
+                <a:pPr algn="ctr"/>
+                <a:endParaRPr lang="zh-CN" altLang="en-US"/>
+              </a:p>
+            </p:txBody>
+          </p:sp>
+        </p:grpSp>
+        <p:sp>
+          <p:nvSpPr>
+            <p:cNvPr id="54" name="文本框 53">
+              <a:extLst>
+                <a:ext uri="{FF2B5EF4-FFF2-40B4-BE49-F238E27FC236}">
+                  <a16:creationId xmlns:a16="http://schemas.microsoft.com/office/drawing/2014/main" id="{3FCBD75A-9EAE-449C-9388-E13B838C0E24}"/>
+                </a:ext>
+              </a:extLst>
+            </p:cNvPr>
+            <p:cNvSpPr txBox="1"/>
+            <p:nvPr/>
+          </p:nvSpPr>
+          <p:spPr>
+            <a:xfrm>
+              <a:off x="3237" y="7053"/>
+              <a:ext cx="14129" cy="727"/>
+            </a:xfrm>
+            <a:prstGeom prst="rect">
+              <a:avLst/>
+            </a:prstGeom>
+            <a:noFill/>
+          </p:spPr>
+          <p:txBody>
+            <a:bodyPr wrap="square" rtlCol="0" anchor="t">
+              <a:spAutoFit/>
+            </a:bodyPr>
+            <a:lstStyle/>
+            <a:p>
+              <a:r>
+                <a:rPr lang="zh-CN" altLang="en-US" sz="2400" dirty="0">
+                  <a:solidFill>
+                    <a:srgbClr val="FF0000"/>
+                  </a:solidFill>
+                </a:rPr>
+                <a:t>推导</a:t>
+              </a:r>
+            </a:p>
+          </p:txBody>
+        </p:sp>
+      </p:grpSp>
+      <p:graphicFrame>
+        <p:nvGraphicFramePr>
+          <p:cNvPr id="57" name="对象 56">
+            <a:extLst>
+              <a:ext uri="{FF2B5EF4-FFF2-40B4-BE49-F238E27FC236}">
+                <a16:creationId xmlns:a16="http://schemas.microsoft.com/office/drawing/2014/main" id="{0A8CC7BB-A019-4C30-B008-0910ADCDC962}"/>
+              </a:ext>
+            </a:extLst>
+          </p:cNvPr>
+          <p:cNvGraphicFramePr>
+            <a:graphicFrameLocks noChangeAspect="1"/>
+          </p:cNvGraphicFramePr>
+          <p:nvPr>
+            <p:extLst>
+              <p:ext uri="{D42A27DB-BD31-4B8C-83A1-F6EECF244321}">
+                <p14:modId xmlns:p14="http://schemas.microsoft.com/office/powerpoint/2010/main" val="1860041624"/>
+              </p:ext>
+            </p:extLst>
+          </p:nvPr>
+        </p:nvGraphicFramePr>
+        <p:xfrm>
+          <a:off x="2889874" y="1177854"/>
+          <a:ext cx="460635" cy="458850"/>
+        </p:xfrm>
+        <a:graphic>
+          <a:graphicData uri="http://schemas.openxmlformats.org/presentationml/2006/ole">
+            <mc:AlternateContent xmlns:mc="http://schemas.openxmlformats.org/markup-compatibility/2006">
+              <mc:Choice xmlns:v="urn:schemas-microsoft-com:vml" Requires="v">
+                <p:oleObj spid="_x0000_s11500" name="AxMath" r:id="rId18" imgW="286200" imgH="283680" progId="Equation.AxMath">
+                  <p:embed/>
+                </p:oleObj>
+              </mc:Choice>
+              <mc:Fallback>
+                <p:oleObj name="AxMath" r:id="rId18" imgW="286200" imgH="283680" progId="Equation.AxMath">
+                  <p:embed/>
+                  <p:pic>
+                    <p:nvPicPr>
+                      <p:cNvPr id="9" name="对象 8">
+                        <a:extLst>
+                          <a:ext uri="{FF2B5EF4-FFF2-40B4-BE49-F238E27FC236}">
+                            <a16:creationId xmlns:a16="http://schemas.microsoft.com/office/drawing/2014/main" id="{79F17E5B-F7B9-4173-8B22-C62E0B4901AA}"/>
+                          </a:ext>
+                        </a:extLst>
+                      </p:cNvPr>
+                      <p:cNvPicPr/>
+                      <p:nvPr/>
+                    </p:nvPicPr>
+                    <p:blipFill>
+                      <a:blip r:embed="rId19"/>
+                      <a:stretch>
+                        <a:fillRect/>
+                      </a:stretch>
+                    </p:blipFill>
+                    <p:spPr>
+                      <a:xfrm>
+                        <a:off x="2889874" y="1177854"/>
+                        <a:ext cx="460635" cy="458850"/>
+                      </a:xfrm>
+                      <a:prstGeom prst="rect">
+                        <a:avLst/>
+                      </a:prstGeom>
+                    </p:spPr>
+                  </p:pic>
+                </p:oleObj>
+              </mc:Fallback>
+            </mc:AlternateContent>
+          </a:graphicData>
+        </a:graphic>
+      </p:graphicFrame>
+    </p:spTree>
+    <p:extLst>
+      <p:ext uri="{BB962C8B-B14F-4D97-AF65-F5344CB8AC3E}">
+        <p14:creationId xmlns:p14="http://schemas.microsoft.com/office/powerpoint/2010/main" val="4176238676"/>
+      </p:ext>
+    </p:extLst>
+  </p:cSld>
+  <p:clrMapOvr>
+    <a:masterClrMapping/>
+  </p:clrMapOvr>
+</p:sld>
+</file>
+
+<file path=ppt/slides/slide28.xml><?xml version="1.0" encoding="utf-8"?>
+<p:sld xmlns:a="http://schemas.openxmlformats.org/drawingml/2006/main" xmlns:r="http://schemas.openxmlformats.org/officeDocument/2006/relationships" xmlns:p="http://schemas.openxmlformats.org/presentationml/2006/main">
+  <p:cSld>
+    <p:spTree>
+      <p:nvGrpSpPr>
+        <p:cNvPr id="1" name=""/>
+        <p:cNvGrpSpPr/>
+        <p:nvPr/>
+      </p:nvGrpSpPr>
+      <p:grpSpPr>
+        <a:xfrm>
+          <a:off x="0" y="0"/>
+          <a:ext cx="0" cy="0"/>
+          <a:chOff x="0" y="0"/>
+          <a:chExt cx="0" cy="0"/>
+        </a:xfrm>
+      </p:grpSpPr>
+      <p:grpSp>
+        <p:nvGrpSpPr>
+          <p:cNvPr id="6" name="组合 5"/>
+          <p:cNvGrpSpPr/>
+          <p:nvPr/>
+        </p:nvGrpSpPr>
+        <p:grpSpPr>
+          <a:xfrm>
+            <a:off x="-635" y="403860"/>
+            <a:ext cx="12176125" cy="817880"/>
+            <a:chOff x="-1" y="636"/>
+            <a:chExt cx="19175" cy="1288"/>
+          </a:xfrm>
+        </p:grpSpPr>
+        <p:cxnSp>
+          <p:nvCxnSpPr>
+            <p:cNvPr id="4" name="直接连接符 3"/>
+            <p:cNvCxnSpPr/>
+            <p:nvPr/>
+          </p:nvCxnSpPr>
+          <p:spPr>
+            <a:xfrm>
+              <a:off x="16841" y="1226"/>
+              <a:ext cx="2333" cy="5"/>
+            </a:xfrm>
+            <a:prstGeom prst="line">
+              <a:avLst/>
+            </a:prstGeom>
+            <a:ln w="22225" cmpd="sng">
+              <a:solidFill>
+                <a:schemeClr val="bg2"/>
+              </a:solidFill>
+              <a:prstDash val="solid"/>
+            </a:ln>
+          </p:spPr>
+          <p:style>
+            <a:lnRef idx="1">
+              <a:schemeClr val="accent3"/>
+            </a:lnRef>
+            <a:fillRef idx="0">
+              <a:schemeClr val="accent3"/>
+            </a:fillRef>
+            <a:effectRef idx="0">
+              <a:schemeClr val="accent3"/>
+            </a:effectRef>
+            <a:fontRef idx="minor">
+              <a:schemeClr val="tx1"/>
+            </a:fontRef>
+          </p:style>
+        </p:cxnSp>
+        <p:grpSp>
+          <p:nvGrpSpPr>
+            <p:cNvPr id="8" name="组合 7"/>
+            <p:cNvGrpSpPr/>
+            <p:nvPr/>
+          </p:nvGrpSpPr>
+          <p:grpSpPr>
+            <a:xfrm>
+              <a:off x="-1" y="636"/>
+              <a:ext cx="18268" cy="1288"/>
+              <a:chOff x="-1" y="636"/>
+              <a:chExt cx="18268" cy="1288"/>
+            </a:xfrm>
+          </p:grpSpPr>
+          <p:cxnSp>
+            <p:nvCxnSpPr>
+              <p:cNvPr id="5" name="直接连接符 4"/>
+              <p:cNvCxnSpPr/>
+              <p:nvPr/>
+            </p:nvCxnSpPr>
+            <p:spPr>
+              <a:xfrm flipV="1">
+                <a:off x="-1" y="1238"/>
+                <a:ext cx="3968" cy="7"/>
+              </a:xfrm>
+              <a:prstGeom prst="line">
+                <a:avLst/>
+              </a:prstGeom>
+              <a:ln w="22225" cmpd="sng">
+                <a:solidFill>
+                  <a:schemeClr val="bg2"/>
+                </a:solidFill>
+                <a:prstDash val="solid"/>
+              </a:ln>
+            </p:spPr>
+            <p:style>
+              <a:lnRef idx="1">
+                <a:schemeClr val="accent3"/>
+              </a:lnRef>
+              <a:fillRef idx="0">
+                <a:schemeClr val="accent3"/>
+              </a:fillRef>
+              <a:effectRef idx="0">
+                <a:schemeClr val="accent3"/>
+              </a:effectRef>
+              <a:fontRef idx="minor">
+                <a:schemeClr val="tx1"/>
+              </a:fontRef>
+            </p:style>
+          </p:cxnSp>
+          <p:sp>
+            <p:nvSpPr>
+              <p:cNvPr id="11" name="椭圆 10"/>
+              <p:cNvSpPr/>
+              <p:nvPr/>
+            </p:nvSpPr>
+            <p:spPr>
+              <a:xfrm>
+                <a:off x="1315" y="636"/>
+                <a:ext cx="1336" cy="1288"/>
+              </a:xfrm>
+              <a:prstGeom prst="ellipse">
+                <a:avLst/>
+              </a:prstGeom>
+              <a:solidFill>
+                <a:srgbClr val="00B050"/>
+              </a:solidFill>
+              <a:ln>
+                <a:noFill/>
+              </a:ln>
+            </p:spPr>
+            <p:style>
+              <a:lnRef idx="2">
+                <a:schemeClr val="accent1">
+                  <a:shade val="50000"/>
+                </a:schemeClr>
+              </a:lnRef>
+              <a:fillRef idx="1">
+                <a:schemeClr val="accent1"/>
+              </a:fillRef>
+              <a:effectRef idx="0">
+                <a:schemeClr val="accent1"/>
+              </a:effectRef>
+              <a:fontRef idx="minor">
+                <a:schemeClr val="lt1"/>
+              </a:fontRef>
+            </p:style>
+            <p:txBody>
+              <a:bodyPr rtlCol="0" anchor="ctr"/>
+              <a:lstStyle/>
+              <a:p>
+                <a:pPr algn="ctr"/>
+                <a:r>
+                  <a:rPr lang="en-US" altLang="zh-CN" sz="2800" dirty="0">
+                    <a:latin typeface="微软雅黑" panose="020B0503020204020204" charset="-122"/>
+                    <a:ea typeface="微软雅黑" panose="020B0503020204020204" charset="-122"/>
+                  </a:rPr>
+                  <a:t>28</a:t>
+                </a:r>
+              </a:p>
+            </p:txBody>
+          </p:sp>
+          <p:sp>
+            <p:nvSpPr>
+              <p:cNvPr id="7" name="文本框 6"/>
+              <p:cNvSpPr txBox="1"/>
+              <p:nvPr/>
+            </p:nvSpPr>
+            <p:spPr>
+              <a:xfrm>
+                <a:off x="4138" y="636"/>
+                <a:ext cx="14129" cy="1018"/>
+              </a:xfrm>
+              <a:prstGeom prst="rect">
+                <a:avLst/>
+              </a:prstGeom>
+              <a:noFill/>
+            </p:spPr>
+            <p:txBody>
+              <a:bodyPr wrap="square" rtlCol="0">
+                <a:spAutoFit/>
+              </a:bodyPr>
+              <a:lstStyle/>
+              <a:p>
+                <a:r>
+                  <a:rPr lang="en-US" altLang="zh-CN" sz="3600" b="1" dirty="0">
+                    <a:latin typeface="Arial" panose="020B0604020202020204" pitchFamily="34" charset="0"/>
+                  </a:rPr>
+                  <a:t>IMU </a:t>
+                </a:r>
+                <a:r>
+                  <a:rPr lang="en-US" altLang="zh-CN" sz="3600" b="1" dirty="0" err="1">
+                    <a:latin typeface="Arial" panose="020B0604020202020204" pitchFamily="34" charset="0"/>
+                  </a:rPr>
+                  <a:t>preintegration</a:t>
+                </a:r>
+                <a:r>
+                  <a:rPr lang="en-US" altLang="zh-CN" sz="3600" b="0" i="0" dirty="0">
+                    <a:effectLst/>
+                    <a:latin typeface="Arial" panose="020B0604020202020204" pitchFamily="34" charset="0"/>
+                  </a:rPr>
+                  <a:t> </a:t>
+                </a:r>
+                <a:endParaRPr lang="zh-CN" altLang="en-US" sz="3600" b="1" dirty="0">
+                  <a:sym typeface="+mn-ea"/>
+                </a:endParaRPr>
+              </a:p>
+            </p:txBody>
+          </p:sp>
+        </p:grpSp>
+      </p:grpSp>
+      <p:grpSp>
+        <p:nvGrpSpPr>
+          <p:cNvPr id="52" name="组合 51">
+            <a:extLst>
+              <a:ext uri="{FF2B5EF4-FFF2-40B4-BE49-F238E27FC236}">
+                <a16:creationId xmlns:a16="http://schemas.microsoft.com/office/drawing/2014/main" id="{EC0D6756-A072-4893-B8E5-3D37312C9E48}"/>
+              </a:ext>
+            </a:extLst>
+          </p:cNvPr>
+          <p:cNvGrpSpPr/>
+          <p:nvPr/>
+        </p:nvGrpSpPr>
+        <p:grpSpPr>
+          <a:xfrm>
+            <a:off x="1683385" y="1172845"/>
+            <a:ext cx="9439275" cy="461645"/>
+            <a:chOff x="2501" y="7053"/>
+            <a:chExt cx="14865" cy="727"/>
+          </a:xfrm>
+        </p:grpSpPr>
+        <p:grpSp>
+          <p:nvGrpSpPr>
+            <p:cNvPr id="53" name="组合 52">
+              <a:extLst>
+                <a:ext uri="{FF2B5EF4-FFF2-40B4-BE49-F238E27FC236}">
+                  <a16:creationId xmlns:a16="http://schemas.microsoft.com/office/drawing/2014/main" id="{87DAFEB4-9336-4E78-91C1-9192B5BC5EDA}"/>
+                </a:ext>
+              </a:extLst>
+            </p:cNvPr>
+            <p:cNvGrpSpPr/>
+            <p:nvPr/>
+          </p:nvGrpSpPr>
+          <p:grpSpPr>
+            <a:xfrm>
+              <a:off x="2501" y="7159"/>
+              <a:ext cx="522" cy="510"/>
+              <a:chOff x="3085" y="2274"/>
+              <a:chExt cx="522" cy="510"/>
+            </a:xfrm>
+          </p:grpSpPr>
+          <p:sp>
+            <p:nvSpPr>
+              <p:cNvPr id="55" name="椭圆 54">
+                <a:extLst>
+                  <a:ext uri="{FF2B5EF4-FFF2-40B4-BE49-F238E27FC236}">
+                    <a16:creationId xmlns:a16="http://schemas.microsoft.com/office/drawing/2014/main" id="{84BC091E-EF7F-4A77-BDDD-1349B16D33EC}"/>
+                  </a:ext>
+                </a:extLst>
+              </p:cNvPr>
+              <p:cNvSpPr/>
+              <p:nvPr/>
+            </p:nvSpPr>
+            <p:spPr>
+              <a:xfrm>
+                <a:off x="3202" y="2387"/>
+                <a:ext cx="288" cy="286"/>
+              </a:xfrm>
+              <a:prstGeom prst="ellipse">
+                <a:avLst/>
+              </a:prstGeom>
+              <a:solidFill>
+                <a:srgbClr val="00B050"/>
+              </a:solidFill>
+              <a:ln>
+                <a:noFill/>
+              </a:ln>
+            </p:spPr>
+            <p:style>
+              <a:lnRef idx="2">
+                <a:schemeClr val="accent1">
+                  <a:shade val="50000"/>
+                </a:schemeClr>
+              </a:lnRef>
+              <a:fillRef idx="1">
+                <a:schemeClr val="accent1"/>
+              </a:fillRef>
+              <a:effectRef idx="0">
+                <a:schemeClr val="accent1"/>
+              </a:effectRef>
+              <a:fontRef idx="minor">
+                <a:schemeClr val="lt1"/>
+              </a:fontRef>
+            </p:style>
+            <p:txBody>
+              <a:bodyPr rtlCol="0" anchor="ctr"/>
+              <a:lstStyle/>
+              <a:p>
+                <a:pPr algn="ctr"/>
+                <a:endParaRPr lang="zh-CN" altLang="en-US"/>
+              </a:p>
+            </p:txBody>
+          </p:sp>
+          <p:sp>
+            <p:nvSpPr>
+              <p:cNvPr id="56" name="椭圆 55">
+                <a:extLst>
+                  <a:ext uri="{FF2B5EF4-FFF2-40B4-BE49-F238E27FC236}">
+                    <a16:creationId xmlns:a16="http://schemas.microsoft.com/office/drawing/2014/main" id="{2C67B4F1-CB6C-4467-966E-09DAABCF43D3}"/>
+                  </a:ext>
+                </a:extLst>
+              </p:cNvPr>
+              <p:cNvSpPr/>
+              <p:nvPr/>
+            </p:nvSpPr>
+            <p:spPr>
+              <a:xfrm>
+                <a:off x="3085" y="2274"/>
+                <a:ext cx="523" cy="511"/>
+              </a:xfrm>
+              <a:prstGeom prst="ellipse">
+                <a:avLst/>
+              </a:prstGeom>
+              <a:noFill/>
+              <a:ln w="47625" cmpd="sng">
+                <a:solidFill>
+                  <a:srgbClr val="00B050"/>
+                </a:solidFill>
+                <a:prstDash val="solid"/>
+              </a:ln>
+            </p:spPr>
+            <p:style>
+              <a:lnRef idx="2">
+                <a:schemeClr val="accent1">
+                  <a:shade val="50000"/>
+                </a:schemeClr>
+              </a:lnRef>
+              <a:fillRef idx="1">
+                <a:schemeClr val="accent1"/>
+              </a:fillRef>
+              <a:effectRef idx="0">
+                <a:schemeClr val="accent1"/>
+              </a:effectRef>
+              <a:fontRef idx="minor">
+                <a:schemeClr val="lt1"/>
+              </a:fontRef>
+            </p:style>
+            <p:txBody>
+              <a:bodyPr rtlCol="0" anchor="ctr"/>
+              <a:lstStyle/>
+              <a:p>
+                <a:pPr algn="ctr"/>
+                <a:endParaRPr lang="zh-CN" altLang="en-US"/>
+              </a:p>
+            </p:txBody>
+          </p:sp>
+        </p:grpSp>
+        <p:sp>
+          <p:nvSpPr>
+            <p:cNvPr id="54" name="文本框 53">
+              <a:extLst>
+                <a:ext uri="{FF2B5EF4-FFF2-40B4-BE49-F238E27FC236}">
+                  <a16:creationId xmlns:a16="http://schemas.microsoft.com/office/drawing/2014/main" id="{3FCBD75A-9EAE-449C-9388-E13B838C0E24}"/>
+                </a:ext>
+              </a:extLst>
+            </p:cNvPr>
+            <p:cNvSpPr txBox="1"/>
+            <p:nvPr/>
+          </p:nvSpPr>
+          <p:spPr>
+            <a:xfrm>
+              <a:off x="3237" y="7053"/>
+              <a:ext cx="14129" cy="727"/>
+            </a:xfrm>
+            <a:prstGeom prst="rect">
+              <a:avLst/>
+            </a:prstGeom>
+            <a:noFill/>
+          </p:spPr>
+          <p:txBody>
+            <a:bodyPr wrap="square" rtlCol="0" anchor="t">
+              <a:spAutoFit/>
+            </a:bodyPr>
+            <a:lstStyle/>
+            <a:p>
+              <a:r>
+                <a:rPr lang="zh-CN" altLang="en-US" sz="2400" dirty="0">
+                  <a:solidFill>
+                    <a:srgbClr val="FF0000"/>
+                  </a:solidFill>
+                </a:rPr>
+                <a:t>推导</a:t>
+              </a:r>
+            </a:p>
+          </p:txBody>
+        </p:sp>
+      </p:grpSp>
+      <p:graphicFrame>
+        <p:nvGraphicFramePr>
+          <p:cNvPr id="57" name="对象 56">
+            <a:extLst>
+              <a:ext uri="{FF2B5EF4-FFF2-40B4-BE49-F238E27FC236}">
+                <a16:creationId xmlns:a16="http://schemas.microsoft.com/office/drawing/2014/main" id="{0A8CC7BB-A019-4C30-B008-0910ADCDC962}"/>
+              </a:ext>
+            </a:extLst>
+          </p:cNvPr>
+          <p:cNvGraphicFramePr>
+            <a:graphicFrameLocks noChangeAspect="1"/>
+          </p:cNvGraphicFramePr>
+          <p:nvPr>
+            <p:extLst>
+              <p:ext uri="{D42A27DB-BD31-4B8C-83A1-F6EECF244321}">
+                <p14:modId xmlns:p14="http://schemas.microsoft.com/office/powerpoint/2010/main" val="2632038694"/>
+              </p:ext>
+            </p:extLst>
+          </p:nvPr>
+        </p:nvGraphicFramePr>
+        <p:xfrm>
+          <a:off x="2905125" y="1189038"/>
+          <a:ext cx="430213" cy="434975"/>
+        </p:xfrm>
+        <a:graphic>
+          <a:graphicData uri="http://schemas.openxmlformats.org/presentationml/2006/ole">
+            <mc:AlternateContent xmlns:mc="http://schemas.openxmlformats.org/markup-compatibility/2006">
+              <mc:Choice xmlns:v="urn:schemas-microsoft-com:vml" Requires="v">
+                <p:oleObj spid="_x0000_s12390" name="AxMath" r:id="rId4" imgW="266040" imgH="270000" progId="Equation.AxMath">
+                  <p:embed/>
+                </p:oleObj>
+              </mc:Choice>
+              <mc:Fallback>
+                <p:oleObj name="AxMath" r:id="rId4" imgW="266040" imgH="270000" progId="Equation.AxMath">
+                  <p:embed/>
+                  <p:pic>
+                    <p:nvPicPr>
+                      <p:cNvPr id="57" name="对象 56">
+                        <a:extLst>
+                          <a:ext uri="{FF2B5EF4-FFF2-40B4-BE49-F238E27FC236}">
+                            <a16:creationId xmlns:a16="http://schemas.microsoft.com/office/drawing/2014/main" id="{0A8CC7BB-A019-4C30-B008-0910ADCDC962}"/>
+                          </a:ext>
+                        </a:extLst>
+                      </p:cNvPr>
+                      <p:cNvPicPr/>
+                      <p:nvPr/>
+                    </p:nvPicPr>
+                    <p:blipFill>
+                      <a:blip r:embed="rId5"/>
+                      <a:stretch>
+                        <a:fillRect/>
+                      </a:stretch>
+                    </p:blipFill>
+                    <p:spPr>
+                      <a:xfrm>
+                        <a:off x="2905125" y="1189038"/>
+                        <a:ext cx="430213" cy="434975"/>
+                      </a:xfrm>
+                      <a:prstGeom prst="rect">
+                        <a:avLst/>
+                      </a:prstGeom>
+                    </p:spPr>
+                  </p:pic>
+                </p:oleObj>
+              </mc:Fallback>
+            </mc:AlternateContent>
+          </a:graphicData>
+        </a:graphic>
+      </p:graphicFrame>
+      <p:graphicFrame>
+        <p:nvGraphicFramePr>
+          <p:cNvPr id="34" name="对象 33">
+            <a:extLst>
+              <a:ext uri="{FF2B5EF4-FFF2-40B4-BE49-F238E27FC236}">
+                <a16:creationId xmlns:a16="http://schemas.microsoft.com/office/drawing/2014/main" id="{166D7EDF-1FF3-4E1D-8604-A0F349C7C556}"/>
+              </a:ext>
+            </a:extLst>
+          </p:cNvPr>
+          <p:cNvGraphicFramePr>
+            <a:graphicFrameLocks noChangeAspect="1"/>
+          </p:cNvGraphicFramePr>
+          <p:nvPr>
+            <p:extLst>
+              <p:ext uri="{D42A27DB-BD31-4B8C-83A1-F6EECF244321}">
+                <p14:modId xmlns:p14="http://schemas.microsoft.com/office/powerpoint/2010/main" val="3115682063"/>
+              </p:ext>
+            </p:extLst>
+          </p:nvPr>
+        </p:nvGraphicFramePr>
+        <p:xfrm>
+          <a:off x="5276908" y="1375367"/>
+          <a:ext cx="1612900" cy="723900"/>
+        </p:xfrm>
+        <a:graphic>
+          <a:graphicData uri="http://schemas.openxmlformats.org/presentationml/2006/ole">
+            <mc:AlternateContent xmlns:mc="http://schemas.openxmlformats.org/markup-compatibility/2006">
+              <mc:Choice xmlns:v="urn:schemas-microsoft-com:vml" Requires="v">
+                <p:oleObj spid="_x0000_s12391" name="AxMath" r:id="rId6" imgW="999720" imgH="450000" progId="Equation.AxMath">
+                  <p:embed/>
+                </p:oleObj>
+              </mc:Choice>
+              <mc:Fallback>
+                <p:oleObj name="AxMath" r:id="rId6" imgW="999720" imgH="450000" progId="Equation.AxMath">
+                  <p:embed/>
+                  <p:pic>
+                    <p:nvPicPr>
+                      <p:cNvPr id="57" name="对象 56">
+                        <a:extLst>
+                          <a:ext uri="{FF2B5EF4-FFF2-40B4-BE49-F238E27FC236}">
+                            <a16:creationId xmlns:a16="http://schemas.microsoft.com/office/drawing/2014/main" id="{0A8CC7BB-A019-4C30-B008-0910ADCDC962}"/>
+                          </a:ext>
+                        </a:extLst>
+                      </p:cNvPr>
+                      <p:cNvPicPr/>
+                      <p:nvPr/>
+                    </p:nvPicPr>
+                    <p:blipFill>
+                      <a:blip r:embed="rId7"/>
+                      <a:stretch>
+                        <a:fillRect/>
+                      </a:stretch>
+                    </p:blipFill>
+                    <p:spPr>
+                      <a:xfrm>
+                        <a:off x="5276908" y="1375367"/>
+                        <a:ext cx="1612900" cy="723900"/>
+                      </a:xfrm>
+                      <a:prstGeom prst="rect">
+                        <a:avLst/>
+                      </a:prstGeom>
+                    </p:spPr>
+                  </p:pic>
+                </p:oleObj>
+              </mc:Fallback>
+            </mc:AlternateContent>
+          </a:graphicData>
+        </a:graphic>
+      </p:graphicFrame>
+      <p:sp>
+        <p:nvSpPr>
+          <p:cNvPr id="37" name="文本框 36">
+            <a:extLst>
+              <a:ext uri="{FF2B5EF4-FFF2-40B4-BE49-F238E27FC236}">
+                <a16:creationId xmlns:a16="http://schemas.microsoft.com/office/drawing/2014/main" id="{69B4B6C6-5DBA-44D3-88AB-73FB9D348FF3}"/>
+              </a:ext>
+            </a:extLst>
+          </p:cNvPr>
+          <p:cNvSpPr txBox="1"/>
+          <p:nvPr/>
+        </p:nvSpPr>
+        <p:spPr>
+          <a:xfrm>
+            <a:off x="2150745" y="2110209"/>
+            <a:ext cx="3550920" cy="369570"/>
+          </a:xfrm>
+          <a:prstGeom prst="rect">
+            <a:avLst/>
+          </a:prstGeom>
+          <a:noFill/>
+        </p:spPr>
+        <p:txBody>
+          <a:bodyPr wrap="square" rtlCol="0" anchor="t">
+            <a:spAutoFit/>
+          </a:bodyPr>
+          <a:lstStyle/>
+          <a:p>
+            <a:r>
+              <a:rPr lang="zh-CN" altLang="en-US" dirty="0"/>
+              <a:t>依据四元数的求导可得</a:t>
+            </a:r>
+          </a:p>
+        </p:txBody>
+      </p:sp>
+      <p:graphicFrame>
+        <p:nvGraphicFramePr>
+          <p:cNvPr id="39" name="对象 38">
+            <a:extLst>
+              <a:ext uri="{FF2B5EF4-FFF2-40B4-BE49-F238E27FC236}">
+                <a16:creationId xmlns:a16="http://schemas.microsoft.com/office/drawing/2014/main" id="{C8C47EC4-FCB8-4929-8A34-B274449C6FA6}"/>
+              </a:ext>
+            </a:extLst>
+          </p:cNvPr>
+          <p:cNvGraphicFramePr>
+            <a:graphicFrameLocks noChangeAspect="1"/>
+          </p:cNvGraphicFramePr>
+          <p:nvPr>
+            <p:extLst>
+              <p:ext uri="{D42A27DB-BD31-4B8C-83A1-F6EECF244321}">
+                <p14:modId xmlns:p14="http://schemas.microsoft.com/office/powerpoint/2010/main" val="708490256"/>
+              </p:ext>
+            </p:extLst>
+          </p:nvPr>
+        </p:nvGraphicFramePr>
+        <p:xfrm>
+          <a:off x="4854545" y="2481386"/>
+          <a:ext cx="3564313" cy="1896836"/>
+        </p:xfrm>
+        <a:graphic>
+          <a:graphicData uri="http://schemas.openxmlformats.org/presentationml/2006/ole">
+            <mc:AlternateContent xmlns:mc="http://schemas.openxmlformats.org/markup-compatibility/2006">
+              <mc:Choice xmlns:v="urn:schemas-microsoft-com:vml" Requires="v">
+                <p:oleObj spid="_x0000_s12392" name="AxMath" r:id="rId8" imgW="2662200" imgH="1418400" progId="Equation.AxMath">
+                  <p:embed/>
+                </p:oleObj>
+              </mc:Choice>
+              <mc:Fallback>
+                <p:oleObj name="AxMath" r:id="rId8" imgW="2662200" imgH="1418400" progId="Equation.AxMath">
+                  <p:embed/>
+                  <p:pic>
+                    <p:nvPicPr>
+                      <p:cNvPr id="34" name="对象 33">
+                        <a:extLst>
+                          <a:ext uri="{FF2B5EF4-FFF2-40B4-BE49-F238E27FC236}">
+                            <a16:creationId xmlns:a16="http://schemas.microsoft.com/office/drawing/2014/main" id="{166D7EDF-1FF3-4E1D-8604-A0F349C7C556}"/>
+                          </a:ext>
+                        </a:extLst>
+                      </p:cNvPr>
+                      <p:cNvPicPr/>
+                      <p:nvPr/>
+                    </p:nvPicPr>
+                    <p:blipFill>
+                      <a:blip r:embed="rId9"/>
+                      <a:stretch>
+                        <a:fillRect/>
+                      </a:stretch>
+                    </p:blipFill>
+                    <p:spPr>
+                      <a:xfrm>
+                        <a:off x="4854545" y="2481386"/>
+                        <a:ext cx="3564313" cy="1896836"/>
+                      </a:xfrm>
+                      <a:prstGeom prst="rect">
+                        <a:avLst/>
+                      </a:prstGeom>
+                    </p:spPr>
+                  </p:pic>
+                </p:oleObj>
+              </mc:Fallback>
+            </mc:AlternateContent>
+          </a:graphicData>
+        </a:graphic>
+      </p:graphicFrame>
+      <p:sp>
+        <p:nvSpPr>
+          <p:cNvPr id="40" name="文本框 39">
+            <a:extLst>
+              <a:ext uri="{FF2B5EF4-FFF2-40B4-BE49-F238E27FC236}">
+                <a16:creationId xmlns:a16="http://schemas.microsoft.com/office/drawing/2014/main" id="{CC7038A3-34C3-48CC-A691-6E619B240EAD}"/>
+              </a:ext>
+            </a:extLst>
+          </p:cNvPr>
+          <p:cNvSpPr txBox="1"/>
+          <p:nvPr/>
+        </p:nvSpPr>
+        <p:spPr>
+          <a:xfrm>
+            <a:off x="2150745" y="4431325"/>
+            <a:ext cx="3550920" cy="369570"/>
+          </a:xfrm>
+          <a:prstGeom prst="rect">
+            <a:avLst/>
+          </a:prstGeom>
+          <a:noFill/>
+        </p:spPr>
+        <p:txBody>
+          <a:bodyPr wrap="square" rtlCol="0" anchor="t">
+            <a:spAutoFit/>
+          </a:bodyPr>
+          <a:lstStyle/>
+          <a:p>
+            <a:r>
+              <a:rPr lang="zh-CN" altLang="en-US" dirty="0"/>
+              <a:t>根据导数的性质，可得</a:t>
+            </a:r>
+          </a:p>
+        </p:txBody>
+      </p:sp>
+      <p:graphicFrame>
+        <p:nvGraphicFramePr>
+          <p:cNvPr id="41" name="对象 40">
+            <a:extLst>
+              <a:ext uri="{FF2B5EF4-FFF2-40B4-BE49-F238E27FC236}">
+                <a16:creationId xmlns:a16="http://schemas.microsoft.com/office/drawing/2014/main" id="{008724C9-07F5-450D-8CB4-70188F92F291}"/>
+              </a:ext>
+            </a:extLst>
+          </p:cNvPr>
+          <p:cNvGraphicFramePr>
+            <a:graphicFrameLocks noChangeAspect="1"/>
+          </p:cNvGraphicFramePr>
+          <p:nvPr>
+            <p:extLst>
+              <p:ext uri="{D42A27DB-BD31-4B8C-83A1-F6EECF244321}">
+                <p14:modId xmlns:p14="http://schemas.microsoft.com/office/powerpoint/2010/main" val="420357289"/>
+              </p:ext>
+            </p:extLst>
+          </p:nvPr>
+        </p:nvGraphicFramePr>
+        <p:xfrm>
+          <a:off x="4854545" y="4860097"/>
+          <a:ext cx="3441700" cy="1536700"/>
+        </p:xfrm>
+        <a:graphic>
+          <a:graphicData uri="http://schemas.openxmlformats.org/presentationml/2006/ole">
+            <mc:AlternateContent xmlns:mc="http://schemas.openxmlformats.org/markup-compatibility/2006">
+              <mc:Choice xmlns:v="urn:schemas-microsoft-com:vml" Requires="v">
+                <p:oleObj spid="_x0000_s12393" name="AxMath" r:id="rId10" imgW="2572200" imgH="1148040" progId="Equation.AxMath">
+                  <p:embed/>
+                </p:oleObj>
+              </mc:Choice>
+              <mc:Fallback>
+                <p:oleObj name="AxMath" r:id="rId10" imgW="2572200" imgH="1148040" progId="Equation.AxMath">
+                  <p:embed/>
+                  <p:pic>
+                    <p:nvPicPr>
+                      <p:cNvPr id="39" name="对象 38">
+                        <a:extLst>
+                          <a:ext uri="{FF2B5EF4-FFF2-40B4-BE49-F238E27FC236}">
+                            <a16:creationId xmlns:a16="http://schemas.microsoft.com/office/drawing/2014/main" id="{C8C47EC4-FCB8-4929-8A34-B274449C6FA6}"/>
+                          </a:ext>
+                        </a:extLst>
+                      </p:cNvPr>
+                      <p:cNvPicPr/>
+                      <p:nvPr/>
+                    </p:nvPicPr>
+                    <p:blipFill>
+                      <a:blip r:embed="rId11"/>
+                      <a:stretch>
+                        <a:fillRect/>
+                      </a:stretch>
+                    </p:blipFill>
+                    <p:spPr>
+                      <a:xfrm>
+                        <a:off x="4854545" y="4860097"/>
+                        <a:ext cx="3441700" cy="1536700"/>
+                      </a:xfrm>
+                      <a:prstGeom prst="rect">
+                        <a:avLst/>
+                      </a:prstGeom>
+                    </p:spPr>
+                  </p:pic>
+                </p:oleObj>
+              </mc:Fallback>
+            </mc:AlternateContent>
+          </a:graphicData>
+        </a:graphic>
+      </p:graphicFrame>
+    </p:spTree>
+    <p:extLst>
+      <p:ext uri="{BB962C8B-B14F-4D97-AF65-F5344CB8AC3E}">
+        <p14:creationId xmlns:p14="http://schemas.microsoft.com/office/powerpoint/2010/main" val="465652121"/>
+      </p:ext>
+    </p:extLst>
+  </p:cSld>
+  <p:clrMapOvr>
+    <a:masterClrMapping/>
+  </p:clrMapOvr>
+</p:sld>
+</file>
+
+<file path=ppt/slides/slide29.xml><?xml version="1.0" encoding="utf-8"?>
+<p:sld xmlns:a="http://schemas.openxmlformats.org/drawingml/2006/main" xmlns:r="http://schemas.openxmlformats.org/officeDocument/2006/relationships" xmlns:p="http://schemas.openxmlformats.org/presentationml/2006/main">
+  <p:cSld>
+    <p:spTree>
+      <p:nvGrpSpPr>
+        <p:cNvPr id="1" name=""/>
+        <p:cNvGrpSpPr/>
+        <p:nvPr/>
+      </p:nvGrpSpPr>
+      <p:grpSpPr>
+        <a:xfrm>
+          <a:off x="0" y="0"/>
+          <a:ext cx="0" cy="0"/>
+          <a:chOff x="0" y="0"/>
+          <a:chExt cx="0" cy="0"/>
+        </a:xfrm>
+      </p:grpSpPr>
+      <p:grpSp>
+        <p:nvGrpSpPr>
+          <p:cNvPr id="6" name="组合 5"/>
+          <p:cNvGrpSpPr/>
+          <p:nvPr/>
+        </p:nvGrpSpPr>
+        <p:grpSpPr>
+          <a:xfrm>
+            <a:off x="-635" y="403860"/>
+            <a:ext cx="12176125" cy="817880"/>
+            <a:chOff x="-1" y="636"/>
+            <a:chExt cx="19175" cy="1288"/>
+          </a:xfrm>
+        </p:grpSpPr>
+        <p:cxnSp>
+          <p:nvCxnSpPr>
+            <p:cNvPr id="4" name="直接连接符 3"/>
+            <p:cNvCxnSpPr/>
+            <p:nvPr/>
+          </p:nvCxnSpPr>
+          <p:spPr>
+            <a:xfrm>
+              <a:off x="16841" y="1226"/>
+              <a:ext cx="2333" cy="5"/>
+            </a:xfrm>
+            <a:prstGeom prst="line">
+              <a:avLst/>
+            </a:prstGeom>
+            <a:ln w="22225" cmpd="sng">
+              <a:solidFill>
+                <a:schemeClr val="bg2"/>
+              </a:solidFill>
+              <a:prstDash val="solid"/>
+            </a:ln>
+          </p:spPr>
+          <p:style>
+            <a:lnRef idx="1">
+              <a:schemeClr val="accent3"/>
+            </a:lnRef>
+            <a:fillRef idx="0">
+              <a:schemeClr val="accent3"/>
+            </a:fillRef>
+            <a:effectRef idx="0">
+              <a:schemeClr val="accent3"/>
+            </a:effectRef>
+            <a:fontRef idx="minor">
+              <a:schemeClr val="tx1"/>
+            </a:fontRef>
+          </p:style>
+        </p:cxnSp>
+        <p:grpSp>
+          <p:nvGrpSpPr>
+            <p:cNvPr id="8" name="组合 7"/>
+            <p:cNvGrpSpPr/>
+            <p:nvPr/>
+          </p:nvGrpSpPr>
+          <p:grpSpPr>
+            <a:xfrm>
+              <a:off x="-1" y="636"/>
+              <a:ext cx="18268" cy="1288"/>
+              <a:chOff x="-1" y="636"/>
+              <a:chExt cx="18268" cy="1288"/>
+            </a:xfrm>
+          </p:grpSpPr>
+          <p:cxnSp>
+            <p:nvCxnSpPr>
+              <p:cNvPr id="5" name="直接连接符 4"/>
+              <p:cNvCxnSpPr/>
+              <p:nvPr/>
+            </p:nvCxnSpPr>
+            <p:spPr>
+              <a:xfrm flipV="1">
+                <a:off x="-1" y="1238"/>
+                <a:ext cx="3968" cy="7"/>
+              </a:xfrm>
+              <a:prstGeom prst="line">
+                <a:avLst/>
+              </a:prstGeom>
+              <a:ln w="22225" cmpd="sng">
+                <a:solidFill>
+                  <a:schemeClr val="bg2"/>
+                </a:solidFill>
+                <a:prstDash val="solid"/>
+              </a:ln>
+            </p:spPr>
+            <p:style>
+              <a:lnRef idx="1">
+                <a:schemeClr val="accent3"/>
+              </a:lnRef>
+              <a:fillRef idx="0">
+                <a:schemeClr val="accent3"/>
+              </a:fillRef>
+              <a:effectRef idx="0">
+                <a:schemeClr val="accent3"/>
+              </a:effectRef>
+              <a:fontRef idx="minor">
+                <a:schemeClr val="tx1"/>
+              </a:fontRef>
+            </p:style>
+          </p:cxnSp>
+          <p:sp>
+            <p:nvSpPr>
+              <p:cNvPr id="11" name="椭圆 10"/>
+              <p:cNvSpPr/>
+              <p:nvPr/>
+            </p:nvSpPr>
+            <p:spPr>
+              <a:xfrm>
+                <a:off x="1315" y="636"/>
+                <a:ext cx="1336" cy="1288"/>
+              </a:xfrm>
+              <a:prstGeom prst="ellipse">
+                <a:avLst/>
+              </a:prstGeom>
+              <a:solidFill>
+                <a:srgbClr val="00B050"/>
+              </a:solidFill>
+              <a:ln>
+                <a:noFill/>
+              </a:ln>
+            </p:spPr>
+            <p:style>
+              <a:lnRef idx="2">
+                <a:schemeClr val="accent1">
+                  <a:shade val="50000"/>
+                </a:schemeClr>
+              </a:lnRef>
+              <a:fillRef idx="1">
+                <a:schemeClr val="accent1"/>
+              </a:fillRef>
+              <a:effectRef idx="0">
+                <a:schemeClr val="accent1"/>
+              </a:effectRef>
+              <a:fontRef idx="minor">
+                <a:schemeClr val="lt1"/>
+              </a:fontRef>
+            </p:style>
+            <p:txBody>
+              <a:bodyPr rtlCol="0" anchor="ctr"/>
+              <a:lstStyle/>
+              <a:p>
+                <a:pPr algn="ctr"/>
+                <a:r>
+                  <a:rPr lang="en-US" altLang="zh-CN" sz="2800" dirty="0">
+                    <a:latin typeface="微软雅黑" panose="020B0503020204020204" charset="-122"/>
+                    <a:ea typeface="微软雅黑" panose="020B0503020204020204" charset="-122"/>
+                  </a:rPr>
+                  <a:t>29</a:t>
+                </a:r>
+              </a:p>
+            </p:txBody>
+          </p:sp>
+          <p:sp>
+            <p:nvSpPr>
+              <p:cNvPr id="7" name="文本框 6"/>
+              <p:cNvSpPr txBox="1"/>
+              <p:nvPr/>
+            </p:nvSpPr>
+            <p:spPr>
+              <a:xfrm>
+                <a:off x="4138" y="636"/>
+                <a:ext cx="14129" cy="1018"/>
+              </a:xfrm>
+              <a:prstGeom prst="rect">
+                <a:avLst/>
+              </a:prstGeom>
+              <a:noFill/>
+            </p:spPr>
+            <p:txBody>
+              <a:bodyPr wrap="square" rtlCol="0">
+                <a:spAutoFit/>
+              </a:bodyPr>
+              <a:lstStyle/>
+              <a:p>
+                <a:r>
+                  <a:rPr lang="en-US" altLang="zh-CN" sz="3600" b="1" dirty="0">
+                    <a:latin typeface="Arial" panose="020B0604020202020204" pitchFamily="34" charset="0"/>
+                  </a:rPr>
+                  <a:t>IMU </a:t>
+                </a:r>
+                <a:r>
+                  <a:rPr lang="en-US" altLang="zh-CN" sz="3600" b="1" dirty="0" err="1">
+                    <a:latin typeface="Arial" panose="020B0604020202020204" pitchFamily="34" charset="0"/>
+                  </a:rPr>
+                  <a:t>preintegration</a:t>
+                </a:r>
+                <a:r>
+                  <a:rPr lang="en-US" altLang="zh-CN" sz="3600" b="0" i="0" dirty="0">
+                    <a:effectLst/>
+                    <a:latin typeface="Arial" panose="020B0604020202020204" pitchFamily="34" charset="0"/>
+                  </a:rPr>
+                  <a:t> </a:t>
+                </a:r>
+                <a:endParaRPr lang="zh-CN" altLang="en-US" sz="3600" b="1" dirty="0">
+                  <a:sym typeface="+mn-ea"/>
+                </a:endParaRPr>
+              </a:p>
+            </p:txBody>
+          </p:sp>
+        </p:grpSp>
+      </p:grpSp>
+      <p:sp>
+        <p:nvSpPr>
+          <p:cNvPr id="37" name="文本框 36">
+            <a:extLst>
+              <a:ext uri="{FF2B5EF4-FFF2-40B4-BE49-F238E27FC236}">
+                <a16:creationId xmlns:a16="http://schemas.microsoft.com/office/drawing/2014/main" id="{69B4B6C6-5DBA-44D3-88AB-73FB9D348FF3}"/>
+              </a:ext>
+            </a:extLst>
+          </p:cNvPr>
+          <p:cNvSpPr txBox="1"/>
+          <p:nvPr/>
+        </p:nvSpPr>
+        <p:spPr>
+          <a:xfrm>
+            <a:off x="1683385" y="1258316"/>
+            <a:ext cx="3550920" cy="369570"/>
+          </a:xfrm>
+          <a:prstGeom prst="rect">
+            <a:avLst/>
+          </a:prstGeom>
+          <a:noFill/>
+        </p:spPr>
+        <p:txBody>
+          <a:bodyPr wrap="square" rtlCol="0" anchor="t">
+            <a:spAutoFit/>
+          </a:bodyPr>
+          <a:lstStyle/>
+          <a:p>
+            <a:r>
+              <a:rPr lang="zh-CN" altLang="en-US" dirty="0"/>
+              <a:t>综合上式，可得</a:t>
+            </a:r>
+          </a:p>
+        </p:txBody>
+      </p:sp>
+      <p:graphicFrame>
+        <p:nvGraphicFramePr>
+          <p:cNvPr id="19" name="对象 18">
+            <a:extLst>
+              <a:ext uri="{FF2B5EF4-FFF2-40B4-BE49-F238E27FC236}">
+                <a16:creationId xmlns:a16="http://schemas.microsoft.com/office/drawing/2014/main" id="{B3AA01E8-E51E-4D56-A908-DDE7622AC527}"/>
+              </a:ext>
+            </a:extLst>
+          </p:cNvPr>
+          <p:cNvGraphicFramePr>
+            <a:graphicFrameLocks noChangeAspect="1"/>
+          </p:cNvGraphicFramePr>
+          <p:nvPr>
+            <p:extLst>
+              <p:ext uri="{D42A27DB-BD31-4B8C-83A1-F6EECF244321}">
+                <p14:modId xmlns:p14="http://schemas.microsoft.com/office/powerpoint/2010/main" val="699736407"/>
+              </p:ext>
+            </p:extLst>
+          </p:nvPr>
+        </p:nvGraphicFramePr>
+        <p:xfrm>
+          <a:off x="3779033" y="1646174"/>
+          <a:ext cx="6669108" cy="5403850"/>
+        </p:xfrm>
+        <a:graphic>
+          <a:graphicData uri="http://schemas.openxmlformats.org/presentationml/2006/ole">
+            <mc:AlternateContent xmlns:mc="http://schemas.openxmlformats.org/markup-compatibility/2006">
+              <mc:Choice xmlns:v="urn:schemas-microsoft-com:vml" Requires="v">
+                <p:oleObj spid="_x0000_s13330" name="AxMath" r:id="rId4" imgW="5747400" imgH="4654080" progId="Equation.AxMath">
+                  <p:embed/>
+                </p:oleObj>
+              </mc:Choice>
+              <mc:Fallback>
+                <p:oleObj name="AxMath" r:id="rId4" imgW="5747400" imgH="4654080" progId="Equation.AxMath">
+                  <p:embed/>
+                  <p:pic>
+                    <p:nvPicPr>
+                      <p:cNvPr id="41" name="对象 40">
+                        <a:extLst>
+                          <a:ext uri="{FF2B5EF4-FFF2-40B4-BE49-F238E27FC236}">
+                            <a16:creationId xmlns:a16="http://schemas.microsoft.com/office/drawing/2014/main" id="{008724C9-07F5-450D-8CB4-70188F92F291}"/>
+                          </a:ext>
+                        </a:extLst>
+                      </p:cNvPr>
+                      <p:cNvPicPr/>
+                      <p:nvPr/>
+                    </p:nvPicPr>
+                    <p:blipFill>
+                      <a:blip r:embed="rId5"/>
+                      <a:stretch>
+                        <a:fillRect/>
+                      </a:stretch>
+                    </p:blipFill>
+                    <p:spPr>
+                      <a:xfrm>
+                        <a:off x="3779033" y="1646174"/>
+                        <a:ext cx="6669108" cy="5403850"/>
+                      </a:xfrm>
+                      <a:prstGeom prst="rect">
+                        <a:avLst/>
+                      </a:prstGeom>
+                    </p:spPr>
+                  </p:pic>
+                </p:oleObj>
+              </mc:Fallback>
+            </mc:AlternateContent>
+          </a:graphicData>
+        </a:graphic>
+      </p:graphicFrame>
+    </p:spTree>
+    <p:extLst>
+      <p:ext uri="{BB962C8B-B14F-4D97-AF65-F5344CB8AC3E}">
+        <p14:creationId xmlns:p14="http://schemas.microsoft.com/office/powerpoint/2010/main" val="218490616"/>
+      </p:ext>
+    </p:extLst>
   </p:cSld>
   <p:clrMapOvr>
     <a:masterClrMapping/>
@@ -12574,6 +18042,1373 @@
           </a:p>
         </p:txBody>
       </p:sp>
+    </p:spTree>
+  </p:cSld>
+  <p:clrMapOvr>
+    <a:masterClrMapping/>
+  </p:clrMapOvr>
+</p:sld>
+</file>
+
+<file path=ppt/slides/slide30.xml><?xml version="1.0" encoding="utf-8"?>
+<p:sld xmlns:a="http://schemas.openxmlformats.org/drawingml/2006/main" xmlns:r="http://schemas.openxmlformats.org/officeDocument/2006/relationships" xmlns:p="http://schemas.openxmlformats.org/presentationml/2006/main">
+  <p:cSld>
+    <p:spTree>
+      <p:nvGrpSpPr>
+        <p:cNvPr id="1" name=""/>
+        <p:cNvGrpSpPr/>
+        <p:nvPr/>
+      </p:nvGrpSpPr>
+      <p:grpSpPr>
+        <a:xfrm>
+          <a:off x="0" y="0"/>
+          <a:ext cx="0" cy="0"/>
+          <a:chOff x="0" y="0"/>
+          <a:chExt cx="0" cy="0"/>
+        </a:xfrm>
+      </p:grpSpPr>
+      <p:grpSp>
+        <p:nvGrpSpPr>
+          <p:cNvPr id="6" name="组合 5"/>
+          <p:cNvGrpSpPr/>
+          <p:nvPr/>
+        </p:nvGrpSpPr>
+        <p:grpSpPr>
+          <a:xfrm>
+            <a:off x="-635" y="403860"/>
+            <a:ext cx="12176125" cy="817880"/>
+            <a:chOff x="-1" y="636"/>
+            <a:chExt cx="19175" cy="1288"/>
+          </a:xfrm>
+        </p:grpSpPr>
+        <p:cxnSp>
+          <p:nvCxnSpPr>
+            <p:cNvPr id="4" name="直接连接符 3"/>
+            <p:cNvCxnSpPr/>
+            <p:nvPr/>
+          </p:nvCxnSpPr>
+          <p:spPr>
+            <a:xfrm>
+              <a:off x="16841" y="1226"/>
+              <a:ext cx="2333" cy="5"/>
+            </a:xfrm>
+            <a:prstGeom prst="line">
+              <a:avLst/>
+            </a:prstGeom>
+            <a:ln w="22225" cmpd="sng">
+              <a:solidFill>
+                <a:schemeClr val="bg2"/>
+              </a:solidFill>
+              <a:prstDash val="solid"/>
+            </a:ln>
+          </p:spPr>
+          <p:style>
+            <a:lnRef idx="1">
+              <a:schemeClr val="accent3"/>
+            </a:lnRef>
+            <a:fillRef idx="0">
+              <a:schemeClr val="accent3"/>
+            </a:fillRef>
+            <a:effectRef idx="0">
+              <a:schemeClr val="accent3"/>
+            </a:effectRef>
+            <a:fontRef idx="minor">
+              <a:schemeClr val="tx1"/>
+            </a:fontRef>
+          </p:style>
+        </p:cxnSp>
+        <p:grpSp>
+          <p:nvGrpSpPr>
+            <p:cNvPr id="8" name="组合 7"/>
+            <p:cNvGrpSpPr/>
+            <p:nvPr/>
+          </p:nvGrpSpPr>
+          <p:grpSpPr>
+            <a:xfrm>
+              <a:off x="-1" y="636"/>
+              <a:ext cx="18268" cy="1288"/>
+              <a:chOff x="-1" y="636"/>
+              <a:chExt cx="18268" cy="1288"/>
+            </a:xfrm>
+          </p:grpSpPr>
+          <p:cxnSp>
+            <p:nvCxnSpPr>
+              <p:cNvPr id="5" name="直接连接符 4"/>
+              <p:cNvCxnSpPr/>
+              <p:nvPr/>
+            </p:nvCxnSpPr>
+            <p:spPr>
+              <a:xfrm flipV="1">
+                <a:off x="-1" y="1238"/>
+                <a:ext cx="3968" cy="7"/>
+              </a:xfrm>
+              <a:prstGeom prst="line">
+                <a:avLst/>
+              </a:prstGeom>
+              <a:ln w="22225" cmpd="sng">
+                <a:solidFill>
+                  <a:schemeClr val="bg2"/>
+                </a:solidFill>
+                <a:prstDash val="solid"/>
+              </a:ln>
+            </p:spPr>
+            <p:style>
+              <a:lnRef idx="1">
+                <a:schemeClr val="accent3"/>
+              </a:lnRef>
+              <a:fillRef idx="0">
+                <a:schemeClr val="accent3"/>
+              </a:fillRef>
+              <a:effectRef idx="0">
+                <a:schemeClr val="accent3"/>
+              </a:effectRef>
+              <a:fontRef idx="minor">
+                <a:schemeClr val="tx1"/>
+              </a:fontRef>
+            </p:style>
+          </p:cxnSp>
+          <p:sp>
+            <p:nvSpPr>
+              <p:cNvPr id="11" name="椭圆 10"/>
+              <p:cNvSpPr/>
+              <p:nvPr/>
+            </p:nvSpPr>
+            <p:spPr>
+              <a:xfrm>
+                <a:off x="1315" y="636"/>
+                <a:ext cx="1336" cy="1288"/>
+              </a:xfrm>
+              <a:prstGeom prst="ellipse">
+                <a:avLst/>
+              </a:prstGeom>
+              <a:solidFill>
+                <a:srgbClr val="00B050"/>
+              </a:solidFill>
+              <a:ln>
+                <a:noFill/>
+              </a:ln>
+            </p:spPr>
+            <p:style>
+              <a:lnRef idx="2">
+                <a:schemeClr val="accent1">
+                  <a:shade val="50000"/>
+                </a:schemeClr>
+              </a:lnRef>
+              <a:fillRef idx="1">
+                <a:schemeClr val="accent1"/>
+              </a:fillRef>
+              <a:effectRef idx="0">
+                <a:schemeClr val="accent1"/>
+              </a:effectRef>
+              <a:fontRef idx="minor">
+                <a:schemeClr val="lt1"/>
+              </a:fontRef>
+            </p:style>
+            <p:txBody>
+              <a:bodyPr rtlCol="0" anchor="ctr"/>
+              <a:lstStyle/>
+              <a:p>
+                <a:pPr algn="ctr"/>
+                <a:r>
+                  <a:rPr lang="en-US" altLang="zh-CN" sz="2800" dirty="0">
+                    <a:latin typeface="微软雅黑" panose="020B0503020204020204" charset="-122"/>
+                    <a:ea typeface="微软雅黑" panose="020B0503020204020204" charset="-122"/>
+                  </a:rPr>
+                  <a:t>30</a:t>
+                </a:r>
+              </a:p>
+            </p:txBody>
+          </p:sp>
+          <p:sp>
+            <p:nvSpPr>
+              <p:cNvPr id="7" name="文本框 6"/>
+              <p:cNvSpPr txBox="1"/>
+              <p:nvPr/>
+            </p:nvSpPr>
+            <p:spPr>
+              <a:xfrm>
+                <a:off x="4138" y="636"/>
+                <a:ext cx="14129" cy="1018"/>
+              </a:xfrm>
+              <a:prstGeom prst="rect">
+                <a:avLst/>
+              </a:prstGeom>
+              <a:noFill/>
+            </p:spPr>
+            <p:txBody>
+              <a:bodyPr wrap="square" rtlCol="0">
+                <a:spAutoFit/>
+              </a:bodyPr>
+              <a:lstStyle/>
+              <a:p>
+                <a:r>
+                  <a:rPr lang="en-US" altLang="zh-CN" sz="3600" b="1" dirty="0">
+                    <a:latin typeface="Arial" panose="020B0604020202020204" pitchFamily="34" charset="0"/>
+                  </a:rPr>
+                  <a:t>IMU </a:t>
+                </a:r>
+                <a:r>
+                  <a:rPr lang="en-US" altLang="zh-CN" sz="3600" b="1" dirty="0" err="1">
+                    <a:latin typeface="Arial" panose="020B0604020202020204" pitchFamily="34" charset="0"/>
+                  </a:rPr>
+                  <a:t>preintegration</a:t>
+                </a:r>
+                <a:r>
+                  <a:rPr lang="en-US" altLang="zh-CN" sz="3600" b="0" i="0" dirty="0">
+                    <a:effectLst/>
+                    <a:latin typeface="Arial" panose="020B0604020202020204" pitchFamily="34" charset="0"/>
+                  </a:rPr>
+                  <a:t> </a:t>
+                </a:r>
+                <a:endParaRPr lang="zh-CN" altLang="en-US" sz="3600" b="1" dirty="0">
+                  <a:sym typeface="+mn-ea"/>
+                </a:endParaRPr>
+              </a:p>
+            </p:txBody>
+          </p:sp>
+        </p:grpSp>
+      </p:grpSp>
+      <p:sp>
+        <p:nvSpPr>
+          <p:cNvPr id="37" name="文本框 36">
+            <a:extLst>
+              <a:ext uri="{FF2B5EF4-FFF2-40B4-BE49-F238E27FC236}">
+                <a16:creationId xmlns:a16="http://schemas.microsoft.com/office/drawing/2014/main" id="{69B4B6C6-5DBA-44D3-88AB-73FB9D348FF3}"/>
+              </a:ext>
+            </a:extLst>
+          </p:cNvPr>
+          <p:cNvSpPr txBox="1"/>
+          <p:nvPr/>
+        </p:nvSpPr>
+        <p:spPr>
+          <a:xfrm>
+            <a:off x="1683385" y="1258316"/>
+            <a:ext cx="5246804" cy="369332"/>
+          </a:xfrm>
+          <a:prstGeom prst="rect">
+            <a:avLst/>
+          </a:prstGeom>
+          <a:noFill/>
+        </p:spPr>
+        <p:txBody>
+          <a:bodyPr wrap="square" rtlCol="0" anchor="t">
+            <a:spAutoFit/>
+          </a:bodyPr>
+          <a:lstStyle/>
+          <a:p>
+            <a:r>
+              <a:rPr lang="zh-CN" altLang="en-US" dirty="0"/>
+              <a:t>根据导数的定义可得下一时刻的误差为</a:t>
+            </a:r>
+          </a:p>
+        </p:txBody>
+      </p:sp>
+      <p:graphicFrame>
+        <p:nvGraphicFramePr>
+          <p:cNvPr id="19" name="对象 18">
+            <a:extLst>
+              <a:ext uri="{FF2B5EF4-FFF2-40B4-BE49-F238E27FC236}">
+                <a16:creationId xmlns:a16="http://schemas.microsoft.com/office/drawing/2014/main" id="{B3AA01E8-E51E-4D56-A908-DDE7622AC527}"/>
+              </a:ext>
+            </a:extLst>
+          </p:cNvPr>
+          <p:cNvGraphicFramePr>
+            <a:graphicFrameLocks noChangeAspect="1"/>
+          </p:cNvGraphicFramePr>
+          <p:nvPr>
+            <p:extLst>
+              <p:ext uri="{D42A27DB-BD31-4B8C-83A1-F6EECF244321}">
+                <p14:modId xmlns:p14="http://schemas.microsoft.com/office/powerpoint/2010/main" val="3987079884"/>
+              </p:ext>
+            </p:extLst>
+          </p:nvPr>
+        </p:nvGraphicFramePr>
+        <p:xfrm>
+          <a:off x="4306787" y="1835674"/>
+          <a:ext cx="5016500" cy="1704975"/>
+        </p:xfrm>
+        <a:graphic>
+          <a:graphicData uri="http://schemas.openxmlformats.org/presentationml/2006/ole">
+            <mc:AlternateContent xmlns:mc="http://schemas.openxmlformats.org/markup-compatibility/2006">
+              <mc:Choice xmlns:v="urn:schemas-microsoft-com:vml" Requires="v">
+                <p:oleObj spid="_x0000_s14375" name="AxMath" r:id="rId4" imgW="4325040" imgH="1468440" progId="Equation.AxMath">
+                  <p:embed/>
+                </p:oleObj>
+              </mc:Choice>
+              <mc:Fallback>
+                <p:oleObj name="AxMath" r:id="rId4" imgW="4325040" imgH="1468440" progId="Equation.AxMath">
+                  <p:embed/>
+                  <p:pic>
+                    <p:nvPicPr>
+                      <p:cNvPr id="19" name="对象 18">
+                        <a:extLst>
+                          <a:ext uri="{FF2B5EF4-FFF2-40B4-BE49-F238E27FC236}">
+                            <a16:creationId xmlns:a16="http://schemas.microsoft.com/office/drawing/2014/main" id="{B3AA01E8-E51E-4D56-A908-DDE7622AC527}"/>
+                          </a:ext>
+                        </a:extLst>
+                      </p:cNvPr>
+                      <p:cNvPicPr/>
+                      <p:nvPr/>
+                    </p:nvPicPr>
+                    <p:blipFill>
+                      <a:blip r:embed="rId5"/>
+                      <a:stretch>
+                        <a:fillRect/>
+                      </a:stretch>
+                    </p:blipFill>
+                    <p:spPr>
+                      <a:xfrm>
+                        <a:off x="4306787" y="1835674"/>
+                        <a:ext cx="5016500" cy="1704975"/>
+                      </a:xfrm>
+                      <a:prstGeom prst="rect">
+                        <a:avLst/>
+                      </a:prstGeom>
+                    </p:spPr>
+                  </p:pic>
+                </p:oleObj>
+              </mc:Fallback>
+            </mc:AlternateContent>
+          </a:graphicData>
+        </a:graphic>
+      </p:graphicFrame>
+      <p:sp>
+        <p:nvSpPr>
+          <p:cNvPr id="10" name="文本框 9">
+            <a:extLst>
+              <a:ext uri="{FF2B5EF4-FFF2-40B4-BE49-F238E27FC236}">
+                <a16:creationId xmlns:a16="http://schemas.microsoft.com/office/drawing/2014/main" id="{38346125-A7E9-46B3-8630-CA7D654B3271}"/>
+              </a:ext>
+            </a:extLst>
+          </p:cNvPr>
+          <p:cNvSpPr txBox="1"/>
+          <p:nvPr/>
+        </p:nvSpPr>
+        <p:spPr>
+          <a:xfrm>
+            <a:off x="1683385" y="3664310"/>
+            <a:ext cx="5246804" cy="369332"/>
+          </a:xfrm>
+          <a:prstGeom prst="rect">
+            <a:avLst/>
+          </a:prstGeom>
+          <a:noFill/>
+        </p:spPr>
+        <p:txBody>
+          <a:bodyPr wrap="square" rtlCol="0" anchor="t">
+            <a:spAutoFit/>
+          </a:bodyPr>
+          <a:lstStyle/>
+          <a:p>
+            <a:r>
+              <a:rPr lang="zh-CN" altLang="en-US" dirty="0"/>
+              <a:t>同样也已知了速度误差导数的连续形式为</a:t>
+            </a:r>
+          </a:p>
+        </p:txBody>
+      </p:sp>
+      <p:graphicFrame>
+        <p:nvGraphicFramePr>
+          <p:cNvPr id="12" name="对象 11">
+            <a:extLst>
+              <a:ext uri="{FF2B5EF4-FFF2-40B4-BE49-F238E27FC236}">
+                <a16:creationId xmlns:a16="http://schemas.microsoft.com/office/drawing/2014/main" id="{B0CF79F9-A321-4FD5-84B7-731C18FBE051}"/>
+              </a:ext>
+            </a:extLst>
+          </p:cNvPr>
+          <p:cNvGraphicFramePr>
+            <a:graphicFrameLocks noChangeAspect="1"/>
+          </p:cNvGraphicFramePr>
+          <p:nvPr>
+            <p:extLst>
+              <p:ext uri="{D42A27DB-BD31-4B8C-83A1-F6EECF244321}">
+                <p14:modId xmlns:p14="http://schemas.microsoft.com/office/powerpoint/2010/main" val="3800707586"/>
+              </p:ext>
+            </p:extLst>
+          </p:nvPr>
+        </p:nvGraphicFramePr>
+        <p:xfrm>
+          <a:off x="5135563" y="4325938"/>
+          <a:ext cx="3914775" cy="369887"/>
+        </p:xfrm>
+        <a:graphic>
+          <a:graphicData uri="http://schemas.openxmlformats.org/presentationml/2006/ole">
+            <mc:AlternateContent xmlns:mc="http://schemas.openxmlformats.org/markup-compatibility/2006">
+              <mc:Choice xmlns:v="urn:schemas-microsoft-com:vml" Requires="v">
+                <p:oleObj spid="_x0000_s14376" name="AxMath" r:id="rId6" imgW="3016080" imgH="283680" progId="Equation.AxMath">
+                  <p:embed/>
+                </p:oleObj>
+              </mc:Choice>
+              <mc:Fallback>
+                <p:oleObj name="AxMath" r:id="rId6" imgW="3016080" imgH="283680" progId="Equation.AxMath">
+                  <p:embed/>
+                  <p:pic>
+                    <p:nvPicPr>
+                      <p:cNvPr id="44" name="对象 43">
+                        <a:extLst>
+                          <a:ext uri="{FF2B5EF4-FFF2-40B4-BE49-F238E27FC236}">
+                            <a16:creationId xmlns:a16="http://schemas.microsoft.com/office/drawing/2014/main" id="{B765A1EB-E642-4B5E-8F7C-84267854F75B}"/>
+                          </a:ext>
+                        </a:extLst>
+                      </p:cNvPr>
+                      <p:cNvPicPr/>
+                      <p:nvPr/>
+                    </p:nvPicPr>
+                    <p:blipFill>
+                      <a:blip r:embed="rId7"/>
+                      <a:stretch>
+                        <a:fillRect/>
+                      </a:stretch>
+                    </p:blipFill>
+                    <p:spPr>
+                      <a:xfrm>
+                        <a:off x="5135563" y="4325938"/>
+                        <a:ext cx="3914775" cy="369887"/>
+                      </a:xfrm>
+                      <a:prstGeom prst="rect">
+                        <a:avLst/>
+                      </a:prstGeom>
+                    </p:spPr>
+                  </p:pic>
+                </p:oleObj>
+              </mc:Fallback>
+            </mc:AlternateContent>
+          </a:graphicData>
+        </a:graphic>
+      </p:graphicFrame>
+      <p:sp>
+        <p:nvSpPr>
+          <p:cNvPr id="13" name="文本框 12">
+            <a:extLst>
+              <a:ext uri="{FF2B5EF4-FFF2-40B4-BE49-F238E27FC236}">
+                <a16:creationId xmlns:a16="http://schemas.microsoft.com/office/drawing/2014/main" id="{1B83BEC7-BBA8-4F50-B288-A1CF6B74AA1D}"/>
+              </a:ext>
+            </a:extLst>
+          </p:cNvPr>
+          <p:cNvSpPr txBox="1"/>
+          <p:nvPr/>
+        </p:nvSpPr>
+        <p:spPr>
+          <a:xfrm>
+            <a:off x="1683385" y="4988121"/>
+            <a:ext cx="5246804" cy="369332"/>
+          </a:xfrm>
+          <a:prstGeom prst="rect">
+            <a:avLst/>
+          </a:prstGeom>
+          <a:noFill/>
+        </p:spPr>
+        <p:txBody>
+          <a:bodyPr wrap="square" rtlCol="0" anchor="t">
+            <a:spAutoFit/>
+          </a:bodyPr>
+          <a:lstStyle/>
+          <a:p>
+            <a:r>
+              <a:rPr lang="zh-CN" altLang="en-US" dirty="0"/>
+              <a:t>根据中值法，可得其离散形式为</a:t>
+            </a:r>
+          </a:p>
+        </p:txBody>
+      </p:sp>
+      <p:graphicFrame>
+        <p:nvGraphicFramePr>
+          <p:cNvPr id="15" name="对象 14">
+            <a:extLst>
+              <a:ext uri="{FF2B5EF4-FFF2-40B4-BE49-F238E27FC236}">
+                <a16:creationId xmlns:a16="http://schemas.microsoft.com/office/drawing/2014/main" id="{4BF90D00-8A38-4614-90A6-97DFB6A9BBE5}"/>
+              </a:ext>
+            </a:extLst>
+          </p:cNvPr>
+          <p:cNvGraphicFramePr>
+            <a:graphicFrameLocks noChangeAspect="1"/>
+          </p:cNvGraphicFramePr>
+          <p:nvPr>
+            <p:extLst>
+              <p:ext uri="{D42A27DB-BD31-4B8C-83A1-F6EECF244321}">
+                <p14:modId xmlns:p14="http://schemas.microsoft.com/office/powerpoint/2010/main" val="1424641994"/>
+              </p:ext>
+            </p:extLst>
+          </p:nvPr>
+        </p:nvGraphicFramePr>
+        <p:xfrm>
+          <a:off x="2693193" y="5649749"/>
+          <a:ext cx="8840787" cy="544512"/>
+        </p:xfrm>
+        <a:graphic>
+          <a:graphicData uri="http://schemas.openxmlformats.org/presentationml/2006/ole">
+            <mc:AlternateContent xmlns:mc="http://schemas.openxmlformats.org/markup-compatibility/2006">
+              <mc:Choice xmlns:v="urn:schemas-microsoft-com:vml" Requires="v">
+                <p:oleObj spid="_x0000_s14377" name="AxMath" r:id="rId8" imgW="6808320" imgH="417960" progId="Equation.AxMath">
+                  <p:embed/>
+                </p:oleObj>
+              </mc:Choice>
+              <mc:Fallback>
+                <p:oleObj name="AxMath" r:id="rId8" imgW="6808320" imgH="417960" progId="Equation.AxMath">
+                  <p:embed/>
+                  <p:pic>
+                    <p:nvPicPr>
+                      <p:cNvPr id="45" name="对象 44">
+                        <a:extLst>
+                          <a:ext uri="{FF2B5EF4-FFF2-40B4-BE49-F238E27FC236}">
+                            <a16:creationId xmlns:a16="http://schemas.microsoft.com/office/drawing/2014/main" id="{863D98AD-2394-4F3E-AB7D-7E714F765702}"/>
+                          </a:ext>
+                        </a:extLst>
+                      </p:cNvPr>
+                      <p:cNvPicPr/>
+                      <p:nvPr/>
+                    </p:nvPicPr>
+                    <p:blipFill>
+                      <a:blip r:embed="rId9"/>
+                      <a:stretch>
+                        <a:fillRect/>
+                      </a:stretch>
+                    </p:blipFill>
+                    <p:spPr>
+                      <a:xfrm>
+                        <a:off x="2693193" y="5649749"/>
+                        <a:ext cx="8840787" cy="544512"/>
+                      </a:xfrm>
+                      <a:prstGeom prst="rect">
+                        <a:avLst/>
+                      </a:prstGeom>
+                    </p:spPr>
+                  </p:pic>
+                </p:oleObj>
+              </mc:Fallback>
+            </mc:AlternateContent>
+          </a:graphicData>
+        </a:graphic>
+      </p:graphicFrame>
+    </p:spTree>
+    <p:extLst>
+      <p:ext uri="{BB962C8B-B14F-4D97-AF65-F5344CB8AC3E}">
+        <p14:creationId xmlns:p14="http://schemas.microsoft.com/office/powerpoint/2010/main" val="823618047"/>
+      </p:ext>
+    </p:extLst>
+  </p:cSld>
+  <p:clrMapOvr>
+    <a:masterClrMapping/>
+  </p:clrMapOvr>
+</p:sld>
+</file>
+
+<file path=ppt/slides/slide31.xml><?xml version="1.0" encoding="utf-8"?>
+<p:sld xmlns:a="http://schemas.openxmlformats.org/drawingml/2006/main" xmlns:r="http://schemas.openxmlformats.org/officeDocument/2006/relationships" xmlns:p="http://schemas.openxmlformats.org/presentationml/2006/main">
+  <p:cSld>
+    <p:spTree>
+      <p:nvGrpSpPr>
+        <p:cNvPr id="1" name=""/>
+        <p:cNvGrpSpPr/>
+        <p:nvPr/>
+      </p:nvGrpSpPr>
+      <p:grpSpPr>
+        <a:xfrm>
+          <a:off x="0" y="0"/>
+          <a:ext cx="0" cy="0"/>
+          <a:chOff x="0" y="0"/>
+          <a:chExt cx="0" cy="0"/>
+        </a:xfrm>
+      </p:grpSpPr>
+      <p:grpSp>
+        <p:nvGrpSpPr>
+          <p:cNvPr id="6" name="组合 5"/>
+          <p:cNvGrpSpPr/>
+          <p:nvPr/>
+        </p:nvGrpSpPr>
+        <p:grpSpPr>
+          <a:xfrm>
+            <a:off x="-635" y="403860"/>
+            <a:ext cx="12176125" cy="817880"/>
+            <a:chOff x="-1" y="636"/>
+            <a:chExt cx="19175" cy="1288"/>
+          </a:xfrm>
+        </p:grpSpPr>
+        <p:cxnSp>
+          <p:nvCxnSpPr>
+            <p:cNvPr id="4" name="直接连接符 3"/>
+            <p:cNvCxnSpPr/>
+            <p:nvPr/>
+          </p:nvCxnSpPr>
+          <p:spPr>
+            <a:xfrm>
+              <a:off x="16841" y="1226"/>
+              <a:ext cx="2333" cy="5"/>
+            </a:xfrm>
+            <a:prstGeom prst="line">
+              <a:avLst/>
+            </a:prstGeom>
+            <a:ln w="22225" cmpd="sng">
+              <a:solidFill>
+                <a:schemeClr val="bg2"/>
+              </a:solidFill>
+              <a:prstDash val="solid"/>
+            </a:ln>
+          </p:spPr>
+          <p:style>
+            <a:lnRef idx="1">
+              <a:schemeClr val="accent3"/>
+            </a:lnRef>
+            <a:fillRef idx="0">
+              <a:schemeClr val="accent3"/>
+            </a:fillRef>
+            <a:effectRef idx="0">
+              <a:schemeClr val="accent3"/>
+            </a:effectRef>
+            <a:fontRef idx="minor">
+              <a:schemeClr val="tx1"/>
+            </a:fontRef>
+          </p:style>
+        </p:cxnSp>
+        <p:grpSp>
+          <p:nvGrpSpPr>
+            <p:cNvPr id="8" name="组合 7"/>
+            <p:cNvGrpSpPr/>
+            <p:nvPr/>
+          </p:nvGrpSpPr>
+          <p:grpSpPr>
+            <a:xfrm>
+              <a:off x="-1" y="636"/>
+              <a:ext cx="18268" cy="1288"/>
+              <a:chOff x="-1" y="636"/>
+              <a:chExt cx="18268" cy="1288"/>
+            </a:xfrm>
+          </p:grpSpPr>
+          <p:cxnSp>
+            <p:nvCxnSpPr>
+              <p:cNvPr id="5" name="直接连接符 4"/>
+              <p:cNvCxnSpPr/>
+              <p:nvPr/>
+            </p:nvCxnSpPr>
+            <p:spPr>
+              <a:xfrm flipV="1">
+                <a:off x="-1" y="1238"/>
+                <a:ext cx="3968" cy="7"/>
+              </a:xfrm>
+              <a:prstGeom prst="line">
+                <a:avLst/>
+              </a:prstGeom>
+              <a:ln w="22225" cmpd="sng">
+                <a:solidFill>
+                  <a:schemeClr val="bg2"/>
+                </a:solidFill>
+                <a:prstDash val="solid"/>
+              </a:ln>
+            </p:spPr>
+            <p:style>
+              <a:lnRef idx="1">
+                <a:schemeClr val="accent3"/>
+              </a:lnRef>
+              <a:fillRef idx="0">
+                <a:schemeClr val="accent3"/>
+              </a:fillRef>
+              <a:effectRef idx="0">
+                <a:schemeClr val="accent3"/>
+              </a:effectRef>
+              <a:fontRef idx="minor">
+                <a:schemeClr val="tx1"/>
+              </a:fontRef>
+            </p:style>
+          </p:cxnSp>
+          <p:sp>
+            <p:nvSpPr>
+              <p:cNvPr id="11" name="椭圆 10"/>
+              <p:cNvSpPr/>
+              <p:nvPr/>
+            </p:nvSpPr>
+            <p:spPr>
+              <a:xfrm>
+                <a:off x="1315" y="636"/>
+                <a:ext cx="1336" cy="1288"/>
+              </a:xfrm>
+              <a:prstGeom prst="ellipse">
+                <a:avLst/>
+              </a:prstGeom>
+              <a:solidFill>
+                <a:srgbClr val="00B050"/>
+              </a:solidFill>
+              <a:ln>
+                <a:noFill/>
+              </a:ln>
+            </p:spPr>
+            <p:style>
+              <a:lnRef idx="2">
+                <a:schemeClr val="accent1">
+                  <a:shade val="50000"/>
+                </a:schemeClr>
+              </a:lnRef>
+              <a:fillRef idx="1">
+                <a:schemeClr val="accent1"/>
+              </a:fillRef>
+              <a:effectRef idx="0">
+                <a:schemeClr val="accent1"/>
+              </a:effectRef>
+              <a:fontRef idx="minor">
+                <a:schemeClr val="lt1"/>
+              </a:fontRef>
+            </p:style>
+            <p:txBody>
+              <a:bodyPr rtlCol="0" anchor="ctr"/>
+              <a:lstStyle/>
+              <a:p>
+                <a:pPr algn="ctr"/>
+                <a:r>
+                  <a:rPr lang="en-US" altLang="zh-CN" sz="2800" dirty="0">
+                    <a:latin typeface="微软雅黑" panose="020B0503020204020204" charset="-122"/>
+                    <a:ea typeface="微软雅黑" panose="020B0503020204020204" charset="-122"/>
+                  </a:rPr>
+                  <a:t>31</a:t>
+                </a:r>
+              </a:p>
+            </p:txBody>
+          </p:sp>
+          <p:sp>
+            <p:nvSpPr>
+              <p:cNvPr id="7" name="文本框 6"/>
+              <p:cNvSpPr txBox="1"/>
+              <p:nvPr/>
+            </p:nvSpPr>
+            <p:spPr>
+              <a:xfrm>
+                <a:off x="4138" y="636"/>
+                <a:ext cx="14129" cy="1018"/>
+              </a:xfrm>
+              <a:prstGeom prst="rect">
+                <a:avLst/>
+              </a:prstGeom>
+              <a:noFill/>
+            </p:spPr>
+            <p:txBody>
+              <a:bodyPr wrap="square" rtlCol="0">
+                <a:spAutoFit/>
+              </a:bodyPr>
+              <a:lstStyle/>
+              <a:p>
+                <a:r>
+                  <a:rPr lang="en-US" altLang="zh-CN" sz="3600" b="1" dirty="0">
+                    <a:latin typeface="Arial" panose="020B0604020202020204" pitchFamily="34" charset="0"/>
+                  </a:rPr>
+                  <a:t>IMU </a:t>
+                </a:r>
+                <a:r>
+                  <a:rPr lang="en-US" altLang="zh-CN" sz="3600" b="1" dirty="0" err="1">
+                    <a:latin typeface="Arial" panose="020B0604020202020204" pitchFamily="34" charset="0"/>
+                  </a:rPr>
+                  <a:t>preintegration</a:t>
+                </a:r>
+                <a:r>
+                  <a:rPr lang="en-US" altLang="zh-CN" sz="3600" b="0" i="0" dirty="0">
+                    <a:effectLst/>
+                    <a:latin typeface="Arial" panose="020B0604020202020204" pitchFamily="34" charset="0"/>
+                  </a:rPr>
+                  <a:t> </a:t>
+                </a:r>
+                <a:endParaRPr lang="zh-CN" altLang="en-US" sz="3600" b="1" dirty="0">
+                  <a:sym typeface="+mn-ea"/>
+                </a:endParaRPr>
+              </a:p>
+            </p:txBody>
+          </p:sp>
+        </p:grpSp>
+      </p:grpSp>
+      <mc:AlternateContent xmlns:mc="http://schemas.openxmlformats.org/markup-compatibility/2006" xmlns:a14="http://schemas.microsoft.com/office/drawing/2010/main">
+        <mc:Choice Requires="a14">
+          <p:sp>
+            <p:nvSpPr>
+              <p:cNvPr id="37" name="文本框 36">
+                <a:extLst>
+                  <a:ext uri="{FF2B5EF4-FFF2-40B4-BE49-F238E27FC236}">
+                    <a16:creationId xmlns:a16="http://schemas.microsoft.com/office/drawing/2014/main" id="{69B4B6C6-5DBA-44D3-88AB-73FB9D348FF3}"/>
+                  </a:ext>
+                </a:extLst>
+              </p:cNvPr>
+              <p:cNvSpPr txBox="1"/>
+              <p:nvPr/>
+            </p:nvSpPr>
+            <p:spPr>
+              <a:xfrm>
+                <a:off x="1683385" y="1258316"/>
+                <a:ext cx="5246804" cy="369332"/>
+              </a:xfrm>
+              <a:prstGeom prst="rect">
+                <a:avLst/>
+              </a:prstGeom>
+              <a:noFill/>
+            </p:spPr>
+            <p:txBody>
+              <a:bodyPr wrap="square" rtlCol="0" anchor="t">
+                <a:spAutoFit/>
+              </a:bodyPr>
+              <a:lstStyle/>
+              <a:p>
+                <a:r>
+                  <a:rPr lang="zh-CN" altLang="en-US" dirty="0"/>
+                  <a:t>将</a:t>
+                </a:r>
+                <a14:m>
+                  <m:oMath xmlns:m="http://schemas.openxmlformats.org/officeDocument/2006/math">
+                    <m:sSub>
+                      <m:sSubPr>
+                        <m:ctrlPr>
+                          <a:rPr lang="en-US" altLang="zh-CN" i="1" smtClean="0">
+                            <a:latin typeface="Cambria Math" panose="02040503050406030204" pitchFamily="18" charset="0"/>
+                          </a:rPr>
+                        </m:ctrlPr>
+                      </m:sSubPr>
+                      <m:e>
+                        <m:r>
+                          <a:rPr lang="zh-CN" altLang="en-US" i="1">
+                            <a:latin typeface="Cambria Math" panose="02040503050406030204" pitchFamily="18" charset="0"/>
+                          </a:rPr>
+                          <m:t>𝛿𝜃</m:t>
+                        </m:r>
+                      </m:e>
+                      <m:sub>
+                        <m:r>
+                          <m:rPr>
+                            <m:sty m:val="p"/>
+                          </m:rPr>
+                          <a:rPr lang="en-US" altLang="zh-CN" i="1">
+                            <a:latin typeface="Cambria Math" panose="02040503050406030204" pitchFamily="18" charset="0"/>
+                          </a:rPr>
+                          <m:t>k</m:t>
+                        </m:r>
+                        <m:r>
+                          <a:rPr lang="en-US" altLang="zh-CN" i="1" smtClean="0">
+                            <a:latin typeface="Cambria Math" panose="02040503050406030204" pitchFamily="18" charset="0"/>
+                          </a:rPr>
+                          <m:t>+</m:t>
+                        </m:r>
+                        <m:r>
+                          <a:rPr lang="en-US" altLang="zh-CN" b="0" i="1" smtClean="0">
+                            <a:latin typeface="Cambria Math" panose="02040503050406030204" pitchFamily="18" charset="0"/>
+                          </a:rPr>
+                          <m:t>1</m:t>
+                        </m:r>
+                      </m:sub>
+                    </m:sSub>
+                  </m:oMath>
+                </a14:m>
+                <a:r>
+                  <a:rPr lang="zh-CN" altLang="en-US" dirty="0"/>
+                  <a:t>的误差带入可得</a:t>
+                </a:r>
+              </a:p>
+            </p:txBody>
+          </p:sp>
+        </mc:Choice>
+        <mc:Fallback xmlns="">
+          <p:sp>
+            <p:nvSpPr>
+              <p:cNvPr id="37" name="文本框 36">
+                <a:extLst>
+                  <a:ext uri="{FF2B5EF4-FFF2-40B4-BE49-F238E27FC236}">
+                    <a16:creationId xmlns:a16="http://schemas.microsoft.com/office/drawing/2014/main" id="{69B4B6C6-5DBA-44D3-88AB-73FB9D348FF3}"/>
+                  </a:ext>
+                </a:extLst>
+              </p:cNvPr>
+              <p:cNvSpPr txBox="1">
+                <a:spLocks noRot="1" noChangeAspect="1" noMove="1" noResize="1" noEditPoints="1" noAdjustHandles="1" noChangeArrowheads="1" noChangeShapeType="1" noTextEdit="1"/>
+              </p:cNvSpPr>
+              <p:nvPr/>
+            </p:nvSpPr>
+            <p:spPr>
+              <a:xfrm>
+                <a:off x="1683385" y="1258316"/>
+                <a:ext cx="5246804" cy="369332"/>
+              </a:xfrm>
+              <a:prstGeom prst="rect">
+                <a:avLst/>
+              </a:prstGeom>
+              <a:blipFill>
+                <a:blip r:embed="rId4"/>
+                <a:stretch>
+                  <a:fillRect l="-929" t="-13115" b="-19672"/>
+                </a:stretch>
+              </a:blipFill>
+            </p:spPr>
+            <p:txBody>
+              <a:bodyPr/>
+              <a:lstStyle/>
+              <a:p>
+                <a:r>
+                  <a:rPr lang="zh-CN" altLang="en-US">
+                    <a:noFill/>
+                  </a:rPr>
+                  <a:t> </a:t>
+                </a:r>
+              </a:p>
+            </p:txBody>
+          </p:sp>
+        </mc:Fallback>
+      </mc:AlternateContent>
+      <p:graphicFrame>
+        <p:nvGraphicFramePr>
+          <p:cNvPr id="19" name="对象 18">
+            <a:extLst>
+              <a:ext uri="{FF2B5EF4-FFF2-40B4-BE49-F238E27FC236}">
+                <a16:creationId xmlns:a16="http://schemas.microsoft.com/office/drawing/2014/main" id="{B3AA01E8-E51E-4D56-A908-DDE7622AC527}"/>
+              </a:ext>
+            </a:extLst>
+          </p:cNvPr>
+          <p:cNvGraphicFramePr>
+            <a:graphicFrameLocks noChangeAspect="1"/>
+          </p:cNvGraphicFramePr>
+          <p:nvPr>
+            <p:extLst>
+              <p:ext uri="{D42A27DB-BD31-4B8C-83A1-F6EECF244321}">
+                <p14:modId xmlns:p14="http://schemas.microsoft.com/office/powerpoint/2010/main" val="3647473220"/>
+              </p:ext>
+            </p:extLst>
+          </p:nvPr>
+        </p:nvGraphicFramePr>
+        <p:xfrm>
+          <a:off x="1918464" y="1664224"/>
+          <a:ext cx="8355072" cy="5359656"/>
+        </p:xfrm>
+        <a:graphic>
+          <a:graphicData uri="http://schemas.openxmlformats.org/presentationml/2006/ole">
+            <mc:AlternateContent xmlns:mc="http://schemas.openxmlformats.org/markup-compatibility/2006">
+              <mc:Choice xmlns:v="urn:schemas-microsoft-com:vml" Requires="v">
+                <p:oleObj spid="_x0000_s15374" name="AxMath" r:id="rId5" imgW="7481160" imgH="4794120" progId="Equation.AxMath">
+                  <p:embed/>
+                </p:oleObj>
+              </mc:Choice>
+              <mc:Fallback>
+                <p:oleObj name="AxMath" r:id="rId5" imgW="7481160" imgH="4794120" progId="Equation.AxMath">
+                  <p:embed/>
+                  <p:pic>
+                    <p:nvPicPr>
+                      <p:cNvPr id="19" name="对象 18">
+                        <a:extLst>
+                          <a:ext uri="{FF2B5EF4-FFF2-40B4-BE49-F238E27FC236}">
+                            <a16:creationId xmlns:a16="http://schemas.microsoft.com/office/drawing/2014/main" id="{B3AA01E8-E51E-4D56-A908-DDE7622AC527}"/>
+                          </a:ext>
+                        </a:extLst>
+                      </p:cNvPr>
+                      <p:cNvPicPr/>
+                      <p:nvPr/>
+                    </p:nvPicPr>
+                    <p:blipFill>
+                      <a:blip r:embed="rId6"/>
+                      <a:stretch>
+                        <a:fillRect/>
+                      </a:stretch>
+                    </p:blipFill>
+                    <p:spPr>
+                      <a:xfrm>
+                        <a:off x="1918464" y="1664224"/>
+                        <a:ext cx="8355072" cy="5359656"/>
+                      </a:xfrm>
+                      <a:prstGeom prst="rect">
+                        <a:avLst/>
+                      </a:prstGeom>
+                    </p:spPr>
+                  </p:pic>
+                </p:oleObj>
+              </mc:Fallback>
+            </mc:AlternateContent>
+          </a:graphicData>
+        </a:graphic>
+      </p:graphicFrame>
+    </p:spTree>
+    <p:extLst>
+      <p:ext uri="{BB962C8B-B14F-4D97-AF65-F5344CB8AC3E}">
+        <p14:creationId xmlns:p14="http://schemas.microsoft.com/office/powerpoint/2010/main" val="408682328"/>
+      </p:ext>
+    </p:extLst>
+  </p:cSld>
+  <p:clrMapOvr>
+    <a:masterClrMapping/>
+  </p:clrMapOvr>
+</p:sld>
+</file>
+
+<file path=ppt/slides/slide32.xml><?xml version="1.0" encoding="utf-8"?>
+<p:sld xmlns:a="http://schemas.openxmlformats.org/drawingml/2006/main" xmlns:r="http://schemas.openxmlformats.org/officeDocument/2006/relationships" xmlns:p="http://schemas.openxmlformats.org/presentationml/2006/main">
+  <p:cSld>
+    <p:spTree>
+      <p:nvGrpSpPr>
+        <p:cNvPr id="1" name=""/>
+        <p:cNvGrpSpPr/>
+        <p:nvPr/>
+      </p:nvGrpSpPr>
+      <p:grpSpPr>
+        <a:xfrm>
+          <a:off x="0" y="0"/>
+          <a:ext cx="0" cy="0"/>
+          <a:chOff x="0" y="0"/>
+          <a:chExt cx="0" cy="0"/>
+        </a:xfrm>
+      </p:grpSpPr>
+      <p:grpSp>
+        <p:nvGrpSpPr>
+          <p:cNvPr id="6" name="组合 5"/>
+          <p:cNvGrpSpPr/>
+          <p:nvPr/>
+        </p:nvGrpSpPr>
+        <p:grpSpPr>
+          <a:xfrm>
+            <a:off x="-635" y="403860"/>
+            <a:ext cx="12176125" cy="817880"/>
+            <a:chOff x="-1" y="636"/>
+            <a:chExt cx="19175" cy="1288"/>
+          </a:xfrm>
+        </p:grpSpPr>
+        <p:cxnSp>
+          <p:nvCxnSpPr>
+            <p:cNvPr id="4" name="直接连接符 3"/>
+            <p:cNvCxnSpPr/>
+            <p:nvPr/>
+          </p:nvCxnSpPr>
+          <p:spPr>
+            <a:xfrm>
+              <a:off x="16841" y="1226"/>
+              <a:ext cx="2333" cy="5"/>
+            </a:xfrm>
+            <a:prstGeom prst="line">
+              <a:avLst/>
+            </a:prstGeom>
+            <a:ln w="22225" cmpd="sng">
+              <a:solidFill>
+                <a:schemeClr val="bg2"/>
+              </a:solidFill>
+              <a:prstDash val="solid"/>
+            </a:ln>
+          </p:spPr>
+          <p:style>
+            <a:lnRef idx="1">
+              <a:schemeClr val="accent3"/>
+            </a:lnRef>
+            <a:fillRef idx="0">
+              <a:schemeClr val="accent3"/>
+            </a:fillRef>
+            <a:effectRef idx="0">
+              <a:schemeClr val="accent3"/>
+            </a:effectRef>
+            <a:fontRef idx="minor">
+              <a:schemeClr val="tx1"/>
+            </a:fontRef>
+          </p:style>
+        </p:cxnSp>
+        <p:grpSp>
+          <p:nvGrpSpPr>
+            <p:cNvPr id="8" name="组合 7"/>
+            <p:cNvGrpSpPr/>
+            <p:nvPr/>
+          </p:nvGrpSpPr>
+          <p:grpSpPr>
+            <a:xfrm>
+              <a:off x="-1" y="636"/>
+              <a:ext cx="18268" cy="1288"/>
+              <a:chOff x="-1" y="636"/>
+              <a:chExt cx="18268" cy="1288"/>
+            </a:xfrm>
+          </p:grpSpPr>
+          <p:cxnSp>
+            <p:nvCxnSpPr>
+              <p:cNvPr id="5" name="直接连接符 4"/>
+              <p:cNvCxnSpPr/>
+              <p:nvPr/>
+            </p:nvCxnSpPr>
+            <p:spPr>
+              <a:xfrm flipV="1">
+                <a:off x="-1" y="1238"/>
+                <a:ext cx="3968" cy="7"/>
+              </a:xfrm>
+              <a:prstGeom prst="line">
+                <a:avLst/>
+              </a:prstGeom>
+              <a:ln w="22225" cmpd="sng">
+                <a:solidFill>
+                  <a:schemeClr val="bg2"/>
+                </a:solidFill>
+                <a:prstDash val="solid"/>
+              </a:ln>
+            </p:spPr>
+            <p:style>
+              <a:lnRef idx="1">
+                <a:schemeClr val="accent3"/>
+              </a:lnRef>
+              <a:fillRef idx="0">
+                <a:schemeClr val="accent3"/>
+              </a:fillRef>
+              <a:effectRef idx="0">
+                <a:schemeClr val="accent3"/>
+              </a:effectRef>
+              <a:fontRef idx="minor">
+                <a:schemeClr val="tx1"/>
+              </a:fontRef>
+            </p:style>
+          </p:cxnSp>
+          <p:sp>
+            <p:nvSpPr>
+              <p:cNvPr id="11" name="椭圆 10"/>
+              <p:cNvSpPr/>
+              <p:nvPr/>
+            </p:nvSpPr>
+            <p:spPr>
+              <a:xfrm>
+                <a:off x="1315" y="636"/>
+                <a:ext cx="1336" cy="1288"/>
+              </a:xfrm>
+              <a:prstGeom prst="ellipse">
+                <a:avLst/>
+              </a:prstGeom>
+              <a:solidFill>
+                <a:srgbClr val="00B050"/>
+              </a:solidFill>
+              <a:ln>
+                <a:noFill/>
+              </a:ln>
+            </p:spPr>
+            <p:style>
+              <a:lnRef idx="2">
+                <a:schemeClr val="accent1">
+                  <a:shade val="50000"/>
+                </a:schemeClr>
+              </a:lnRef>
+              <a:fillRef idx="1">
+                <a:schemeClr val="accent1"/>
+              </a:fillRef>
+              <a:effectRef idx="0">
+                <a:schemeClr val="accent1"/>
+              </a:effectRef>
+              <a:fontRef idx="minor">
+                <a:schemeClr val="lt1"/>
+              </a:fontRef>
+            </p:style>
+            <p:txBody>
+              <a:bodyPr rtlCol="0" anchor="ctr"/>
+              <a:lstStyle/>
+              <a:p>
+                <a:pPr algn="ctr"/>
+                <a:r>
+                  <a:rPr lang="en-US" altLang="zh-CN" sz="2800" dirty="0">
+                    <a:latin typeface="微软雅黑" panose="020B0503020204020204" charset="-122"/>
+                    <a:ea typeface="微软雅黑" panose="020B0503020204020204" charset="-122"/>
+                  </a:rPr>
+                  <a:t>32</a:t>
+                </a:r>
+              </a:p>
+            </p:txBody>
+          </p:sp>
+          <p:sp>
+            <p:nvSpPr>
+              <p:cNvPr id="7" name="文本框 6"/>
+              <p:cNvSpPr txBox="1"/>
+              <p:nvPr/>
+            </p:nvSpPr>
+            <p:spPr>
+              <a:xfrm>
+                <a:off x="4138" y="636"/>
+                <a:ext cx="14129" cy="1018"/>
+              </a:xfrm>
+              <a:prstGeom prst="rect">
+                <a:avLst/>
+              </a:prstGeom>
+              <a:noFill/>
+            </p:spPr>
+            <p:txBody>
+              <a:bodyPr wrap="square" rtlCol="0">
+                <a:spAutoFit/>
+              </a:bodyPr>
+              <a:lstStyle/>
+              <a:p>
+                <a:r>
+                  <a:rPr lang="en-US" altLang="zh-CN" sz="3600" b="1" dirty="0">
+                    <a:latin typeface="Arial" panose="020B0604020202020204" pitchFamily="34" charset="0"/>
+                  </a:rPr>
+                  <a:t>IMU </a:t>
+                </a:r>
+                <a:r>
+                  <a:rPr lang="en-US" altLang="zh-CN" sz="3600" b="1" dirty="0" err="1">
+                    <a:latin typeface="Arial" panose="020B0604020202020204" pitchFamily="34" charset="0"/>
+                  </a:rPr>
+                  <a:t>preintegration</a:t>
+                </a:r>
+                <a:r>
+                  <a:rPr lang="en-US" altLang="zh-CN" sz="3600" b="0" i="0" dirty="0">
+                    <a:effectLst/>
+                    <a:latin typeface="Arial" panose="020B0604020202020204" pitchFamily="34" charset="0"/>
+                  </a:rPr>
+                  <a:t> </a:t>
+                </a:r>
+                <a:endParaRPr lang="zh-CN" altLang="en-US" sz="3600" b="1" dirty="0">
+                  <a:sym typeface="+mn-ea"/>
+                </a:endParaRPr>
+              </a:p>
+            </p:txBody>
+          </p:sp>
+        </p:grpSp>
+      </p:grpSp>
+      <p:sp>
+        <p:nvSpPr>
+          <p:cNvPr id="37" name="文本框 36">
+            <a:extLst>
+              <a:ext uri="{FF2B5EF4-FFF2-40B4-BE49-F238E27FC236}">
+                <a16:creationId xmlns:a16="http://schemas.microsoft.com/office/drawing/2014/main" id="{69B4B6C6-5DBA-44D3-88AB-73FB9D348FF3}"/>
+              </a:ext>
+            </a:extLst>
+          </p:cNvPr>
+          <p:cNvSpPr txBox="1"/>
+          <p:nvPr/>
+        </p:nvSpPr>
+        <p:spPr>
+          <a:xfrm>
+            <a:off x="1683385" y="1258316"/>
+            <a:ext cx="5246804" cy="369332"/>
+          </a:xfrm>
+          <a:prstGeom prst="rect">
+            <a:avLst/>
+          </a:prstGeom>
+          <a:noFill/>
+        </p:spPr>
+        <p:txBody>
+          <a:bodyPr wrap="square" rtlCol="0" anchor="t">
+            <a:spAutoFit/>
+          </a:bodyPr>
+          <a:lstStyle/>
+          <a:p>
+            <a:r>
+              <a:rPr lang="zh-CN" altLang="en-US" dirty="0"/>
+              <a:t>则下一时刻的速度误差为</a:t>
+            </a:r>
+          </a:p>
+        </p:txBody>
+      </p:sp>
+      <p:graphicFrame>
+        <p:nvGraphicFramePr>
+          <p:cNvPr id="19" name="对象 18">
+            <a:extLst>
+              <a:ext uri="{FF2B5EF4-FFF2-40B4-BE49-F238E27FC236}">
+                <a16:creationId xmlns:a16="http://schemas.microsoft.com/office/drawing/2014/main" id="{B3AA01E8-E51E-4D56-A908-DDE7622AC527}"/>
+              </a:ext>
+            </a:extLst>
+          </p:cNvPr>
+          <p:cNvGraphicFramePr>
+            <a:graphicFrameLocks noChangeAspect="1"/>
+          </p:cNvGraphicFramePr>
+          <p:nvPr>
+            <p:extLst>
+              <p:ext uri="{D42A27DB-BD31-4B8C-83A1-F6EECF244321}">
+                <p14:modId xmlns:p14="http://schemas.microsoft.com/office/powerpoint/2010/main" val="2621375223"/>
+              </p:ext>
+            </p:extLst>
+          </p:nvPr>
+        </p:nvGraphicFramePr>
+        <p:xfrm>
+          <a:off x="2006981" y="1664224"/>
+          <a:ext cx="9227089" cy="2698025"/>
+        </p:xfrm>
+        <a:graphic>
+          <a:graphicData uri="http://schemas.openxmlformats.org/presentationml/2006/ole">
+            <mc:AlternateContent xmlns:mc="http://schemas.openxmlformats.org/markup-compatibility/2006">
+              <mc:Choice xmlns:v="urn:schemas-microsoft-com:vml" Requires="v">
+                <p:oleObj spid="_x0000_s16393" name="AxMath" r:id="rId4" imgW="6679080" imgH="1951560" progId="Equation.AxMath">
+                  <p:embed/>
+                </p:oleObj>
+              </mc:Choice>
+              <mc:Fallback>
+                <p:oleObj name="AxMath" r:id="rId4" imgW="6679080" imgH="1951560" progId="Equation.AxMath">
+                  <p:embed/>
+                  <p:pic>
+                    <p:nvPicPr>
+                      <p:cNvPr id="19" name="对象 18">
+                        <a:extLst>
+                          <a:ext uri="{FF2B5EF4-FFF2-40B4-BE49-F238E27FC236}">
+                            <a16:creationId xmlns:a16="http://schemas.microsoft.com/office/drawing/2014/main" id="{B3AA01E8-E51E-4D56-A908-DDE7622AC527}"/>
+                          </a:ext>
+                        </a:extLst>
+                      </p:cNvPr>
+                      <p:cNvPicPr/>
+                      <p:nvPr/>
+                    </p:nvPicPr>
+                    <p:blipFill>
+                      <a:blip r:embed="rId5"/>
+                      <a:stretch>
+                        <a:fillRect/>
+                      </a:stretch>
+                    </p:blipFill>
+                    <p:spPr>
+                      <a:xfrm>
+                        <a:off x="2006981" y="1664224"/>
+                        <a:ext cx="9227089" cy="2698025"/>
+                      </a:xfrm>
+                      <a:prstGeom prst="rect">
+                        <a:avLst/>
+                      </a:prstGeom>
+                    </p:spPr>
+                  </p:pic>
+                </p:oleObj>
+              </mc:Fallback>
+            </mc:AlternateContent>
+          </a:graphicData>
+        </a:graphic>
+      </p:graphicFrame>
+    </p:spTree>
+    <p:extLst>
+      <p:ext uri="{BB962C8B-B14F-4D97-AF65-F5344CB8AC3E}">
+        <p14:creationId xmlns:p14="http://schemas.microsoft.com/office/powerpoint/2010/main" val="3947309003"/>
+      </p:ext>
+    </p:extLst>
+  </p:cSld>
+  <p:clrMapOvr>
+    <a:masterClrMapping/>
+  </p:clrMapOvr>
+</p:sld>
+</file>
+
+<file path=ppt/slides/slide33.xml><?xml version="1.0" encoding="utf-8"?>
+<p:sld xmlns:a="http://schemas.openxmlformats.org/drawingml/2006/main" xmlns:r="http://schemas.openxmlformats.org/officeDocument/2006/relationships" xmlns:p="http://schemas.openxmlformats.org/presentationml/2006/main">
+  <p:cSld>
+    <p:bg>
+      <p:bgPr>
+        <a:solidFill>
+          <a:schemeClr val="bg1"/>
+        </a:solidFill>
+        <a:effectLst/>
+      </p:bgPr>
+    </p:bg>
+    <p:spTree>
+      <p:nvGrpSpPr>
+        <p:cNvPr id="1" name=""/>
+        <p:cNvGrpSpPr/>
+        <p:nvPr/>
+      </p:nvGrpSpPr>
+      <p:grpSpPr>
+        <a:xfrm>
+          <a:off x="0" y="0"/>
+          <a:ext cx="0" cy="0"/>
+          <a:chOff x="0" y="0"/>
+          <a:chExt cx="0" cy="0"/>
+        </a:xfrm>
+      </p:grpSpPr>
+      <p:pic>
+        <p:nvPicPr>
+          <p:cNvPr id="4" name="图片 3"/>
+          <p:cNvPicPr>
+            <a:picLocks noChangeAspect="1"/>
+          </p:cNvPicPr>
+          <p:nvPr/>
+        </p:nvPicPr>
+        <p:blipFill>
+          <a:blip r:embed="rId2"/>
+          <a:srcRect l="5210" t="2776" r="1916" b="2046"/>
+          <a:stretch>
+            <a:fillRect/>
+          </a:stretch>
+        </p:blipFill>
+        <p:spPr>
+          <a:xfrm>
+            <a:off x="-4445" y="-25400"/>
+            <a:ext cx="12190095" cy="6885940"/>
+          </a:xfrm>
+          <a:prstGeom prst="rect">
+            <a:avLst/>
+          </a:prstGeom>
+        </p:spPr>
+      </p:pic>
     </p:spTree>
   </p:cSld>
   <p:clrMapOvr>
@@ -15954,4 +22789,299 @@
     </a:ext>
   </a:extLst>
 </a:theme>
+</file>
+
+<file path=ppt/theme/theme2.xml><?xml version="1.0" encoding="utf-8"?>
+<a:theme xmlns:a="http://schemas.openxmlformats.org/drawingml/2006/main" name="Office 主题​​">
+  <a:themeElements>
+    <a:clrScheme name="Office">
+      <a:dk1>
+        <a:sysClr val="windowText" lastClr="000000"/>
+      </a:dk1>
+      <a:lt1>
+        <a:sysClr val="window" lastClr="FFFFFF"/>
+      </a:lt1>
+      <a:dk2>
+        <a:srgbClr val="44546A"/>
+      </a:dk2>
+      <a:lt2>
+        <a:srgbClr val="E7E6E6"/>
+      </a:lt2>
+      <a:accent1>
+        <a:srgbClr val="4472C4"/>
+      </a:accent1>
+      <a:accent2>
+        <a:srgbClr val="ED7D31"/>
+      </a:accent2>
+      <a:accent3>
+        <a:srgbClr val="A5A5A5"/>
+      </a:accent3>
+      <a:accent4>
+        <a:srgbClr val="FFC000"/>
+      </a:accent4>
+      <a:accent5>
+        <a:srgbClr val="5B9BD5"/>
+      </a:accent5>
+      <a:accent6>
+        <a:srgbClr val="70AD47"/>
+      </a:accent6>
+      <a:hlink>
+        <a:srgbClr val="0563C1"/>
+      </a:hlink>
+      <a:folHlink>
+        <a:srgbClr val="954F72"/>
+      </a:folHlink>
+    </a:clrScheme>
+    <a:fontScheme name="Office">
+      <a:majorFont>
+        <a:latin typeface="等线 Light" panose="020F0302020204030204"/>
+        <a:ea typeface=""/>
+        <a:cs typeface=""/>
+        <a:font script="Jpan" typeface="游ゴシック Light"/>
+        <a:font script="Hang" typeface="맑은 고딕"/>
+        <a:font script="Hans" typeface="等线 Light"/>
+        <a:font script="Hant" typeface="新細明體"/>
+        <a:font script="Arab" typeface="Times New Roman"/>
+        <a:font script="Hebr" typeface="Times New Roman"/>
+        <a:font script="Thai" typeface="Angsana New"/>
+        <a:font script="Ethi" typeface="Nyala"/>
+        <a:font script="Beng" typeface="Vrinda"/>
+        <a:font script="Gujr" typeface="Shruti"/>
+        <a:font script="Khmr" typeface="MoolBoran"/>
+        <a:font script="Knda" typeface="Tunga"/>
+        <a:font script="Guru" typeface="Raavi"/>
+        <a:font script="Cans" typeface="Euphemia"/>
+        <a:font script="Cher" typeface="Plantagenet Cherokee"/>
+        <a:font script="Yiii" typeface="Microsoft Yi Baiti"/>
+        <a:font script="Tibt" typeface="Microsoft Himalaya"/>
+        <a:font script="Thaa" typeface="MV Boli"/>
+        <a:font script="Deva" typeface="Mangal"/>
+        <a:font script="Telu" typeface="Gautami"/>
+        <a:font script="Taml" typeface="Latha"/>
+        <a:font script="Syrc" typeface="Estrangelo Edessa"/>
+        <a:font script="Orya" typeface="Kalinga"/>
+        <a:font script="Mlym" typeface="Kartika"/>
+        <a:font script="Laoo" typeface="DokChampa"/>
+        <a:font script="Sinh" typeface="Iskoola Pota"/>
+        <a:font script="Mong" typeface="Mongolian Baiti"/>
+        <a:font script="Viet" typeface="Times New Roman"/>
+        <a:font script="Uigh" typeface="Microsoft Uighur"/>
+        <a:font script="Geor" typeface="Sylfaen"/>
+        <a:font script="Armn" typeface="Arial"/>
+        <a:font script="Bugi" typeface="Leelawadee UI"/>
+        <a:font script="Bopo" typeface="Microsoft JhengHei"/>
+        <a:font script="Java" typeface="Javanese Text"/>
+        <a:font script="Lisu" typeface="Segoe UI"/>
+        <a:font script="Mymr" typeface="Myanmar Text"/>
+        <a:font script="Nkoo" typeface="Ebrima"/>
+        <a:font script="Olck" typeface="Nirmala UI"/>
+        <a:font script="Osma" typeface="Ebrima"/>
+        <a:font script="Phag" typeface="Phagspa"/>
+        <a:font script="Syrn" typeface="Estrangelo Edessa"/>
+        <a:font script="Syrj" typeface="Estrangelo Edessa"/>
+        <a:font script="Syre" typeface="Estrangelo Edessa"/>
+        <a:font script="Sora" typeface="Nirmala UI"/>
+        <a:font script="Tale" typeface="Microsoft Tai Le"/>
+        <a:font script="Talu" typeface="Microsoft New Tai Lue"/>
+        <a:font script="Tfng" typeface="Ebrima"/>
+      </a:majorFont>
+      <a:minorFont>
+        <a:latin typeface="等线" panose="020F0502020204030204"/>
+        <a:ea typeface=""/>
+        <a:cs typeface=""/>
+        <a:font script="Jpan" typeface="游ゴシック"/>
+        <a:font script="Hang" typeface="맑은 고딕"/>
+        <a:font script="Hans" typeface="等线"/>
+        <a:font script="Hant" typeface="新細明體"/>
+        <a:font script="Arab" typeface="Arial"/>
+        <a:font script="Hebr" typeface="Arial"/>
+        <a:font script="Thai" typeface="Cordia New"/>
+        <a:font script="Ethi" typeface="Nyala"/>
+        <a:font script="Beng" typeface="Vrinda"/>
+        <a:font script="Gujr" typeface="Shruti"/>
+        <a:font script="Khmr" typeface="DaunPenh"/>
+        <a:font script="Knda" typeface="Tunga"/>
+        <a:font script="Guru" typeface="Raavi"/>
+        <a:font script="Cans" typeface="Euphemia"/>
+        <a:font script="Cher" typeface="Plantagenet Cherokee"/>
+        <a:font script="Yiii" typeface="Microsoft Yi Baiti"/>
+        <a:font script="Tibt" typeface="Microsoft Himalaya"/>
+        <a:font script="Thaa" typeface="MV Boli"/>
+        <a:font script="Deva" typeface="Mangal"/>
+        <a:font script="Telu" typeface="Gautami"/>
+        <a:font script="Taml" typeface="Latha"/>
+        <a:font script="Syrc" typeface="Estrangelo Edessa"/>
+        <a:font script="Orya" typeface="Kalinga"/>
+        <a:font script="Mlym" typeface="Kartika"/>
+        <a:font script="Laoo" typeface="DokChampa"/>
+        <a:font script="Sinh" typeface="Iskoola Pota"/>
+        <a:font script="Mong" typeface="Mongolian Baiti"/>
+        <a:font script="Viet" typeface="Arial"/>
+        <a:font script="Uigh" typeface="Microsoft Uighur"/>
+        <a:font script="Geor" typeface="Sylfaen"/>
+        <a:font script="Armn" typeface="Arial"/>
+        <a:font script="Bugi" typeface="Leelawadee UI"/>
+        <a:font script="Bopo" typeface="Microsoft JhengHei"/>
+        <a:font script="Java" typeface="Javanese Text"/>
+        <a:font script="Lisu" typeface="Segoe UI"/>
+        <a:font script="Mymr" typeface="Myanmar Text"/>
+        <a:font script="Nkoo" typeface="Ebrima"/>
+        <a:font script="Olck" typeface="Nirmala UI"/>
+        <a:font script="Osma" typeface="Ebrima"/>
+        <a:font script="Phag" typeface="Phagspa"/>
+        <a:font script="Syrn" typeface="Estrangelo Edessa"/>
+        <a:font script="Syrj" typeface="Estrangelo Edessa"/>
+        <a:font script="Syre" typeface="Estrangelo Edessa"/>
+        <a:font script="Sora" typeface="Nirmala UI"/>
+        <a:font script="Tale" typeface="Microsoft Tai Le"/>
+        <a:font script="Talu" typeface="Microsoft New Tai Lue"/>
+        <a:font script="Tfng" typeface="Ebrima"/>
+      </a:minorFont>
+    </a:fontScheme>
+    <a:fmtScheme name="Office">
+      <a:fillStyleLst>
+        <a:solidFill>
+          <a:schemeClr val="phClr"/>
+        </a:solidFill>
+        <a:gradFill rotWithShape="1">
+          <a:gsLst>
+            <a:gs pos="0">
+              <a:schemeClr val="phClr">
+                <a:lumMod val="110000"/>
+                <a:satMod val="105000"/>
+                <a:tint val="67000"/>
+              </a:schemeClr>
+            </a:gs>
+            <a:gs pos="50000">
+              <a:schemeClr val="phClr">
+                <a:lumMod val="105000"/>
+                <a:satMod val="103000"/>
+                <a:tint val="73000"/>
+              </a:schemeClr>
+            </a:gs>
+            <a:gs pos="100000">
+              <a:schemeClr val="phClr">
+                <a:lumMod val="105000"/>
+                <a:satMod val="109000"/>
+                <a:tint val="81000"/>
+              </a:schemeClr>
+            </a:gs>
+          </a:gsLst>
+          <a:lin ang="5400000" scaled="0"/>
+        </a:gradFill>
+        <a:gradFill rotWithShape="1">
+          <a:gsLst>
+            <a:gs pos="0">
+              <a:schemeClr val="phClr">
+                <a:satMod val="103000"/>
+                <a:lumMod val="102000"/>
+                <a:tint val="94000"/>
+              </a:schemeClr>
+            </a:gs>
+            <a:gs pos="50000">
+              <a:schemeClr val="phClr">
+                <a:satMod val="110000"/>
+                <a:lumMod val="100000"/>
+                <a:shade val="100000"/>
+              </a:schemeClr>
+            </a:gs>
+            <a:gs pos="100000">
+              <a:schemeClr val="phClr">
+                <a:lumMod val="99000"/>
+                <a:satMod val="120000"/>
+                <a:shade val="78000"/>
+              </a:schemeClr>
+            </a:gs>
+          </a:gsLst>
+          <a:lin ang="5400000" scaled="0"/>
+        </a:gradFill>
+      </a:fillStyleLst>
+      <a:lnStyleLst>
+        <a:ln w="6350" cap="flat" cmpd="sng" algn="ctr">
+          <a:solidFill>
+            <a:schemeClr val="phClr"/>
+          </a:solidFill>
+          <a:prstDash val="solid"/>
+          <a:miter lim="800000"/>
+        </a:ln>
+        <a:ln w="12700" cap="flat" cmpd="sng" algn="ctr">
+          <a:solidFill>
+            <a:schemeClr val="phClr"/>
+          </a:solidFill>
+          <a:prstDash val="solid"/>
+          <a:miter lim="800000"/>
+        </a:ln>
+        <a:ln w="19050" cap="flat" cmpd="sng" algn="ctr">
+          <a:solidFill>
+            <a:schemeClr val="phClr"/>
+          </a:solidFill>
+          <a:prstDash val="solid"/>
+          <a:miter lim="800000"/>
+        </a:ln>
+      </a:lnStyleLst>
+      <a:effectStyleLst>
+        <a:effectStyle>
+          <a:effectLst/>
+        </a:effectStyle>
+        <a:effectStyle>
+          <a:effectLst/>
+        </a:effectStyle>
+        <a:effectStyle>
+          <a:effectLst>
+            <a:outerShdw blurRad="57150" dist="19050" dir="5400000" algn="ctr" rotWithShape="0">
+              <a:srgbClr val="000000">
+                <a:alpha val="63000"/>
+              </a:srgbClr>
+            </a:outerShdw>
+          </a:effectLst>
+        </a:effectStyle>
+      </a:effectStyleLst>
+      <a:bgFillStyleLst>
+        <a:solidFill>
+          <a:schemeClr val="phClr"/>
+        </a:solidFill>
+        <a:solidFill>
+          <a:schemeClr val="phClr">
+            <a:tint val="95000"/>
+            <a:satMod val="170000"/>
+          </a:schemeClr>
+        </a:solidFill>
+        <a:gradFill rotWithShape="1">
+          <a:gsLst>
+            <a:gs pos="0">
+              <a:schemeClr val="phClr">
+                <a:tint val="93000"/>
+                <a:satMod val="150000"/>
+                <a:shade val="98000"/>
+                <a:lumMod val="102000"/>
+              </a:schemeClr>
+            </a:gs>
+            <a:gs pos="50000">
+              <a:schemeClr val="phClr">
+                <a:tint val="98000"/>
+                <a:satMod val="130000"/>
+                <a:shade val="90000"/>
+                <a:lumMod val="103000"/>
+              </a:schemeClr>
+            </a:gs>
+            <a:gs pos="100000">
+              <a:schemeClr val="phClr">
+                <a:shade val="63000"/>
+                <a:satMod val="120000"/>
+              </a:schemeClr>
+            </a:gs>
+          </a:gsLst>
+          <a:lin ang="5400000" scaled="0"/>
+        </a:gradFill>
+      </a:bgFillStyleLst>
+    </a:fmtScheme>
+  </a:themeElements>
+  <a:objectDefaults/>
+  <a:extraClrSchemeLst/>
+  <a:extLst>
+    <a:ext uri="{05A4C25C-085E-4340-85A3-A5531E510DB2}">
+      <thm15:themeFamily xmlns:thm15="http://schemas.microsoft.com/office/thememl/2012/main" name="Office Theme" id="{62F939B6-93AF-4DB8-9C6B-D6C7DFDC589F}" vid="{4A3C46E8-61CC-4603-A589-7422A47A8E4A}"/>
+    </a:ext>
+  </a:extLst>
+</a:theme>
 </file>